--- a/Kompendie/tegnOgSymboler/figurer og symboler.pptx
+++ b/Kompendie/tegnOgSymboler/figurer og symboler.pptx
@@ -7,6 +7,12 @@
   <p:sldIdLst>
     <p:sldId id="256" r:id="rId2"/>
     <p:sldId id="257" r:id="rId3"/>
+    <p:sldId id="258" r:id="rId4"/>
+    <p:sldId id="259" r:id="rId5"/>
+    <p:sldId id="260" r:id="rId6"/>
+    <p:sldId id="261" r:id="rId7"/>
+    <p:sldId id="262" r:id="rId8"/>
+    <p:sldId id="263" r:id="rId9"/>
   </p:sldIdLst>
   <p:sldSz cx="12192000" cy="6858000"/>
   <p:notesSz cx="6858000" cy="9144000"/>
@@ -260,7 +266,7 @@
           <a:p>
             <a:fld id="{89077CCB-C3E5-4E75-AE59-A7147C579FE6}" type="datetimeFigureOut">
               <a:rPr lang="nb-NO" smtClean="0"/>
-              <a:t>16.04.2025</a:t>
+              <a:t>20.04.2025</a:t>
             </a:fld>
             <a:endParaRPr lang="nb-NO"/>
           </a:p>
@@ -458,7 +464,7 @@
           <a:p>
             <a:fld id="{89077CCB-C3E5-4E75-AE59-A7147C579FE6}" type="datetimeFigureOut">
               <a:rPr lang="nb-NO" smtClean="0"/>
-              <a:t>16.04.2025</a:t>
+              <a:t>20.04.2025</a:t>
             </a:fld>
             <a:endParaRPr lang="nb-NO"/>
           </a:p>
@@ -666,7 +672,7 @@
           <a:p>
             <a:fld id="{89077CCB-C3E5-4E75-AE59-A7147C579FE6}" type="datetimeFigureOut">
               <a:rPr lang="nb-NO" smtClean="0"/>
-              <a:t>16.04.2025</a:t>
+              <a:t>20.04.2025</a:t>
             </a:fld>
             <a:endParaRPr lang="nb-NO"/>
           </a:p>
@@ -864,7 +870,7 @@
           <a:p>
             <a:fld id="{89077CCB-C3E5-4E75-AE59-A7147C579FE6}" type="datetimeFigureOut">
               <a:rPr lang="nb-NO" smtClean="0"/>
-              <a:t>16.04.2025</a:t>
+              <a:t>20.04.2025</a:t>
             </a:fld>
             <a:endParaRPr lang="nb-NO"/>
           </a:p>
@@ -1139,7 +1145,7 @@
           <a:p>
             <a:fld id="{89077CCB-C3E5-4E75-AE59-A7147C579FE6}" type="datetimeFigureOut">
               <a:rPr lang="nb-NO" smtClean="0"/>
-              <a:t>16.04.2025</a:t>
+              <a:t>20.04.2025</a:t>
             </a:fld>
             <a:endParaRPr lang="nb-NO"/>
           </a:p>
@@ -1404,7 +1410,7 @@
           <a:p>
             <a:fld id="{89077CCB-C3E5-4E75-AE59-A7147C579FE6}" type="datetimeFigureOut">
               <a:rPr lang="nb-NO" smtClean="0"/>
-              <a:t>16.04.2025</a:t>
+              <a:t>20.04.2025</a:t>
             </a:fld>
             <a:endParaRPr lang="nb-NO"/>
           </a:p>
@@ -1816,7 +1822,7 @@
           <a:p>
             <a:fld id="{89077CCB-C3E5-4E75-AE59-A7147C579FE6}" type="datetimeFigureOut">
               <a:rPr lang="nb-NO" smtClean="0"/>
-              <a:t>16.04.2025</a:t>
+              <a:t>20.04.2025</a:t>
             </a:fld>
             <a:endParaRPr lang="nb-NO"/>
           </a:p>
@@ -1957,7 +1963,7 @@
           <a:p>
             <a:fld id="{89077CCB-C3E5-4E75-AE59-A7147C579FE6}" type="datetimeFigureOut">
               <a:rPr lang="nb-NO" smtClean="0"/>
-              <a:t>16.04.2025</a:t>
+              <a:t>20.04.2025</a:t>
             </a:fld>
             <a:endParaRPr lang="nb-NO"/>
           </a:p>
@@ -2070,7 +2076,7 @@
           <a:p>
             <a:fld id="{89077CCB-C3E5-4E75-AE59-A7147C579FE6}" type="datetimeFigureOut">
               <a:rPr lang="nb-NO" smtClean="0"/>
-              <a:t>16.04.2025</a:t>
+              <a:t>20.04.2025</a:t>
             </a:fld>
             <a:endParaRPr lang="nb-NO"/>
           </a:p>
@@ -2381,7 +2387,7 @@
           <a:p>
             <a:fld id="{89077CCB-C3E5-4E75-AE59-A7147C579FE6}" type="datetimeFigureOut">
               <a:rPr lang="nb-NO" smtClean="0"/>
-              <a:t>16.04.2025</a:t>
+              <a:t>20.04.2025</a:t>
             </a:fld>
             <a:endParaRPr lang="nb-NO"/>
           </a:p>
@@ -2669,7 +2675,7 @@
           <a:p>
             <a:fld id="{89077CCB-C3E5-4E75-AE59-A7147C579FE6}" type="datetimeFigureOut">
               <a:rPr lang="nb-NO" smtClean="0"/>
-              <a:t>16.04.2025</a:t>
+              <a:t>20.04.2025</a:t>
             </a:fld>
             <a:endParaRPr lang="nb-NO"/>
           </a:p>
@@ -2910,7 +2916,7 @@
           <a:p>
             <a:fld id="{89077CCB-C3E5-4E75-AE59-A7147C579FE6}" type="datetimeFigureOut">
               <a:rPr lang="nb-NO" smtClean="0"/>
-              <a:t>16.04.2025</a:t>
+              <a:t>20.04.2025</a:t>
             </a:fld>
             <a:endParaRPr lang="nb-NO"/>
           </a:p>
@@ -3740,8 +3746,8 @@
           </a:fontRef>
         </p:style>
       </p:cxnSp>
-      <mc:AlternateContent xmlns:mc="http://schemas.openxmlformats.org/markup-compatibility/2006">
-        <mc:Choice xmlns:a14="http://schemas.microsoft.com/office/drawing/2010/main" Requires="a14">
+      <mc:AlternateContent xmlns:mc="http://schemas.openxmlformats.org/markup-compatibility/2006" xmlns:a14="http://schemas.microsoft.com/office/drawing/2010/main">
+        <mc:Choice Requires="a14">
           <p:sp>
             <p:nvSpPr>
               <p:cNvPr id="10" name="TekstSylinder 9">
@@ -3810,7 +3816,7 @@
             </p:txBody>
           </p:sp>
         </mc:Choice>
-        <mc:Fallback>
+        <mc:Fallback xmlns="">
           <p:sp>
             <p:nvSpPr>
               <p:cNvPr id="10" name="TekstSylinder 9">
@@ -3855,8 +3861,8 @@
           </p:sp>
         </mc:Fallback>
       </mc:AlternateContent>
-      <mc:AlternateContent xmlns:mc="http://schemas.openxmlformats.org/markup-compatibility/2006">
-        <mc:Choice xmlns:a14="http://schemas.microsoft.com/office/drawing/2010/main" Requires="a14">
+      <mc:AlternateContent xmlns:mc="http://schemas.openxmlformats.org/markup-compatibility/2006" xmlns:a14="http://schemas.microsoft.com/office/drawing/2010/main">
+        <mc:Choice Requires="a14">
           <p:sp>
             <p:nvSpPr>
               <p:cNvPr id="11" name="TekstSylinder 10">
@@ -3896,7 +3902,7 @@
                         <a:rPr lang="nb-NO" sz="2400" i="1" smtClean="0">
                           <a:latin typeface="Cambria Math" panose="02040503050406030204" pitchFamily="18" charset="0"/>
                         </a:rPr>
-                        <m:t>-</m:t>
+                        <m:t>−</m:t>
                       </m:r>
                       <m:r>
                         <a:rPr lang="nb-NO" sz="2400" b="0" i="1" smtClean="0">
@@ -3931,7 +3937,7 @@
             </p:txBody>
           </p:sp>
         </mc:Choice>
-        <mc:Fallback>
+        <mc:Fallback xmlns="">
           <p:sp>
             <p:nvSpPr>
               <p:cNvPr id="11" name="TekstSylinder 10">
@@ -4412,8 +4418,8 @@
           </a:fontRef>
         </p:style>
       </p:cxnSp>
-      <mc:AlternateContent xmlns:mc="http://schemas.openxmlformats.org/markup-compatibility/2006">
-        <mc:Choice xmlns:a14="http://schemas.microsoft.com/office/drawing/2010/main" Requires="a14">
+      <mc:AlternateContent xmlns:mc="http://schemas.openxmlformats.org/markup-compatibility/2006" xmlns:a14="http://schemas.microsoft.com/office/drawing/2010/main">
+        <mc:Choice Requires="a14">
           <p:sp>
             <p:nvSpPr>
               <p:cNvPr id="13" name="TekstSylinder 12">
@@ -4482,7 +4488,7 @@
             </p:txBody>
           </p:sp>
         </mc:Choice>
-        <mc:Fallback>
+        <mc:Fallback xmlns="">
           <p:sp>
             <p:nvSpPr>
               <p:cNvPr id="13" name="TekstSylinder 12">
@@ -4527,8 +4533,8 @@
           </p:sp>
         </mc:Fallback>
       </mc:AlternateContent>
-      <mc:AlternateContent xmlns:mc="http://schemas.openxmlformats.org/markup-compatibility/2006">
-        <mc:Choice xmlns:a14="http://schemas.microsoft.com/office/drawing/2010/main" Requires="a14">
+      <mc:AlternateContent xmlns:mc="http://schemas.openxmlformats.org/markup-compatibility/2006" xmlns:a14="http://schemas.microsoft.com/office/drawing/2010/main">
+        <mc:Choice Requires="a14">
           <p:sp>
             <p:nvSpPr>
               <p:cNvPr id="14" name="TekstSylinder 13">
@@ -4578,7 +4584,7 @@
             </p:txBody>
           </p:sp>
         </mc:Choice>
-        <mc:Fallback>
+        <mc:Fallback xmlns="">
           <p:sp>
             <p:nvSpPr>
               <p:cNvPr id="14" name="TekstSylinder 13">
@@ -4667,8 +4673,8 @@
           </a:fontRef>
         </p:style>
       </p:cxnSp>
-      <mc:AlternateContent xmlns:mc="http://schemas.openxmlformats.org/markup-compatibility/2006">
-        <mc:Choice xmlns:a14="http://schemas.microsoft.com/office/drawing/2010/main" Requires="a14">
+      <mc:AlternateContent xmlns:mc="http://schemas.openxmlformats.org/markup-compatibility/2006" xmlns:a14="http://schemas.microsoft.com/office/drawing/2010/main">
+        <mc:Choice Requires="a14">
           <p:sp>
             <p:nvSpPr>
               <p:cNvPr id="10" name="TekstSylinder 9">
@@ -4737,7 +4743,7 @@
             </p:txBody>
           </p:sp>
         </mc:Choice>
-        <mc:Fallback>
+        <mc:Fallback xmlns="">
           <p:sp>
             <p:nvSpPr>
               <p:cNvPr id="10" name="TekstSylinder 9">
@@ -4782,8 +4788,8 @@
           </p:sp>
         </mc:Fallback>
       </mc:AlternateContent>
-      <mc:AlternateContent xmlns:mc="http://schemas.openxmlformats.org/markup-compatibility/2006">
-        <mc:Choice xmlns:a14="http://schemas.microsoft.com/office/drawing/2010/main" Requires="a14">
+      <mc:AlternateContent xmlns:mc="http://schemas.openxmlformats.org/markup-compatibility/2006" xmlns:a14="http://schemas.microsoft.com/office/drawing/2010/main">
+        <mc:Choice Requires="a14">
           <p:sp>
             <p:nvSpPr>
               <p:cNvPr id="11" name="TekstSylinder 10">
@@ -4858,7 +4864,7 @@
             </p:txBody>
           </p:sp>
         </mc:Choice>
-        <mc:Fallback>
+        <mc:Fallback xmlns="">
           <p:sp>
             <p:nvSpPr>
               <p:cNvPr id="11" name="TekstSylinder 10">
@@ -5142,6 +5148,5190 @@
     <p:extLst>
       <p:ext uri="{BB962C8B-B14F-4D97-AF65-F5344CB8AC3E}">
         <p14:creationId xmlns:p14="http://schemas.microsoft.com/office/powerpoint/2010/main" val="450733760"/>
+      </p:ext>
+    </p:extLst>
+  </p:cSld>
+  <p:clrMapOvr>
+    <a:masterClrMapping/>
+  </p:clrMapOvr>
+</p:sld>
+</file>
+
+<file path=ppt/slides/slide3.xml><?xml version="1.0" encoding="utf-8"?>
+<p:sld xmlns:a="http://schemas.openxmlformats.org/drawingml/2006/main" xmlns:r="http://schemas.openxmlformats.org/officeDocument/2006/relationships" xmlns:p="http://schemas.openxmlformats.org/presentationml/2006/main">
+  <p:cSld>
+    <p:spTree>
+      <p:nvGrpSpPr>
+        <p:cNvPr id="1" name=""/>
+        <p:cNvGrpSpPr/>
+        <p:nvPr/>
+      </p:nvGrpSpPr>
+      <p:grpSpPr>
+        <a:xfrm>
+          <a:off x="0" y="0"/>
+          <a:ext cx="0" cy="0"/>
+          <a:chOff x="0" y="0"/>
+          <a:chExt cx="0" cy="0"/>
+        </a:xfrm>
+      </p:grpSpPr>
+      <p:pic>
+        <p:nvPicPr>
+          <p:cNvPr id="5" name="Bilde 4">
+            <a:extLst>
+              <a:ext uri="{FF2B5EF4-FFF2-40B4-BE49-F238E27FC236}">
+                <a16:creationId xmlns:a16="http://schemas.microsoft.com/office/drawing/2014/main" id="{F4B91211-2829-167E-BB5B-52D63E5B73C0}"/>
+              </a:ext>
+            </a:extLst>
+          </p:cNvPr>
+          <p:cNvPicPr>
+            <a:picLocks noChangeAspect="1"/>
+          </p:cNvPicPr>
+          <p:nvPr/>
+        </p:nvPicPr>
+        <p:blipFill>
+          <a:blip r:embed="rId2"/>
+          <a:stretch>
+            <a:fillRect/>
+          </a:stretch>
+        </p:blipFill>
+        <p:spPr>
+          <a:xfrm>
+            <a:off x="3919233" y="742575"/>
+            <a:ext cx="4353533" cy="5372850"/>
+          </a:xfrm>
+          <a:prstGeom prst="rect">
+            <a:avLst/>
+          </a:prstGeom>
+        </p:spPr>
+      </p:pic>
+      <mc:AlternateContent xmlns:mc="http://schemas.openxmlformats.org/markup-compatibility/2006" xmlns:a14="http://schemas.microsoft.com/office/drawing/2010/main">
+        <mc:Choice Requires="a14">
+          <p:sp>
+            <p:nvSpPr>
+              <p:cNvPr id="6" name="TekstSylinder 5">
+                <a:extLst>
+                  <a:ext uri="{FF2B5EF4-FFF2-40B4-BE49-F238E27FC236}">
+                    <a16:creationId xmlns:a16="http://schemas.microsoft.com/office/drawing/2014/main" id="{47B2B5D6-6040-8450-8393-29B9EFDABBEE}"/>
+                  </a:ext>
+                </a:extLst>
+              </p:cNvPr>
+              <p:cNvSpPr txBox="1"/>
+              <p:nvPr/>
+            </p:nvSpPr>
+            <p:spPr>
+              <a:xfrm>
+                <a:off x="5303912" y="3861048"/>
+                <a:ext cx="1381532" cy="307777"/>
+              </a:xfrm>
+              <a:prstGeom prst="rect">
+                <a:avLst/>
+              </a:prstGeom>
+              <a:noFill/>
+            </p:spPr>
+            <p:txBody>
+              <a:bodyPr wrap="none" lIns="0" tIns="0" rIns="0" bIns="0" rtlCol="0">
+                <a:spAutoFit/>
+              </a:bodyPr>
+              <a:lstStyle/>
+              <a:p>
+                <a:pPr/>
+                <a14:m>
+                  <m:oMathPara xmlns:m="http://schemas.openxmlformats.org/officeDocument/2006/math">
+                    <m:oMathParaPr>
+                      <m:jc m:val="centerGroup"/>
+                    </m:oMathParaPr>
+                    <m:oMath xmlns:m="http://schemas.openxmlformats.org/officeDocument/2006/math">
+                      <m:sSub>
+                        <m:sSubPr>
+                          <m:ctrlPr>
+                            <a:rPr lang="nb-NO" sz="2000" b="0" i="1" smtClean="0">
+                              <a:latin typeface="Cambria Math" panose="02040503050406030204" pitchFamily="18" charset="0"/>
+                            </a:rPr>
+                          </m:ctrlPr>
+                        </m:sSubPr>
+                        <m:e>
+                          <m:r>
+                            <a:rPr lang="nb-NO" sz="2000" b="0" i="1" smtClean="0">
+                              <a:latin typeface="Cambria Math" panose="02040503050406030204" pitchFamily="18" charset="0"/>
+                            </a:rPr>
+                            <m:t>𝐼</m:t>
+                          </m:r>
+                        </m:e>
+                        <m:sub>
+                          <m:r>
+                            <a:rPr lang="nb-NO" sz="2000" b="0" i="1" smtClean="0">
+                              <a:latin typeface="Cambria Math" panose="02040503050406030204" pitchFamily="18" charset="0"/>
+                            </a:rPr>
+                            <m:t>𝐵</m:t>
+                          </m:r>
+                        </m:sub>
+                      </m:sSub>
+                      <m:r>
+                        <a:rPr lang="nb-NO" sz="2000" b="0" i="1" smtClean="0">
+                          <a:latin typeface="Cambria Math" panose="02040503050406030204" pitchFamily="18" charset="0"/>
+                        </a:rPr>
+                        <m:t>=20[µ</m:t>
+                      </m:r>
+                      <m:r>
+                        <a:rPr lang="nb-NO" sz="2000" b="0" i="1" smtClean="0">
+                          <a:latin typeface="Cambria Math" panose="02040503050406030204" pitchFamily="18" charset="0"/>
+                        </a:rPr>
+                        <m:t>𝐴</m:t>
+                      </m:r>
+                      <m:r>
+                        <a:rPr lang="nb-NO" sz="2000" b="0" i="1" smtClean="0">
+                          <a:latin typeface="Cambria Math" panose="02040503050406030204" pitchFamily="18" charset="0"/>
+                        </a:rPr>
+                        <m:t>]</m:t>
+                      </m:r>
+                    </m:oMath>
+                  </m:oMathPara>
+                </a14:m>
+                <a:endParaRPr lang="nb-NO" sz="2000" dirty="0"/>
+              </a:p>
+            </p:txBody>
+          </p:sp>
+        </mc:Choice>
+        <mc:Fallback xmlns="">
+          <p:sp>
+            <p:nvSpPr>
+              <p:cNvPr id="6" name="TekstSylinder 5">
+                <a:extLst>
+                  <a:ext uri="{FF2B5EF4-FFF2-40B4-BE49-F238E27FC236}">
+                    <a16:creationId xmlns:a16="http://schemas.microsoft.com/office/drawing/2014/main" id="{47B2B5D6-6040-8450-8393-29B9EFDABBEE}"/>
+                  </a:ext>
+                </a:extLst>
+              </p:cNvPr>
+              <p:cNvSpPr txBox="1">
+                <a:spLocks noRot="1" noChangeAspect="1" noMove="1" noResize="1" noEditPoints="1" noAdjustHandles="1" noChangeArrowheads="1" noChangeShapeType="1" noTextEdit="1"/>
+              </p:cNvSpPr>
+              <p:nvPr/>
+            </p:nvSpPr>
+            <p:spPr>
+              <a:xfrm>
+                <a:off x="5303912" y="3861048"/>
+                <a:ext cx="1381532" cy="307777"/>
+              </a:xfrm>
+              <a:prstGeom prst="rect">
+                <a:avLst/>
+              </a:prstGeom>
+              <a:blipFill>
+                <a:blip r:embed="rId3"/>
+                <a:stretch>
+                  <a:fillRect l="-3965" t="-1961" r="-6608" b="-33333"/>
+                </a:stretch>
+              </a:blipFill>
+            </p:spPr>
+            <p:txBody>
+              <a:bodyPr/>
+              <a:lstStyle/>
+              <a:p>
+                <a:r>
+                  <a:rPr lang="nb-NO">
+                    <a:noFill/>
+                  </a:rPr>
+                  <a:t> </a:t>
+                </a:r>
+              </a:p>
+            </p:txBody>
+          </p:sp>
+        </mc:Fallback>
+      </mc:AlternateContent>
+      <p:cxnSp>
+        <p:nvCxnSpPr>
+          <p:cNvPr id="8" name="Rett pilkobling 7">
+            <a:extLst>
+              <a:ext uri="{FF2B5EF4-FFF2-40B4-BE49-F238E27FC236}">
+                <a16:creationId xmlns:a16="http://schemas.microsoft.com/office/drawing/2014/main" id="{F3C4709D-A319-1D94-0860-CCB11F2E2A9A}"/>
+              </a:ext>
+            </a:extLst>
+          </p:cNvPr>
+          <p:cNvCxnSpPr>
+            <a:cxnSpLocks/>
+          </p:cNvCxnSpPr>
+          <p:nvPr/>
+        </p:nvCxnSpPr>
+        <p:spPr>
+          <a:xfrm>
+            <a:off x="7572164" y="4374976"/>
+            <a:ext cx="0" cy="936104"/>
+          </a:xfrm>
+          <a:prstGeom prst="straightConnector1">
+            <a:avLst/>
+          </a:prstGeom>
+          <a:ln w="38100">
+            <a:solidFill>
+              <a:schemeClr val="accent2"/>
+            </a:solidFill>
+            <a:tailEnd type="triangle"/>
+          </a:ln>
+        </p:spPr>
+        <p:style>
+          <a:lnRef idx="2">
+            <a:schemeClr val="accent1"/>
+          </a:lnRef>
+          <a:fillRef idx="0">
+            <a:schemeClr val="accent1"/>
+          </a:fillRef>
+          <a:effectRef idx="1">
+            <a:schemeClr val="accent1"/>
+          </a:effectRef>
+          <a:fontRef idx="minor">
+            <a:schemeClr val="tx1"/>
+          </a:fontRef>
+        </p:style>
+      </p:cxnSp>
+      <mc:AlternateContent xmlns:mc="http://schemas.openxmlformats.org/markup-compatibility/2006" xmlns:a14="http://schemas.microsoft.com/office/drawing/2010/main">
+        <mc:Choice Requires="a14">
+          <p:sp>
+            <p:nvSpPr>
+              <p:cNvPr id="11" name="TekstSylinder 10">
+                <a:extLst>
+                  <a:ext uri="{FF2B5EF4-FFF2-40B4-BE49-F238E27FC236}">
+                    <a16:creationId xmlns:a16="http://schemas.microsoft.com/office/drawing/2014/main" id="{37DCB709-DBDC-F403-DDF6-67E6C435CAFF}"/>
+                  </a:ext>
+                </a:extLst>
+              </p:cNvPr>
+              <p:cNvSpPr txBox="1"/>
+              <p:nvPr/>
+            </p:nvSpPr>
+            <p:spPr>
+              <a:xfrm>
+                <a:off x="7644172" y="4689140"/>
+                <a:ext cx="1310102" cy="307777"/>
+              </a:xfrm>
+              <a:prstGeom prst="rect">
+                <a:avLst/>
+              </a:prstGeom>
+              <a:noFill/>
+            </p:spPr>
+            <p:txBody>
+              <a:bodyPr wrap="none" lIns="0" tIns="0" rIns="0" bIns="0" rtlCol="0">
+                <a:spAutoFit/>
+              </a:bodyPr>
+              <a:lstStyle/>
+              <a:p>
+                <a:pPr/>
+                <a14:m>
+                  <m:oMathPara xmlns:m="http://schemas.openxmlformats.org/officeDocument/2006/math">
+                    <m:oMathParaPr>
+                      <m:jc m:val="centerGroup"/>
+                    </m:oMathParaPr>
+                    <m:oMath xmlns:m="http://schemas.openxmlformats.org/officeDocument/2006/math">
+                      <m:sSub>
+                        <m:sSubPr>
+                          <m:ctrlPr>
+                            <a:rPr lang="nb-NO" sz="2000" b="0" i="1" smtClean="0">
+                              <a:latin typeface="Cambria Math" panose="02040503050406030204" pitchFamily="18" charset="0"/>
+                            </a:rPr>
+                          </m:ctrlPr>
+                        </m:sSubPr>
+                        <m:e>
+                          <m:r>
+                            <a:rPr lang="nb-NO" sz="2000" b="0" i="1" smtClean="0">
+                              <a:latin typeface="Cambria Math" panose="02040503050406030204" pitchFamily="18" charset="0"/>
+                            </a:rPr>
+                            <m:t>𝐼</m:t>
+                          </m:r>
+                        </m:e>
+                        <m:sub>
+                          <m:r>
+                            <a:rPr lang="nb-NO" sz="2000" b="0" i="1" smtClean="0">
+                              <a:latin typeface="Cambria Math" panose="02040503050406030204" pitchFamily="18" charset="0"/>
+                            </a:rPr>
+                            <m:t>𝐸</m:t>
+                          </m:r>
+                        </m:sub>
+                      </m:sSub>
+                      <m:r>
+                        <a:rPr lang="nb-NO" sz="2000" b="0" i="1" smtClean="0">
+                          <a:latin typeface="Cambria Math" panose="02040503050406030204" pitchFamily="18" charset="0"/>
+                        </a:rPr>
+                        <m:t>=4[</m:t>
+                      </m:r>
+                      <m:r>
+                        <a:rPr lang="nb-NO" sz="2000" b="0" i="1" smtClean="0">
+                          <a:latin typeface="Cambria Math" panose="02040503050406030204" pitchFamily="18" charset="0"/>
+                        </a:rPr>
+                        <m:t>𝑚𝐴</m:t>
+                      </m:r>
+                      <m:r>
+                        <a:rPr lang="nb-NO" sz="2000" b="0" i="1" smtClean="0">
+                          <a:latin typeface="Cambria Math" panose="02040503050406030204" pitchFamily="18" charset="0"/>
+                        </a:rPr>
+                        <m:t>]</m:t>
+                      </m:r>
+                    </m:oMath>
+                  </m:oMathPara>
+                </a14:m>
+                <a:endParaRPr lang="nb-NO" sz="2000" dirty="0"/>
+              </a:p>
+            </p:txBody>
+          </p:sp>
+        </mc:Choice>
+        <mc:Fallback xmlns="">
+          <p:sp>
+            <p:nvSpPr>
+              <p:cNvPr id="11" name="TekstSylinder 10">
+                <a:extLst>
+                  <a:ext uri="{FF2B5EF4-FFF2-40B4-BE49-F238E27FC236}">
+                    <a16:creationId xmlns:a16="http://schemas.microsoft.com/office/drawing/2014/main" id="{37DCB709-DBDC-F403-DDF6-67E6C435CAFF}"/>
+                  </a:ext>
+                </a:extLst>
+              </p:cNvPr>
+              <p:cNvSpPr txBox="1">
+                <a:spLocks noRot="1" noChangeAspect="1" noMove="1" noResize="1" noEditPoints="1" noAdjustHandles="1" noChangeArrowheads="1" noChangeShapeType="1" noTextEdit="1"/>
+              </p:cNvSpPr>
+              <p:nvPr/>
+            </p:nvSpPr>
+            <p:spPr>
+              <a:xfrm>
+                <a:off x="7644172" y="4689140"/>
+                <a:ext cx="1310102" cy="307777"/>
+              </a:xfrm>
+              <a:prstGeom prst="rect">
+                <a:avLst/>
+              </a:prstGeom>
+              <a:blipFill>
+                <a:blip r:embed="rId4"/>
+                <a:stretch>
+                  <a:fillRect l="-4651" t="-1961" r="-7442" b="-33333"/>
+                </a:stretch>
+              </a:blipFill>
+            </p:spPr>
+            <p:txBody>
+              <a:bodyPr/>
+              <a:lstStyle/>
+              <a:p>
+                <a:r>
+                  <a:rPr lang="nb-NO">
+                    <a:noFill/>
+                  </a:rPr>
+                  <a:t> </a:t>
+                </a:r>
+              </a:p>
+            </p:txBody>
+          </p:sp>
+        </mc:Fallback>
+      </mc:AlternateContent>
+      <p:cxnSp>
+        <p:nvCxnSpPr>
+          <p:cNvPr id="13" name="Rett pilkobling 12">
+            <a:extLst>
+              <a:ext uri="{FF2B5EF4-FFF2-40B4-BE49-F238E27FC236}">
+                <a16:creationId xmlns:a16="http://schemas.microsoft.com/office/drawing/2014/main" id="{1E68AFFF-A107-8419-D092-5AACE9B34AF0}"/>
+              </a:ext>
+            </a:extLst>
+          </p:cNvPr>
+          <p:cNvCxnSpPr>
+            <a:cxnSpLocks/>
+          </p:cNvCxnSpPr>
+          <p:nvPr/>
+        </p:nvCxnSpPr>
+        <p:spPr>
+          <a:xfrm>
+            <a:off x="5375920" y="3855900"/>
+            <a:ext cx="1237516" cy="0"/>
+          </a:xfrm>
+          <a:prstGeom prst="straightConnector1">
+            <a:avLst/>
+          </a:prstGeom>
+          <a:ln w="38100">
+            <a:solidFill>
+              <a:schemeClr val="accent2"/>
+            </a:solidFill>
+            <a:tailEnd type="triangle"/>
+          </a:ln>
+        </p:spPr>
+        <p:style>
+          <a:lnRef idx="2">
+            <a:schemeClr val="accent1"/>
+          </a:lnRef>
+          <a:fillRef idx="0">
+            <a:schemeClr val="accent1"/>
+          </a:fillRef>
+          <a:effectRef idx="1">
+            <a:schemeClr val="accent1"/>
+          </a:effectRef>
+          <a:fontRef idx="minor">
+            <a:schemeClr val="tx1"/>
+          </a:fontRef>
+        </p:style>
+      </p:cxnSp>
+      <mc:AlternateContent xmlns:mc="http://schemas.openxmlformats.org/markup-compatibility/2006" xmlns:a14="http://schemas.microsoft.com/office/drawing/2010/main">
+        <mc:Choice Requires="a14">
+          <p:sp>
+            <p:nvSpPr>
+              <p:cNvPr id="15" name="TekstSylinder 14">
+                <a:extLst>
+                  <a:ext uri="{FF2B5EF4-FFF2-40B4-BE49-F238E27FC236}">
+                    <a16:creationId xmlns:a16="http://schemas.microsoft.com/office/drawing/2014/main" id="{BC80A1B7-FD47-FEEC-1866-3A9593BDB054}"/>
+                  </a:ext>
+                </a:extLst>
+              </p:cNvPr>
+              <p:cNvSpPr txBox="1"/>
+              <p:nvPr/>
+            </p:nvSpPr>
+            <p:spPr>
+              <a:xfrm>
+                <a:off x="7788188" y="3416743"/>
+                <a:ext cx="1486625" cy="307777"/>
+              </a:xfrm>
+              <a:prstGeom prst="rect">
+                <a:avLst/>
+              </a:prstGeom>
+              <a:noFill/>
+            </p:spPr>
+            <p:txBody>
+              <a:bodyPr wrap="none" lIns="0" tIns="0" rIns="0" bIns="0" rtlCol="0">
+                <a:spAutoFit/>
+              </a:bodyPr>
+              <a:lstStyle/>
+              <a:p>
+                <a:pPr/>
+                <a14:m>
+                  <m:oMathPara xmlns:m="http://schemas.openxmlformats.org/officeDocument/2006/math">
+                    <m:oMathParaPr>
+                      <m:jc m:val="centerGroup"/>
+                    </m:oMathParaPr>
+                    <m:oMath xmlns:m="http://schemas.openxmlformats.org/officeDocument/2006/math">
+                      <m:sSub>
+                        <m:sSubPr>
+                          <m:ctrlPr>
+                            <a:rPr lang="nb-NO" sz="2000" b="0" i="1" smtClean="0">
+                              <a:latin typeface="Cambria Math" panose="02040503050406030204" pitchFamily="18" charset="0"/>
+                            </a:rPr>
+                          </m:ctrlPr>
+                        </m:sSubPr>
+                        <m:e>
+                          <m:r>
+                            <a:rPr lang="nb-NO" sz="2000" b="0" i="1" smtClean="0">
+                              <a:latin typeface="Cambria Math" panose="02040503050406030204" pitchFamily="18" charset="0"/>
+                            </a:rPr>
+                            <m:t>𝑈</m:t>
+                          </m:r>
+                        </m:e>
+                        <m:sub>
+                          <m:r>
+                            <a:rPr lang="nb-NO" sz="2000" b="0" i="1" smtClean="0">
+                              <a:latin typeface="Cambria Math" panose="02040503050406030204" pitchFamily="18" charset="0"/>
+                            </a:rPr>
+                            <m:t>𝐶𝐸</m:t>
+                          </m:r>
+                        </m:sub>
+                      </m:sSub>
+                      <m:r>
+                        <a:rPr lang="nb-NO" sz="2000" b="0" i="1" smtClean="0">
+                          <a:latin typeface="Cambria Math" panose="02040503050406030204" pitchFamily="18" charset="0"/>
+                        </a:rPr>
+                        <m:t>=7,2[</m:t>
+                      </m:r>
+                      <m:r>
+                        <a:rPr lang="nb-NO" sz="2000" b="0" i="1" smtClean="0">
+                          <a:latin typeface="Cambria Math" panose="02040503050406030204" pitchFamily="18" charset="0"/>
+                        </a:rPr>
+                        <m:t>𝑉</m:t>
+                      </m:r>
+                      <m:r>
+                        <a:rPr lang="nb-NO" sz="2000" b="0" i="1" smtClean="0">
+                          <a:latin typeface="Cambria Math" panose="02040503050406030204" pitchFamily="18" charset="0"/>
+                        </a:rPr>
+                        <m:t>]</m:t>
+                      </m:r>
+                    </m:oMath>
+                  </m:oMathPara>
+                </a14:m>
+                <a:endParaRPr lang="nb-NO" sz="2000" dirty="0"/>
+              </a:p>
+            </p:txBody>
+          </p:sp>
+        </mc:Choice>
+        <mc:Fallback xmlns="">
+          <p:sp>
+            <p:nvSpPr>
+              <p:cNvPr id="15" name="TekstSylinder 14">
+                <a:extLst>
+                  <a:ext uri="{FF2B5EF4-FFF2-40B4-BE49-F238E27FC236}">
+                    <a16:creationId xmlns:a16="http://schemas.microsoft.com/office/drawing/2014/main" id="{BC80A1B7-FD47-FEEC-1866-3A9593BDB054}"/>
+                  </a:ext>
+                </a:extLst>
+              </p:cNvPr>
+              <p:cNvSpPr txBox="1">
+                <a:spLocks noRot="1" noChangeAspect="1" noMove="1" noResize="1" noEditPoints="1" noAdjustHandles="1" noChangeArrowheads="1" noChangeShapeType="1" noTextEdit="1"/>
+              </p:cNvSpPr>
+              <p:nvPr/>
+            </p:nvSpPr>
+            <p:spPr>
+              <a:xfrm>
+                <a:off x="7788188" y="3416743"/>
+                <a:ext cx="1486625" cy="307777"/>
+              </a:xfrm>
+              <a:prstGeom prst="rect">
+                <a:avLst/>
+              </a:prstGeom>
+              <a:blipFill>
+                <a:blip r:embed="rId5"/>
+                <a:stretch>
+                  <a:fillRect l="-4115" t="-1961" r="-6584" b="-33333"/>
+                </a:stretch>
+              </a:blipFill>
+            </p:spPr>
+            <p:txBody>
+              <a:bodyPr/>
+              <a:lstStyle/>
+              <a:p>
+                <a:r>
+                  <a:rPr lang="nb-NO">
+                    <a:noFill/>
+                  </a:rPr>
+                  <a:t> </a:t>
+                </a:r>
+              </a:p>
+            </p:txBody>
+          </p:sp>
+        </mc:Fallback>
+      </mc:AlternateContent>
+    </p:spTree>
+    <p:extLst>
+      <p:ext uri="{BB962C8B-B14F-4D97-AF65-F5344CB8AC3E}">
+        <p14:creationId xmlns:p14="http://schemas.microsoft.com/office/powerpoint/2010/main" val="3488297486"/>
+      </p:ext>
+    </p:extLst>
+  </p:cSld>
+  <p:clrMapOvr>
+    <a:masterClrMapping/>
+  </p:clrMapOvr>
+</p:sld>
+</file>
+
+<file path=ppt/slides/slide4.xml><?xml version="1.0" encoding="utf-8"?>
+<p:sld xmlns:a="http://schemas.openxmlformats.org/drawingml/2006/main" xmlns:r="http://schemas.openxmlformats.org/officeDocument/2006/relationships" xmlns:p="http://schemas.openxmlformats.org/presentationml/2006/main">
+  <p:cSld>
+    <p:spTree>
+      <p:nvGrpSpPr>
+        <p:cNvPr id="1" name=""/>
+        <p:cNvGrpSpPr/>
+        <p:nvPr/>
+      </p:nvGrpSpPr>
+      <p:grpSpPr>
+        <a:xfrm>
+          <a:off x="0" y="0"/>
+          <a:ext cx="0" cy="0"/>
+          <a:chOff x="0" y="0"/>
+          <a:chExt cx="0" cy="0"/>
+        </a:xfrm>
+      </p:grpSpPr>
+      <p:grpSp>
+        <p:nvGrpSpPr>
+          <p:cNvPr id="15" name="Gruppe 14">
+            <a:extLst>
+              <a:ext uri="{FF2B5EF4-FFF2-40B4-BE49-F238E27FC236}">
+                <a16:creationId xmlns:a16="http://schemas.microsoft.com/office/drawing/2014/main" id="{E145CD59-B15C-3C04-18EE-525A148EF15F}"/>
+              </a:ext>
+            </a:extLst>
+          </p:cNvPr>
+          <p:cNvGrpSpPr/>
+          <p:nvPr/>
+        </p:nvGrpSpPr>
+        <p:grpSpPr>
+          <a:xfrm>
+            <a:off x="1175846" y="1916832"/>
+            <a:ext cx="8534237" cy="972108"/>
+            <a:chOff x="1175846" y="1916832"/>
+            <a:chExt cx="8534237" cy="972108"/>
+          </a:xfrm>
+        </p:grpSpPr>
+        <p:sp>
+          <p:nvSpPr>
+            <p:cNvPr id="4" name="Rektangel 3">
+              <a:extLst>
+                <a:ext uri="{FF2B5EF4-FFF2-40B4-BE49-F238E27FC236}">
+                  <a16:creationId xmlns:a16="http://schemas.microsoft.com/office/drawing/2014/main" id="{7794CF4A-8ED5-B026-57B7-4E86F2A379F3}"/>
+                </a:ext>
+              </a:extLst>
+            </p:cNvPr>
+            <p:cNvSpPr/>
+            <p:nvPr/>
+          </p:nvSpPr>
+          <p:spPr>
+            <a:xfrm>
+              <a:off x="2927648" y="1916832"/>
+              <a:ext cx="2016224" cy="972108"/>
+            </a:xfrm>
+            <a:prstGeom prst="rect">
+              <a:avLst/>
+            </a:prstGeom>
+            <a:noFill/>
+            <a:ln>
+              <a:solidFill>
+                <a:srgbClr val="0070C0"/>
+              </a:solidFill>
+            </a:ln>
+          </p:spPr>
+          <p:style>
+            <a:lnRef idx="2">
+              <a:schemeClr val="accent1">
+                <a:shade val="15000"/>
+              </a:schemeClr>
+            </a:lnRef>
+            <a:fillRef idx="1">
+              <a:schemeClr val="accent1"/>
+            </a:fillRef>
+            <a:effectRef idx="0">
+              <a:schemeClr val="accent1"/>
+            </a:effectRef>
+            <a:fontRef idx="minor">
+              <a:schemeClr val="lt1"/>
+            </a:fontRef>
+          </p:style>
+          <p:txBody>
+            <a:bodyPr rtlCol="0" anchor="ctr"/>
+            <a:lstStyle/>
+            <a:p>
+              <a:pPr algn="ctr"/>
+              <a:r>
+                <a:rPr lang="nb-NO" dirty="0">
+                  <a:solidFill>
+                    <a:schemeClr val="tx1"/>
+                  </a:solidFill>
+                </a:rPr>
+                <a:t>Forsterker</a:t>
+              </a:r>
+            </a:p>
+            <a:p>
+              <a:pPr algn="ctr"/>
+              <a:r>
+                <a:rPr lang="nb-NO" dirty="0">
+                  <a:solidFill>
+                    <a:schemeClr val="tx1"/>
+                  </a:solidFill>
+                </a:rPr>
+                <a:t>Gain = 3</a:t>
+              </a:r>
+            </a:p>
+          </p:txBody>
+        </p:sp>
+        <p:sp>
+          <p:nvSpPr>
+            <p:cNvPr id="6" name="Rektangel 5">
+              <a:extLst>
+                <a:ext uri="{FF2B5EF4-FFF2-40B4-BE49-F238E27FC236}">
+                  <a16:creationId xmlns:a16="http://schemas.microsoft.com/office/drawing/2014/main" id="{E355A11C-ADBD-319A-B915-73E62E091A76}"/>
+                </a:ext>
+              </a:extLst>
+            </p:cNvPr>
+            <p:cNvSpPr/>
+            <p:nvPr/>
+          </p:nvSpPr>
+          <p:spPr>
+            <a:xfrm>
+              <a:off x="6240018" y="1916832"/>
+              <a:ext cx="2016224" cy="972108"/>
+            </a:xfrm>
+            <a:prstGeom prst="rect">
+              <a:avLst/>
+            </a:prstGeom>
+            <a:noFill/>
+            <a:ln>
+              <a:solidFill>
+                <a:srgbClr val="0070C0"/>
+              </a:solidFill>
+            </a:ln>
+          </p:spPr>
+          <p:style>
+            <a:lnRef idx="2">
+              <a:schemeClr val="accent1">
+                <a:shade val="15000"/>
+              </a:schemeClr>
+            </a:lnRef>
+            <a:fillRef idx="1">
+              <a:schemeClr val="accent1"/>
+            </a:fillRef>
+            <a:effectRef idx="0">
+              <a:schemeClr val="accent1"/>
+            </a:effectRef>
+            <a:fontRef idx="minor">
+              <a:schemeClr val="lt1"/>
+            </a:fontRef>
+          </p:style>
+          <p:txBody>
+            <a:bodyPr rtlCol="0" anchor="ctr"/>
+            <a:lstStyle/>
+            <a:p>
+              <a:pPr algn="ctr"/>
+              <a:r>
+                <a:rPr lang="nb-NO" dirty="0">
+                  <a:solidFill>
+                    <a:schemeClr val="tx1"/>
+                  </a:solidFill>
+                </a:rPr>
+                <a:t>Forsterker</a:t>
+              </a:r>
+            </a:p>
+            <a:p>
+              <a:pPr algn="ctr"/>
+              <a:r>
+                <a:rPr lang="nb-NO" dirty="0">
+                  <a:solidFill>
+                    <a:schemeClr val="tx1"/>
+                  </a:solidFill>
+                </a:rPr>
+                <a:t>Gain = 5</a:t>
+              </a:r>
+            </a:p>
+          </p:txBody>
+        </p:sp>
+        <p:cxnSp>
+          <p:nvCxnSpPr>
+            <p:cNvPr id="8" name="Rett pilkobling 7">
+              <a:extLst>
+                <a:ext uri="{FF2B5EF4-FFF2-40B4-BE49-F238E27FC236}">
+                  <a16:creationId xmlns:a16="http://schemas.microsoft.com/office/drawing/2014/main" id="{C5D474CB-9FC0-7474-E4E5-BA77288653FF}"/>
+                </a:ext>
+              </a:extLst>
+            </p:cNvPr>
+            <p:cNvCxnSpPr>
+              <a:stCxn id="4" idx="3"/>
+              <a:endCxn id="6" idx="1"/>
+            </p:cNvCxnSpPr>
+            <p:nvPr/>
+          </p:nvCxnSpPr>
+          <p:spPr>
+            <a:xfrm>
+              <a:off x="4943872" y="2402886"/>
+              <a:ext cx="1296146" cy="0"/>
+            </a:xfrm>
+            <a:prstGeom prst="straightConnector1">
+              <a:avLst/>
+            </a:prstGeom>
+            <a:ln w="57150">
+              <a:tailEnd type="triangle"/>
+            </a:ln>
+          </p:spPr>
+          <p:style>
+            <a:lnRef idx="2">
+              <a:schemeClr val="accent1"/>
+            </a:lnRef>
+            <a:fillRef idx="0">
+              <a:schemeClr val="accent1"/>
+            </a:fillRef>
+            <a:effectRef idx="1">
+              <a:schemeClr val="accent1"/>
+            </a:effectRef>
+            <a:fontRef idx="minor">
+              <a:schemeClr val="tx1"/>
+            </a:fontRef>
+          </p:style>
+        </p:cxnSp>
+        <p:cxnSp>
+          <p:nvCxnSpPr>
+            <p:cNvPr id="9" name="Rett pilkobling 8">
+              <a:extLst>
+                <a:ext uri="{FF2B5EF4-FFF2-40B4-BE49-F238E27FC236}">
+                  <a16:creationId xmlns:a16="http://schemas.microsoft.com/office/drawing/2014/main" id="{803A9D86-033D-FD0C-FA61-2BC059309DB8}"/>
+                </a:ext>
+              </a:extLst>
+            </p:cNvPr>
+            <p:cNvCxnSpPr>
+              <a:cxnSpLocks/>
+              <a:endCxn id="4" idx="1"/>
+            </p:cNvCxnSpPr>
+            <p:nvPr/>
+          </p:nvCxnSpPr>
+          <p:spPr>
+            <a:xfrm>
+              <a:off x="1631502" y="2402886"/>
+              <a:ext cx="1296146" cy="0"/>
+            </a:xfrm>
+            <a:prstGeom prst="straightConnector1">
+              <a:avLst/>
+            </a:prstGeom>
+            <a:ln w="57150">
+              <a:tailEnd type="triangle"/>
+            </a:ln>
+          </p:spPr>
+          <p:style>
+            <a:lnRef idx="2">
+              <a:schemeClr val="accent1"/>
+            </a:lnRef>
+            <a:fillRef idx="0">
+              <a:schemeClr val="accent1"/>
+            </a:fillRef>
+            <a:effectRef idx="1">
+              <a:schemeClr val="accent1"/>
+            </a:effectRef>
+            <a:fontRef idx="minor">
+              <a:schemeClr val="tx1"/>
+            </a:fontRef>
+          </p:style>
+        </p:cxnSp>
+        <p:cxnSp>
+          <p:nvCxnSpPr>
+            <p:cNvPr id="11" name="Rett pilkobling 10">
+              <a:extLst>
+                <a:ext uri="{FF2B5EF4-FFF2-40B4-BE49-F238E27FC236}">
+                  <a16:creationId xmlns:a16="http://schemas.microsoft.com/office/drawing/2014/main" id="{914B1A60-744C-8966-7B59-9BC0F70E3AB1}"/>
+                </a:ext>
+              </a:extLst>
+            </p:cNvPr>
+            <p:cNvCxnSpPr>
+              <a:cxnSpLocks/>
+              <a:stCxn id="6" idx="3"/>
+            </p:cNvCxnSpPr>
+            <p:nvPr/>
+          </p:nvCxnSpPr>
+          <p:spPr>
+            <a:xfrm>
+              <a:off x="8256242" y="2402886"/>
+              <a:ext cx="1296146" cy="0"/>
+            </a:xfrm>
+            <a:prstGeom prst="straightConnector1">
+              <a:avLst/>
+            </a:prstGeom>
+            <a:ln w="57150">
+              <a:tailEnd type="triangle"/>
+            </a:ln>
+          </p:spPr>
+          <p:style>
+            <a:lnRef idx="2">
+              <a:schemeClr val="accent1"/>
+            </a:lnRef>
+            <a:fillRef idx="0">
+              <a:schemeClr val="accent1"/>
+            </a:fillRef>
+            <a:effectRef idx="1">
+              <a:schemeClr val="accent1"/>
+            </a:effectRef>
+            <a:fontRef idx="minor">
+              <a:schemeClr val="tx1"/>
+            </a:fontRef>
+          </p:style>
+        </p:cxnSp>
+        <mc:AlternateContent xmlns:mc="http://schemas.openxmlformats.org/markup-compatibility/2006">
+          <mc:Choice xmlns:a14="http://schemas.microsoft.com/office/drawing/2010/main" Requires="a14">
+            <p:sp>
+              <p:nvSpPr>
+                <p:cNvPr id="13" name="TekstSylinder 12">
+                  <a:extLst>
+                    <a:ext uri="{FF2B5EF4-FFF2-40B4-BE49-F238E27FC236}">
+                      <a16:creationId xmlns:a16="http://schemas.microsoft.com/office/drawing/2014/main" id="{B4114E5A-65E6-8B48-52D1-7CE61E2A14E7}"/>
+                    </a:ext>
+                  </a:extLst>
+                </p:cNvPr>
+                <p:cNvSpPr txBox="1"/>
+                <p:nvPr/>
+              </p:nvSpPr>
+              <p:spPr>
+                <a:xfrm>
+                  <a:off x="1175846" y="2021360"/>
+                  <a:ext cx="1118961" cy="276999"/>
+                </a:xfrm>
+                <a:prstGeom prst="rect">
+                  <a:avLst/>
+                </a:prstGeom>
+                <a:noFill/>
+              </p:spPr>
+              <p:txBody>
+                <a:bodyPr wrap="none" lIns="0" tIns="0" rIns="0" bIns="0" rtlCol="0">
+                  <a:spAutoFit/>
+                </a:bodyPr>
+                <a:lstStyle/>
+                <a:p>
+                  <a14:m>
+                    <m:oMathPara xmlns:m="http://schemas.openxmlformats.org/officeDocument/2006/math">
+                      <m:oMathParaPr>
+                        <m:jc m:val="centerGroup"/>
+                      </m:oMathParaPr>
+                      <m:oMath xmlns:m="http://schemas.openxmlformats.org/officeDocument/2006/math">
+                        <m:r>
+                          <a:rPr lang="nb-NO" b="0" i="1" smtClean="0">
+                            <a:latin typeface="Cambria Math" panose="02040503050406030204" pitchFamily="18" charset="0"/>
+                          </a:rPr>
+                          <m:t>𝑆𝑖𝑔𝑛𝑎𝑙</m:t>
+                        </m:r>
+                        <m:r>
+                          <a:rPr lang="nb-NO" b="0" i="1" smtClean="0">
+                            <a:latin typeface="Cambria Math" panose="02040503050406030204" pitchFamily="18" charset="0"/>
+                          </a:rPr>
+                          <m:t> </m:t>
+                        </m:r>
+                        <m:r>
+                          <a:rPr lang="nb-NO" b="0" i="1" smtClean="0">
+                            <a:latin typeface="Cambria Math" panose="02040503050406030204" pitchFamily="18" charset="0"/>
+                          </a:rPr>
+                          <m:t>𝑖𝑛𝑛</m:t>
+                        </m:r>
+                      </m:oMath>
+                    </m:oMathPara>
+                  </a14:m>
+                  <a:endParaRPr lang="nb-NO" dirty="0"/>
+                </a:p>
+              </p:txBody>
+            </p:sp>
+          </mc:Choice>
+          <mc:Fallback>
+            <p:sp>
+              <p:nvSpPr>
+                <p:cNvPr id="13" name="TekstSylinder 12">
+                  <a:extLst>
+                    <a:ext uri="{FF2B5EF4-FFF2-40B4-BE49-F238E27FC236}">
+                      <a16:creationId xmlns:a16="http://schemas.microsoft.com/office/drawing/2014/main" id="{B4114E5A-65E6-8B48-52D1-7CE61E2A14E7}"/>
+                    </a:ext>
+                  </a:extLst>
+                </p:cNvPr>
+                <p:cNvSpPr txBox="1">
+                  <a:spLocks noRot="1" noChangeAspect="1" noMove="1" noResize="1" noEditPoints="1" noAdjustHandles="1" noChangeArrowheads="1" noChangeShapeType="1" noTextEdit="1"/>
+                </p:cNvSpPr>
+                <p:nvPr/>
+              </p:nvSpPr>
+              <p:spPr>
+                <a:xfrm>
+                  <a:off x="1175846" y="2021360"/>
+                  <a:ext cx="1118961" cy="276999"/>
+                </a:xfrm>
+                <a:prstGeom prst="rect">
+                  <a:avLst/>
+                </a:prstGeom>
+                <a:blipFill>
+                  <a:blip r:embed="rId2"/>
+                  <a:stretch>
+                    <a:fillRect l="-7104" t="-4444" r="-5464" b="-35556"/>
+                  </a:stretch>
+                </a:blipFill>
+              </p:spPr>
+              <p:txBody>
+                <a:bodyPr/>
+                <a:lstStyle/>
+                <a:p>
+                  <a:r>
+                    <a:rPr lang="nb-NO">
+                      <a:noFill/>
+                    </a:rPr>
+                    <a:t> </a:t>
+                  </a:r>
+                </a:p>
+              </p:txBody>
+            </p:sp>
+          </mc:Fallback>
+        </mc:AlternateContent>
+        <mc:AlternateContent xmlns:mc="http://schemas.openxmlformats.org/markup-compatibility/2006">
+          <mc:Choice xmlns:a14="http://schemas.microsoft.com/office/drawing/2010/main" Requires="a14">
+            <p:sp>
+              <p:nvSpPr>
+                <p:cNvPr id="14" name="TekstSylinder 13">
+                  <a:extLst>
+                    <a:ext uri="{FF2B5EF4-FFF2-40B4-BE49-F238E27FC236}">
+                      <a16:creationId xmlns:a16="http://schemas.microsoft.com/office/drawing/2014/main" id="{03877ED1-C032-29D1-E78E-B36D08597800}"/>
+                    </a:ext>
+                  </a:extLst>
+                </p:cNvPr>
+                <p:cNvSpPr txBox="1"/>
+                <p:nvPr/>
+              </p:nvSpPr>
+              <p:spPr>
+                <a:xfrm>
+                  <a:off x="8704871" y="2021360"/>
+                  <a:ext cx="1005212" cy="276999"/>
+                </a:xfrm>
+                <a:prstGeom prst="rect">
+                  <a:avLst/>
+                </a:prstGeom>
+                <a:noFill/>
+              </p:spPr>
+              <p:txBody>
+                <a:bodyPr wrap="none" lIns="0" tIns="0" rIns="0" bIns="0" rtlCol="0">
+                  <a:spAutoFit/>
+                </a:bodyPr>
+                <a:lstStyle/>
+                <a:p>
+                  <a14:m>
+                    <m:oMathPara xmlns:m="http://schemas.openxmlformats.org/officeDocument/2006/math">
+                      <m:oMathParaPr>
+                        <m:jc m:val="centerGroup"/>
+                      </m:oMathParaPr>
+                      <m:oMath xmlns:m="http://schemas.openxmlformats.org/officeDocument/2006/math">
+                        <m:r>
+                          <a:rPr lang="nb-NO" b="0" i="1" smtClean="0">
+                            <a:latin typeface="Cambria Math" panose="02040503050406030204" pitchFamily="18" charset="0"/>
+                          </a:rPr>
+                          <m:t>𝑆𝑖𝑔𝑛𝑎𝑙</m:t>
+                        </m:r>
+                        <m:r>
+                          <a:rPr lang="nb-NO" b="0" i="1" smtClean="0">
+                            <a:latin typeface="Cambria Math" panose="02040503050406030204" pitchFamily="18" charset="0"/>
+                          </a:rPr>
+                          <m:t> </m:t>
+                        </m:r>
+                        <m:r>
+                          <a:rPr lang="nb-NO" b="0" i="1" smtClean="0">
+                            <a:latin typeface="Cambria Math" panose="02040503050406030204" pitchFamily="18" charset="0"/>
+                          </a:rPr>
+                          <m:t>𝑢𝑡</m:t>
+                        </m:r>
+                      </m:oMath>
+                    </m:oMathPara>
+                  </a14:m>
+                  <a:endParaRPr lang="nb-NO" dirty="0"/>
+                </a:p>
+              </p:txBody>
+            </p:sp>
+          </mc:Choice>
+          <mc:Fallback>
+            <p:sp>
+              <p:nvSpPr>
+                <p:cNvPr id="14" name="TekstSylinder 13">
+                  <a:extLst>
+                    <a:ext uri="{FF2B5EF4-FFF2-40B4-BE49-F238E27FC236}">
+                      <a16:creationId xmlns:a16="http://schemas.microsoft.com/office/drawing/2014/main" id="{03877ED1-C032-29D1-E78E-B36D08597800}"/>
+                    </a:ext>
+                  </a:extLst>
+                </p:cNvPr>
+                <p:cNvSpPr txBox="1">
+                  <a:spLocks noRot="1" noChangeAspect="1" noMove="1" noResize="1" noEditPoints="1" noAdjustHandles="1" noChangeArrowheads="1" noChangeShapeType="1" noTextEdit="1"/>
+                </p:cNvSpPr>
+                <p:nvPr/>
+              </p:nvSpPr>
+              <p:spPr>
+                <a:xfrm>
+                  <a:off x="8704871" y="2021360"/>
+                  <a:ext cx="1005212" cy="276999"/>
+                </a:xfrm>
+                <a:prstGeom prst="rect">
+                  <a:avLst/>
+                </a:prstGeom>
+                <a:blipFill>
+                  <a:blip r:embed="rId3"/>
+                  <a:stretch>
+                    <a:fillRect l="-7879" t="-4444" r="-4242" b="-35556"/>
+                  </a:stretch>
+                </a:blipFill>
+              </p:spPr>
+              <p:txBody>
+                <a:bodyPr/>
+                <a:lstStyle/>
+                <a:p>
+                  <a:r>
+                    <a:rPr lang="nb-NO">
+                      <a:noFill/>
+                    </a:rPr>
+                    <a:t> </a:t>
+                  </a:r>
+                </a:p>
+              </p:txBody>
+            </p:sp>
+          </mc:Fallback>
+        </mc:AlternateContent>
+      </p:grpSp>
+      <mc:AlternateContent xmlns:mc="http://schemas.openxmlformats.org/markup-compatibility/2006">
+        <mc:Choice xmlns:a14="http://schemas.microsoft.com/office/drawing/2010/main" Requires="a14">
+          <p:sp>
+            <p:nvSpPr>
+              <p:cNvPr id="17" name="TekstSylinder 16">
+                <a:extLst>
+                  <a:ext uri="{FF2B5EF4-FFF2-40B4-BE49-F238E27FC236}">
+                    <a16:creationId xmlns:a16="http://schemas.microsoft.com/office/drawing/2014/main" id="{FED8D344-C960-B4C6-BDB8-C8E44B9720E2}"/>
+                  </a:ext>
+                </a:extLst>
+              </p:cNvPr>
+              <p:cNvSpPr txBox="1"/>
+              <p:nvPr/>
+            </p:nvSpPr>
+            <p:spPr>
+              <a:xfrm>
+                <a:off x="6240018" y="1515234"/>
+                <a:ext cx="2016224" cy="369332"/>
+              </a:xfrm>
+              <a:prstGeom prst="rect">
+                <a:avLst/>
+              </a:prstGeom>
+              <a:noFill/>
+            </p:spPr>
+            <p:txBody>
+              <a:bodyPr wrap="square" lIns="0" tIns="0" rIns="0" bIns="0" rtlCol="0">
+                <a:spAutoFit/>
+              </a:bodyPr>
+              <a:lstStyle/>
+              <a:p>
+                <a14:m>
+                  <m:oMathPara xmlns:m="http://schemas.openxmlformats.org/officeDocument/2006/math">
+                    <m:oMathParaPr>
+                      <m:jc m:val="centerGroup"/>
+                    </m:oMathParaPr>
+                    <m:oMath xmlns:m="http://schemas.openxmlformats.org/officeDocument/2006/math">
+                      <m:sSub>
+                        <m:sSubPr>
+                          <m:ctrlPr>
+                            <a:rPr lang="nb-NO" sz="2400" b="0" i="1" smtClean="0">
+                              <a:latin typeface="Cambria Math" panose="02040503050406030204" pitchFamily="18" charset="0"/>
+                            </a:rPr>
+                          </m:ctrlPr>
+                        </m:sSubPr>
+                        <m:e>
+                          <m:r>
+                            <a:rPr lang="nb-NO" sz="2400" b="0" i="1" smtClean="0">
+                              <a:latin typeface="Cambria Math" panose="02040503050406030204" pitchFamily="18" charset="0"/>
+                            </a:rPr>
+                            <m:t>𝐴</m:t>
+                          </m:r>
+                        </m:e>
+                        <m:sub>
+                          <m:r>
+                            <a:rPr lang="nb-NO" sz="2400" b="0" i="1" smtClean="0">
+                              <a:latin typeface="Cambria Math" panose="02040503050406030204" pitchFamily="18" charset="0"/>
+                            </a:rPr>
+                            <m:t>2</m:t>
+                          </m:r>
+                        </m:sub>
+                      </m:sSub>
+                    </m:oMath>
+                  </m:oMathPara>
+                </a14:m>
+                <a:endParaRPr lang="nb-NO" sz="2400" dirty="0"/>
+              </a:p>
+            </p:txBody>
+          </p:sp>
+        </mc:Choice>
+        <mc:Fallback>
+          <p:sp>
+            <p:nvSpPr>
+              <p:cNvPr id="17" name="TekstSylinder 16">
+                <a:extLst>
+                  <a:ext uri="{FF2B5EF4-FFF2-40B4-BE49-F238E27FC236}">
+                    <a16:creationId xmlns:a16="http://schemas.microsoft.com/office/drawing/2014/main" id="{FED8D344-C960-B4C6-BDB8-C8E44B9720E2}"/>
+                  </a:ext>
+                </a:extLst>
+              </p:cNvPr>
+              <p:cNvSpPr txBox="1">
+                <a:spLocks noRot="1" noChangeAspect="1" noMove="1" noResize="1" noEditPoints="1" noAdjustHandles="1" noChangeArrowheads="1" noChangeShapeType="1" noTextEdit="1"/>
+              </p:cNvSpPr>
+              <p:nvPr/>
+            </p:nvSpPr>
+            <p:spPr>
+              <a:xfrm>
+                <a:off x="6240018" y="1515234"/>
+                <a:ext cx="2016224" cy="369332"/>
+              </a:xfrm>
+              <a:prstGeom prst="rect">
+                <a:avLst/>
+              </a:prstGeom>
+              <a:blipFill>
+                <a:blip r:embed="rId4"/>
+                <a:stretch>
+                  <a:fillRect b="-13333"/>
+                </a:stretch>
+              </a:blipFill>
+            </p:spPr>
+            <p:txBody>
+              <a:bodyPr/>
+              <a:lstStyle/>
+              <a:p>
+                <a:r>
+                  <a:rPr lang="nb-NO">
+                    <a:noFill/>
+                  </a:rPr>
+                  <a:t> </a:t>
+                </a:r>
+              </a:p>
+            </p:txBody>
+          </p:sp>
+        </mc:Fallback>
+      </mc:AlternateContent>
+      <mc:AlternateContent xmlns:mc="http://schemas.openxmlformats.org/markup-compatibility/2006">
+        <mc:Choice xmlns:a14="http://schemas.microsoft.com/office/drawing/2010/main" Requires="a14">
+          <p:sp>
+            <p:nvSpPr>
+              <p:cNvPr id="18" name="TekstSylinder 17">
+                <a:extLst>
+                  <a:ext uri="{FF2B5EF4-FFF2-40B4-BE49-F238E27FC236}">
+                    <a16:creationId xmlns:a16="http://schemas.microsoft.com/office/drawing/2014/main" id="{FD4AB230-9BD1-11B6-323F-222E2C8D4CDD}"/>
+                  </a:ext>
+                </a:extLst>
+              </p:cNvPr>
+              <p:cNvSpPr txBox="1"/>
+              <p:nvPr/>
+            </p:nvSpPr>
+            <p:spPr>
+              <a:xfrm>
+                <a:off x="2927648" y="1515234"/>
+                <a:ext cx="2016224" cy="369332"/>
+              </a:xfrm>
+              <a:prstGeom prst="rect">
+                <a:avLst/>
+              </a:prstGeom>
+              <a:noFill/>
+            </p:spPr>
+            <p:txBody>
+              <a:bodyPr wrap="square" lIns="0" tIns="0" rIns="0" bIns="0" rtlCol="0">
+                <a:spAutoFit/>
+              </a:bodyPr>
+              <a:lstStyle/>
+              <a:p>
+                <a14:m>
+                  <m:oMathPara xmlns:m="http://schemas.openxmlformats.org/officeDocument/2006/math">
+                    <m:oMathParaPr>
+                      <m:jc m:val="centerGroup"/>
+                    </m:oMathParaPr>
+                    <m:oMath xmlns:m="http://schemas.openxmlformats.org/officeDocument/2006/math">
+                      <m:sSub>
+                        <m:sSubPr>
+                          <m:ctrlPr>
+                            <a:rPr lang="nb-NO" sz="2400" b="0" i="1" smtClean="0">
+                              <a:latin typeface="Cambria Math" panose="02040503050406030204" pitchFamily="18" charset="0"/>
+                            </a:rPr>
+                          </m:ctrlPr>
+                        </m:sSubPr>
+                        <m:e>
+                          <m:r>
+                            <a:rPr lang="nb-NO" sz="2400" b="0" i="1" smtClean="0">
+                              <a:latin typeface="Cambria Math" panose="02040503050406030204" pitchFamily="18" charset="0"/>
+                            </a:rPr>
+                            <m:t>𝐴</m:t>
+                          </m:r>
+                        </m:e>
+                        <m:sub>
+                          <m:r>
+                            <a:rPr lang="nb-NO" sz="2400" b="0" i="1" smtClean="0">
+                              <a:latin typeface="Cambria Math" panose="02040503050406030204" pitchFamily="18" charset="0"/>
+                            </a:rPr>
+                            <m:t>1</m:t>
+                          </m:r>
+                        </m:sub>
+                      </m:sSub>
+                    </m:oMath>
+                  </m:oMathPara>
+                </a14:m>
+                <a:endParaRPr lang="nb-NO" sz="2400" dirty="0"/>
+              </a:p>
+            </p:txBody>
+          </p:sp>
+        </mc:Choice>
+        <mc:Fallback>
+          <p:sp>
+            <p:nvSpPr>
+              <p:cNvPr id="18" name="TekstSylinder 17">
+                <a:extLst>
+                  <a:ext uri="{FF2B5EF4-FFF2-40B4-BE49-F238E27FC236}">
+                    <a16:creationId xmlns:a16="http://schemas.microsoft.com/office/drawing/2014/main" id="{FD4AB230-9BD1-11B6-323F-222E2C8D4CDD}"/>
+                  </a:ext>
+                </a:extLst>
+              </p:cNvPr>
+              <p:cNvSpPr txBox="1">
+                <a:spLocks noRot="1" noChangeAspect="1" noMove="1" noResize="1" noEditPoints="1" noAdjustHandles="1" noChangeArrowheads="1" noChangeShapeType="1" noTextEdit="1"/>
+              </p:cNvSpPr>
+              <p:nvPr/>
+            </p:nvSpPr>
+            <p:spPr>
+              <a:xfrm>
+                <a:off x="2927648" y="1515234"/>
+                <a:ext cx="2016224" cy="369332"/>
+              </a:xfrm>
+              <a:prstGeom prst="rect">
+                <a:avLst/>
+              </a:prstGeom>
+              <a:blipFill>
+                <a:blip r:embed="rId5"/>
+                <a:stretch>
+                  <a:fillRect b="-13333"/>
+                </a:stretch>
+              </a:blipFill>
+            </p:spPr>
+            <p:txBody>
+              <a:bodyPr/>
+              <a:lstStyle/>
+              <a:p>
+                <a:r>
+                  <a:rPr lang="nb-NO">
+                    <a:noFill/>
+                  </a:rPr>
+                  <a:t> </a:t>
+                </a:r>
+              </a:p>
+            </p:txBody>
+          </p:sp>
+        </mc:Fallback>
+      </mc:AlternateContent>
+    </p:spTree>
+    <p:extLst>
+      <p:ext uri="{BB962C8B-B14F-4D97-AF65-F5344CB8AC3E}">
+        <p14:creationId xmlns:p14="http://schemas.microsoft.com/office/powerpoint/2010/main" val="821466437"/>
+      </p:ext>
+    </p:extLst>
+  </p:cSld>
+  <p:clrMapOvr>
+    <a:masterClrMapping/>
+  </p:clrMapOvr>
+</p:sld>
+</file>
+
+<file path=ppt/slides/slide5.xml><?xml version="1.0" encoding="utf-8"?>
+<p:sld xmlns:a="http://schemas.openxmlformats.org/drawingml/2006/main" xmlns:r="http://schemas.openxmlformats.org/officeDocument/2006/relationships" xmlns:p="http://schemas.openxmlformats.org/presentationml/2006/main">
+  <p:cSld>
+    <p:spTree>
+      <p:nvGrpSpPr>
+        <p:cNvPr id="1" name="">
+          <a:extLst>
+            <a:ext uri="{FF2B5EF4-FFF2-40B4-BE49-F238E27FC236}">
+              <a16:creationId xmlns:a16="http://schemas.microsoft.com/office/drawing/2014/main" id="{4144B01E-4A7D-6A4D-C265-3FD169FFFB7C}"/>
+            </a:ext>
+          </a:extLst>
+        </p:cNvPr>
+        <p:cNvGrpSpPr/>
+        <p:nvPr/>
+      </p:nvGrpSpPr>
+      <p:grpSpPr>
+        <a:xfrm>
+          <a:off x="0" y="0"/>
+          <a:ext cx="0" cy="0"/>
+          <a:chOff x="0" y="0"/>
+          <a:chExt cx="0" cy="0"/>
+        </a:xfrm>
+      </p:grpSpPr>
+      <p:sp>
+        <p:nvSpPr>
+          <p:cNvPr id="2" name="Likebent trekant 1">
+            <a:extLst>
+              <a:ext uri="{FF2B5EF4-FFF2-40B4-BE49-F238E27FC236}">
+                <a16:creationId xmlns:a16="http://schemas.microsoft.com/office/drawing/2014/main" id="{0B9D30C9-2000-D65C-A061-361C550FC825}"/>
+              </a:ext>
+            </a:extLst>
+          </p:cNvPr>
+          <p:cNvSpPr/>
+          <p:nvPr/>
+        </p:nvSpPr>
+        <p:spPr>
+          <a:xfrm rot="5400000">
+            <a:off x="5015880" y="2312876"/>
+            <a:ext cx="1188132" cy="1404156"/>
+          </a:xfrm>
+          <a:prstGeom prst="triangle">
+            <a:avLst/>
+          </a:prstGeom>
+          <a:noFill/>
+        </p:spPr>
+        <p:style>
+          <a:lnRef idx="2">
+            <a:schemeClr val="accent1">
+              <a:shade val="15000"/>
+            </a:schemeClr>
+          </a:lnRef>
+          <a:fillRef idx="1">
+            <a:schemeClr val="accent1"/>
+          </a:fillRef>
+          <a:effectRef idx="0">
+            <a:schemeClr val="accent1"/>
+          </a:effectRef>
+          <a:fontRef idx="minor">
+            <a:schemeClr val="lt1"/>
+          </a:fontRef>
+        </p:style>
+        <p:txBody>
+          <a:bodyPr rtlCol="0" anchor="ctr"/>
+          <a:lstStyle/>
+          <a:p>
+            <a:pPr algn="ctr"/>
+            <a:endParaRPr lang="nb-NO"/>
+          </a:p>
+        </p:txBody>
+      </p:sp>
+      <p:cxnSp>
+        <p:nvCxnSpPr>
+          <p:cNvPr id="5" name="Rett pilkobling 4">
+            <a:extLst>
+              <a:ext uri="{FF2B5EF4-FFF2-40B4-BE49-F238E27FC236}">
+                <a16:creationId xmlns:a16="http://schemas.microsoft.com/office/drawing/2014/main" id="{02BFD409-2EBC-77A7-3152-A5D080FCBC50}"/>
+              </a:ext>
+            </a:extLst>
+          </p:cNvPr>
+          <p:cNvCxnSpPr>
+            <a:cxnSpLocks/>
+            <a:endCxn id="2" idx="3"/>
+          </p:cNvCxnSpPr>
+          <p:nvPr/>
+        </p:nvCxnSpPr>
+        <p:spPr>
+          <a:xfrm>
+            <a:off x="3359696" y="3014954"/>
+            <a:ext cx="1548172" cy="0"/>
+          </a:xfrm>
+          <a:prstGeom prst="straightConnector1">
+            <a:avLst/>
+          </a:prstGeom>
+          <a:ln w="38100">
+            <a:tailEnd type="triangle"/>
+          </a:ln>
+        </p:spPr>
+        <p:style>
+          <a:lnRef idx="2">
+            <a:schemeClr val="accent1"/>
+          </a:lnRef>
+          <a:fillRef idx="0">
+            <a:schemeClr val="accent1"/>
+          </a:fillRef>
+          <a:effectRef idx="1">
+            <a:schemeClr val="accent1"/>
+          </a:effectRef>
+          <a:fontRef idx="minor">
+            <a:schemeClr val="tx1"/>
+          </a:fontRef>
+        </p:style>
+      </p:cxnSp>
+      <p:cxnSp>
+        <p:nvCxnSpPr>
+          <p:cNvPr id="10" name="Rett pilkobling 9">
+            <a:extLst>
+              <a:ext uri="{FF2B5EF4-FFF2-40B4-BE49-F238E27FC236}">
+                <a16:creationId xmlns:a16="http://schemas.microsoft.com/office/drawing/2014/main" id="{2CA14FBA-F6A4-A64D-BCC9-A9AD7E22731E}"/>
+              </a:ext>
+            </a:extLst>
+          </p:cNvPr>
+          <p:cNvCxnSpPr>
+            <a:cxnSpLocks/>
+            <a:stCxn id="2" idx="0"/>
+          </p:cNvCxnSpPr>
+          <p:nvPr/>
+        </p:nvCxnSpPr>
+        <p:spPr>
+          <a:xfrm>
+            <a:off x="6312024" y="3014954"/>
+            <a:ext cx="1548172" cy="0"/>
+          </a:xfrm>
+          <a:prstGeom prst="straightConnector1">
+            <a:avLst/>
+          </a:prstGeom>
+          <a:ln w="38100">
+            <a:tailEnd type="triangle"/>
+          </a:ln>
+        </p:spPr>
+        <p:style>
+          <a:lnRef idx="2">
+            <a:schemeClr val="accent1"/>
+          </a:lnRef>
+          <a:fillRef idx="0">
+            <a:schemeClr val="accent1"/>
+          </a:fillRef>
+          <a:effectRef idx="1">
+            <a:schemeClr val="accent1"/>
+          </a:effectRef>
+          <a:fontRef idx="minor">
+            <a:schemeClr val="tx1"/>
+          </a:fontRef>
+        </p:style>
+      </p:cxnSp>
+      <p:sp>
+        <p:nvSpPr>
+          <p:cNvPr id="16" name="Rektangel 15">
+            <a:extLst>
+              <a:ext uri="{FF2B5EF4-FFF2-40B4-BE49-F238E27FC236}">
+                <a16:creationId xmlns:a16="http://schemas.microsoft.com/office/drawing/2014/main" id="{9076633B-9C70-CDCA-C959-F0AE795660FC}"/>
+              </a:ext>
+            </a:extLst>
+          </p:cNvPr>
+          <p:cNvSpPr/>
+          <p:nvPr/>
+        </p:nvSpPr>
+        <p:spPr>
+          <a:xfrm>
+            <a:off x="6888088" y="3717031"/>
+            <a:ext cx="360040" cy="864095"/>
+          </a:xfrm>
+          <a:prstGeom prst="rect">
+            <a:avLst/>
+          </a:prstGeom>
+          <a:noFill/>
+        </p:spPr>
+        <p:style>
+          <a:lnRef idx="2">
+            <a:schemeClr val="accent1">
+              <a:shade val="15000"/>
+            </a:schemeClr>
+          </a:lnRef>
+          <a:fillRef idx="1">
+            <a:schemeClr val="accent1"/>
+          </a:fillRef>
+          <a:effectRef idx="0">
+            <a:schemeClr val="accent1"/>
+          </a:effectRef>
+          <a:fontRef idx="minor">
+            <a:schemeClr val="lt1"/>
+          </a:fontRef>
+        </p:style>
+        <p:txBody>
+          <a:bodyPr rtlCol="0" anchor="ctr"/>
+          <a:lstStyle/>
+          <a:p>
+            <a:pPr algn="ctr"/>
+            <a:endParaRPr lang="nb-NO"/>
+          </a:p>
+        </p:txBody>
+      </p:sp>
+      <p:cxnSp>
+        <p:nvCxnSpPr>
+          <p:cNvPr id="20" name="Rett linje 19">
+            <a:extLst>
+              <a:ext uri="{FF2B5EF4-FFF2-40B4-BE49-F238E27FC236}">
+                <a16:creationId xmlns:a16="http://schemas.microsoft.com/office/drawing/2014/main" id="{AE5318E4-936A-2111-C712-7BA5973EE219}"/>
+              </a:ext>
+            </a:extLst>
+          </p:cNvPr>
+          <p:cNvCxnSpPr>
+            <a:stCxn id="16" idx="0"/>
+          </p:cNvCxnSpPr>
+          <p:nvPr/>
+        </p:nvCxnSpPr>
+        <p:spPr>
+          <a:xfrm flipV="1">
+            <a:off x="7068108" y="3014954"/>
+            <a:ext cx="0" cy="702077"/>
+          </a:xfrm>
+          <a:prstGeom prst="line">
+            <a:avLst/>
+          </a:prstGeom>
+          <a:ln w="38100"/>
+        </p:spPr>
+        <p:style>
+          <a:lnRef idx="2">
+            <a:schemeClr val="accent1"/>
+          </a:lnRef>
+          <a:fillRef idx="0">
+            <a:schemeClr val="accent1"/>
+          </a:fillRef>
+          <a:effectRef idx="1">
+            <a:schemeClr val="accent1"/>
+          </a:effectRef>
+          <a:fontRef idx="minor">
+            <a:schemeClr val="tx1"/>
+          </a:fontRef>
+        </p:style>
+      </p:cxnSp>
+      <p:cxnSp>
+        <p:nvCxnSpPr>
+          <p:cNvPr id="22" name="Rett linje 21">
+            <a:extLst>
+              <a:ext uri="{FF2B5EF4-FFF2-40B4-BE49-F238E27FC236}">
+                <a16:creationId xmlns:a16="http://schemas.microsoft.com/office/drawing/2014/main" id="{F19A9250-172D-EF20-8491-707CAB86C6BF}"/>
+              </a:ext>
+            </a:extLst>
+          </p:cNvPr>
+          <p:cNvCxnSpPr>
+            <a:stCxn id="16" idx="2"/>
+          </p:cNvCxnSpPr>
+          <p:nvPr/>
+        </p:nvCxnSpPr>
+        <p:spPr>
+          <a:xfrm>
+            <a:off x="7068108" y="4581126"/>
+            <a:ext cx="0" cy="540062"/>
+          </a:xfrm>
+          <a:prstGeom prst="line">
+            <a:avLst/>
+          </a:prstGeom>
+          <a:ln w="38100"/>
+        </p:spPr>
+        <p:style>
+          <a:lnRef idx="2">
+            <a:schemeClr val="accent1"/>
+          </a:lnRef>
+          <a:fillRef idx="0">
+            <a:schemeClr val="accent1"/>
+          </a:fillRef>
+          <a:effectRef idx="1">
+            <a:schemeClr val="accent1"/>
+          </a:effectRef>
+          <a:fontRef idx="minor">
+            <a:schemeClr val="tx1"/>
+          </a:fontRef>
+        </p:style>
+      </p:cxnSp>
+      <p:cxnSp>
+        <p:nvCxnSpPr>
+          <p:cNvPr id="24" name="Rett linje 23">
+            <a:extLst>
+              <a:ext uri="{FF2B5EF4-FFF2-40B4-BE49-F238E27FC236}">
+                <a16:creationId xmlns:a16="http://schemas.microsoft.com/office/drawing/2014/main" id="{F8135926-A95F-F675-2FDD-D889478FECE1}"/>
+              </a:ext>
+            </a:extLst>
+          </p:cNvPr>
+          <p:cNvCxnSpPr/>
+          <p:nvPr/>
+        </p:nvCxnSpPr>
+        <p:spPr>
+          <a:xfrm>
+            <a:off x="6852084" y="5121188"/>
+            <a:ext cx="432048" cy="0"/>
+          </a:xfrm>
+          <a:prstGeom prst="line">
+            <a:avLst/>
+          </a:prstGeom>
+          <a:ln w="38100"/>
+        </p:spPr>
+        <p:style>
+          <a:lnRef idx="2">
+            <a:schemeClr val="accent1"/>
+          </a:lnRef>
+          <a:fillRef idx="0">
+            <a:schemeClr val="accent1"/>
+          </a:fillRef>
+          <a:effectRef idx="1">
+            <a:schemeClr val="accent1"/>
+          </a:effectRef>
+          <a:fontRef idx="minor">
+            <a:schemeClr val="tx1"/>
+          </a:fontRef>
+        </p:style>
+      </p:cxnSp>
+      <p:cxnSp>
+        <p:nvCxnSpPr>
+          <p:cNvPr id="25" name="Rett linje 24">
+            <a:extLst>
+              <a:ext uri="{FF2B5EF4-FFF2-40B4-BE49-F238E27FC236}">
+                <a16:creationId xmlns:a16="http://schemas.microsoft.com/office/drawing/2014/main" id="{68071F32-75A1-DA5B-4F4C-ED6579ABF18F}"/>
+              </a:ext>
+            </a:extLst>
+          </p:cNvPr>
+          <p:cNvCxnSpPr/>
+          <p:nvPr/>
+        </p:nvCxnSpPr>
+        <p:spPr>
+          <a:xfrm>
+            <a:off x="6924108" y="5193196"/>
+            <a:ext cx="288000" cy="0"/>
+          </a:xfrm>
+          <a:prstGeom prst="line">
+            <a:avLst/>
+          </a:prstGeom>
+          <a:ln w="38100"/>
+        </p:spPr>
+        <p:style>
+          <a:lnRef idx="2">
+            <a:schemeClr val="accent1"/>
+          </a:lnRef>
+          <a:fillRef idx="0">
+            <a:schemeClr val="accent1"/>
+          </a:fillRef>
+          <a:effectRef idx="1">
+            <a:schemeClr val="accent1"/>
+          </a:effectRef>
+          <a:fontRef idx="minor">
+            <a:schemeClr val="tx1"/>
+          </a:fontRef>
+        </p:style>
+      </p:cxnSp>
+      <p:cxnSp>
+        <p:nvCxnSpPr>
+          <p:cNvPr id="26" name="Rett linje 25">
+            <a:extLst>
+              <a:ext uri="{FF2B5EF4-FFF2-40B4-BE49-F238E27FC236}">
+                <a16:creationId xmlns:a16="http://schemas.microsoft.com/office/drawing/2014/main" id="{05346ED7-0214-F0DB-13F2-C26E3A2663F1}"/>
+              </a:ext>
+            </a:extLst>
+          </p:cNvPr>
+          <p:cNvCxnSpPr/>
+          <p:nvPr/>
+        </p:nvCxnSpPr>
+        <p:spPr>
+          <a:xfrm>
+            <a:off x="6978108" y="5265204"/>
+            <a:ext cx="180000" cy="0"/>
+          </a:xfrm>
+          <a:prstGeom prst="line">
+            <a:avLst/>
+          </a:prstGeom>
+          <a:ln w="38100"/>
+        </p:spPr>
+        <p:style>
+          <a:lnRef idx="2">
+            <a:schemeClr val="accent1"/>
+          </a:lnRef>
+          <a:fillRef idx="0">
+            <a:schemeClr val="accent1"/>
+          </a:fillRef>
+          <a:effectRef idx="1">
+            <a:schemeClr val="accent1"/>
+          </a:effectRef>
+          <a:fontRef idx="minor">
+            <a:schemeClr val="tx1"/>
+          </a:fontRef>
+        </p:style>
+      </p:cxnSp>
+      <mc:AlternateContent xmlns:mc="http://schemas.openxmlformats.org/markup-compatibility/2006">
+        <mc:Choice xmlns:a14="http://schemas.microsoft.com/office/drawing/2010/main" Requires="a14">
+          <p:sp>
+            <p:nvSpPr>
+              <p:cNvPr id="27" name="TekstSylinder 26">
+                <a:extLst>
+                  <a:ext uri="{FF2B5EF4-FFF2-40B4-BE49-F238E27FC236}">
+                    <a16:creationId xmlns:a16="http://schemas.microsoft.com/office/drawing/2014/main" id="{CEE3878C-4485-0C44-2056-AC92261F1C82}"/>
+                  </a:ext>
+                </a:extLst>
+              </p:cNvPr>
+              <p:cNvSpPr txBox="1"/>
+              <p:nvPr/>
+            </p:nvSpPr>
+            <p:spPr>
+              <a:xfrm>
+                <a:off x="7284132" y="4010578"/>
+                <a:ext cx="748603" cy="276999"/>
+              </a:xfrm>
+              <a:prstGeom prst="rect">
+                <a:avLst/>
+              </a:prstGeom>
+              <a:noFill/>
+            </p:spPr>
+            <p:txBody>
+              <a:bodyPr wrap="none" lIns="0" tIns="0" rIns="0" bIns="0" rtlCol="0">
+                <a:spAutoFit/>
+              </a:bodyPr>
+              <a:lstStyle/>
+              <a:p>
+                <a14:m>
+                  <m:oMathPara xmlns:m="http://schemas.openxmlformats.org/officeDocument/2006/math">
+                    <m:oMathParaPr>
+                      <m:jc m:val="centerGroup"/>
+                    </m:oMathParaPr>
+                    <m:oMath xmlns:m="http://schemas.openxmlformats.org/officeDocument/2006/math">
+                      <m:r>
+                        <a:rPr lang="nb-NO" b="0" i="1" smtClean="0">
+                          <a:latin typeface="Cambria Math" panose="02040503050406030204" pitchFamily="18" charset="0"/>
+                        </a:rPr>
+                        <m:t>600[</m:t>
+                      </m:r>
+                      <m:r>
+                        <m:rPr>
+                          <m:sty m:val="p"/>
+                        </m:rPr>
+                        <a:rPr lang="nb-NO" b="0" i="0" smtClean="0">
+                          <a:latin typeface="Cambria Math" panose="02040503050406030204" pitchFamily="18" charset="0"/>
+                        </a:rPr>
+                        <m:t>Ω</m:t>
+                      </m:r>
+                      <m:r>
+                        <a:rPr lang="nb-NO" b="0" i="1" smtClean="0">
+                          <a:latin typeface="Cambria Math" panose="02040503050406030204" pitchFamily="18" charset="0"/>
+                        </a:rPr>
+                        <m:t>]</m:t>
+                      </m:r>
+                    </m:oMath>
+                  </m:oMathPara>
+                </a14:m>
+                <a:endParaRPr lang="nb-NO" dirty="0"/>
+              </a:p>
+            </p:txBody>
+          </p:sp>
+        </mc:Choice>
+        <mc:Fallback>
+          <p:sp>
+            <p:nvSpPr>
+              <p:cNvPr id="27" name="TekstSylinder 26">
+                <a:extLst>
+                  <a:ext uri="{FF2B5EF4-FFF2-40B4-BE49-F238E27FC236}">
+                    <a16:creationId xmlns:a16="http://schemas.microsoft.com/office/drawing/2014/main" id="{CEE3878C-4485-0C44-2056-AC92261F1C82}"/>
+                  </a:ext>
+                </a:extLst>
+              </p:cNvPr>
+              <p:cNvSpPr txBox="1">
+                <a:spLocks noRot="1" noChangeAspect="1" noMove="1" noResize="1" noEditPoints="1" noAdjustHandles="1" noChangeArrowheads="1" noChangeShapeType="1" noTextEdit="1"/>
+              </p:cNvSpPr>
+              <p:nvPr/>
+            </p:nvSpPr>
+            <p:spPr>
+              <a:xfrm>
+                <a:off x="7284132" y="4010578"/>
+                <a:ext cx="748603" cy="276999"/>
+              </a:xfrm>
+              <a:prstGeom prst="rect">
+                <a:avLst/>
+              </a:prstGeom>
+              <a:blipFill>
+                <a:blip r:embed="rId2"/>
+                <a:stretch>
+                  <a:fillRect l="-8130" t="-4444" r="-11382" b="-37778"/>
+                </a:stretch>
+              </a:blipFill>
+            </p:spPr>
+            <p:txBody>
+              <a:bodyPr/>
+              <a:lstStyle/>
+              <a:p>
+                <a:r>
+                  <a:rPr lang="nb-NO">
+                    <a:noFill/>
+                  </a:rPr>
+                  <a:t> </a:t>
+                </a:r>
+              </a:p>
+            </p:txBody>
+          </p:sp>
+        </mc:Fallback>
+      </mc:AlternateContent>
+      <mc:AlternateContent xmlns:mc="http://schemas.openxmlformats.org/markup-compatibility/2006">
+        <mc:Choice xmlns:a14="http://schemas.microsoft.com/office/drawing/2010/main" Requires="a14">
+          <p:sp>
+            <p:nvSpPr>
+              <p:cNvPr id="28" name="TekstSylinder 27">
+                <a:extLst>
+                  <a:ext uri="{FF2B5EF4-FFF2-40B4-BE49-F238E27FC236}">
+                    <a16:creationId xmlns:a16="http://schemas.microsoft.com/office/drawing/2014/main" id="{5574C593-F232-36A8-CF33-2B17B06F1236}"/>
+                  </a:ext>
+                </a:extLst>
+              </p:cNvPr>
+              <p:cNvSpPr txBox="1"/>
+              <p:nvPr/>
+            </p:nvSpPr>
+            <p:spPr>
+              <a:xfrm>
+                <a:off x="2999656" y="2650131"/>
+                <a:ext cx="1544525" cy="276999"/>
+              </a:xfrm>
+              <a:prstGeom prst="rect">
+                <a:avLst/>
+              </a:prstGeom>
+              <a:noFill/>
+            </p:spPr>
+            <p:txBody>
+              <a:bodyPr wrap="none" lIns="0" tIns="0" rIns="0" bIns="0" rtlCol="0">
+                <a:spAutoFit/>
+              </a:bodyPr>
+              <a:lstStyle/>
+              <a:p>
+                <a14:m>
+                  <m:oMathPara xmlns:m="http://schemas.openxmlformats.org/officeDocument/2006/math">
+                    <m:oMathParaPr>
+                      <m:jc m:val="centerGroup"/>
+                    </m:oMathParaPr>
+                    <m:oMath xmlns:m="http://schemas.openxmlformats.org/officeDocument/2006/math">
+                      <m:sSub>
+                        <m:sSubPr>
+                          <m:ctrlPr>
+                            <a:rPr lang="nb-NO" b="0" i="1" smtClean="0">
+                              <a:latin typeface="Cambria Math" panose="02040503050406030204" pitchFamily="18" charset="0"/>
+                            </a:rPr>
+                          </m:ctrlPr>
+                        </m:sSubPr>
+                        <m:e>
+                          <m:r>
+                            <a:rPr lang="nb-NO" b="0" i="1" smtClean="0">
+                              <a:latin typeface="Cambria Math" panose="02040503050406030204" pitchFamily="18" charset="0"/>
+                            </a:rPr>
+                            <m:t>𝑈</m:t>
+                          </m:r>
+                        </m:e>
+                        <m:sub>
+                          <m:r>
+                            <a:rPr lang="nb-NO" b="0" i="1" smtClean="0">
+                              <a:latin typeface="Cambria Math" panose="02040503050406030204" pitchFamily="18" charset="0"/>
+                            </a:rPr>
+                            <m:t>𝑖𝑛𝑛</m:t>
+                          </m:r>
+                        </m:sub>
+                      </m:sSub>
+                      <m:r>
+                        <a:rPr lang="nb-NO" b="0" i="1" smtClean="0">
+                          <a:latin typeface="Cambria Math" panose="02040503050406030204" pitchFamily="18" charset="0"/>
+                        </a:rPr>
+                        <m:t>=10</m:t>
+                      </m:r>
+                      <m:d>
+                        <m:dPr>
+                          <m:begChr m:val="["/>
+                          <m:endChr m:val="]"/>
+                          <m:ctrlPr>
+                            <a:rPr lang="nb-NO" b="0" i="1" smtClean="0">
+                              <a:latin typeface="Cambria Math" panose="02040503050406030204" pitchFamily="18" charset="0"/>
+                            </a:rPr>
+                          </m:ctrlPr>
+                        </m:dPr>
+                        <m:e>
+                          <m:r>
+                            <a:rPr lang="nb-NO" b="0" i="1" smtClean="0">
+                              <a:latin typeface="Cambria Math" panose="02040503050406030204" pitchFamily="18" charset="0"/>
+                            </a:rPr>
+                            <m:t>𝑚𝑉</m:t>
+                          </m:r>
+                        </m:e>
+                      </m:d>
+                    </m:oMath>
+                  </m:oMathPara>
+                </a14:m>
+                <a:endParaRPr lang="nb-NO" dirty="0"/>
+              </a:p>
+            </p:txBody>
+          </p:sp>
+        </mc:Choice>
+        <mc:Fallback>
+          <p:sp>
+            <p:nvSpPr>
+              <p:cNvPr id="28" name="TekstSylinder 27">
+                <a:extLst>
+                  <a:ext uri="{FF2B5EF4-FFF2-40B4-BE49-F238E27FC236}">
+                    <a16:creationId xmlns:a16="http://schemas.microsoft.com/office/drawing/2014/main" id="{5574C593-F232-36A8-CF33-2B17B06F1236}"/>
+                  </a:ext>
+                </a:extLst>
+              </p:cNvPr>
+              <p:cNvSpPr txBox="1">
+                <a:spLocks noRot="1" noChangeAspect="1" noMove="1" noResize="1" noEditPoints="1" noAdjustHandles="1" noChangeArrowheads="1" noChangeShapeType="1" noTextEdit="1"/>
+              </p:cNvSpPr>
+              <p:nvPr/>
+            </p:nvSpPr>
+            <p:spPr>
+              <a:xfrm>
+                <a:off x="2999656" y="2650131"/>
+                <a:ext cx="1544525" cy="276999"/>
+              </a:xfrm>
+              <a:prstGeom prst="rect">
+                <a:avLst/>
+              </a:prstGeom>
+              <a:blipFill>
+                <a:blip r:embed="rId3"/>
+                <a:stretch>
+                  <a:fillRect l="-3162" b="-17778"/>
+                </a:stretch>
+              </a:blipFill>
+            </p:spPr>
+            <p:txBody>
+              <a:bodyPr/>
+              <a:lstStyle/>
+              <a:p>
+                <a:r>
+                  <a:rPr lang="nb-NO">
+                    <a:noFill/>
+                  </a:rPr>
+                  <a:t> </a:t>
+                </a:r>
+              </a:p>
+            </p:txBody>
+          </p:sp>
+        </mc:Fallback>
+      </mc:AlternateContent>
+      <mc:AlternateContent xmlns:mc="http://schemas.openxmlformats.org/markup-compatibility/2006">
+        <mc:Choice xmlns:a14="http://schemas.microsoft.com/office/drawing/2010/main" Requires="a14">
+          <p:sp>
+            <p:nvSpPr>
+              <p:cNvPr id="29" name="TekstSylinder 28">
+                <a:extLst>
+                  <a:ext uri="{FF2B5EF4-FFF2-40B4-BE49-F238E27FC236}">
+                    <a16:creationId xmlns:a16="http://schemas.microsoft.com/office/drawing/2014/main" id="{C7898CC5-17B2-BE70-5F5E-952ACA034FD2}"/>
+                  </a:ext>
+                </a:extLst>
+              </p:cNvPr>
+              <p:cNvSpPr txBox="1"/>
+              <p:nvPr/>
+            </p:nvSpPr>
+            <p:spPr>
+              <a:xfrm>
+                <a:off x="6854198" y="2650132"/>
+                <a:ext cx="1130631" cy="276999"/>
+              </a:xfrm>
+              <a:prstGeom prst="rect">
+                <a:avLst/>
+              </a:prstGeom>
+              <a:noFill/>
+            </p:spPr>
+            <p:txBody>
+              <a:bodyPr wrap="none" lIns="0" tIns="0" rIns="0" bIns="0" rtlCol="0">
+                <a:spAutoFit/>
+              </a:bodyPr>
+              <a:lstStyle/>
+              <a:p>
+                <a14:m>
+                  <m:oMathPara xmlns:m="http://schemas.openxmlformats.org/officeDocument/2006/math">
+                    <m:oMathParaPr>
+                      <m:jc m:val="centerGroup"/>
+                    </m:oMathParaPr>
+                    <m:oMath xmlns:m="http://schemas.openxmlformats.org/officeDocument/2006/math">
+                      <m:sSub>
+                        <m:sSubPr>
+                          <m:ctrlPr>
+                            <a:rPr lang="nb-NO" b="0" i="1" smtClean="0">
+                              <a:latin typeface="Cambria Math" panose="02040503050406030204" pitchFamily="18" charset="0"/>
+                            </a:rPr>
+                          </m:ctrlPr>
+                        </m:sSubPr>
+                        <m:e>
+                          <m:r>
+                            <a:rPr lang="nb-NO" b="0" i="1" smtClean="0">
+                              <a:latin typeface="Cambria Math" panose="02040503050406030204" pitchFamily="18" charset="0"/>
+                            </a:rPr>
+                            <m:t>𝑈</m:t>
+                          </m:r>
+                        </m:e>
+                        <m:sub>
+                          <m:r>
+                            <a:rPr lang="nb-NO" b="0" i="1" smtClean="0">
+                              <a:latin typeface="Cambria Math" panose="02040503050406030204" pitchFamily="18" charset="0"/>
+                            </a:rPr>
+                            <m:t>𝑢𝑡</m:t>
+                          </m:r>
+                        </m:sub>
+                      </m:sSub>
+                      <m:r>
+                        <a:rPr lang="nb-NO" b="0" i="1" smtClean="0">
+                          <a:latin typeface="Cambria Math" panose="02040503050406030204" pitchFamily="18" charset="0"/>
+                        </a:rPr>
+                        <m:t>=1</m:t>
+                      </m:r>
+                      <m:d>
+                        <m:dPr>
+                          <m:begChr m:val="["/>
+                          <m:endChr m:val="]"/>
+                          <m:ctrlPr>
+                            <a:rPr lang="nb-NO" b="0" i="1" smtClean="0">
+                              <a:latin typeface="Cambria Math" panose="02040503050406030204" pitchFamily="18" charset="0"/>
+                            </a:rPr>
+                          </m:ctrlPr>
+                        </m:dPr>
+                        <m:e>
+                          <m:r>
+                            <a:rPr lang="nb-NO" b="0" i="1" smtClean="0">
+                              <a:latin typeface="Cambria Math" panose="02040503050406030204" pitchFamily="18" charset="0"/>
+                            </a:rPr>
+                            <m:t>𝑉</m:t>
+                          </m:r>
+                        </m:e>
+                      </m:d>
+                    </m:oMath>
+                  </m:oMathPara>
+                </a14:m>
+                <a:endParaRPr lang="nb-NO" dirty="0"/>
+              </a:p>
+            </p:txBody>
+          </p:sp>
+        </mc:Choice>
+        <mc:Fallback>
+          <p:sp>
+            <p:nvSpPr>
+              <p:cNvPr id="29" name="TekstSylinder 28">
+                <a:extLst>
+                  <a:ext uri="{FF2B5EF4-FFF2-40B4-BE49-F238E27FC236}">
+                    <a16:creationId xmlns:a16="http://schemas.microsoft.com/office/drawing/2014/main" id="{C7898CC5-17B2-BE70-5F5E-952ACA034FD2}"/>
+                  </a:ext>
+                </a:extLst>
+              </p:cNvPr>
+              <p:cNvSpPr txBox="1">
+                <a:spLocks noRot="1" noChangeAspect="1" noMove="1" noResize="1" noEditPoints="1" noAdjustHandles="1" noChangeArrowheads="1" noChangeShapeType="1" noTextEdit="1"/>
+              </p:cNvSpPr>
+              <p:nvPr/>
+            </p:nvSpPr>
+            <p:spPr>
+              <a:xfrm>
+                <a:off x="6854198" y="2650132"/>
+                <a:ext cx="1130631" cy="276999"/>
+              </a:xfrm>
+              <a:prstGeom prst="rect">
+                <a:avLst/>
+              </a:prstGeom>
+              <a:blipFill>
+                <a:blip r:embed="rId4"/>
+                <a:stretch>
+                  <a:fillRect l="-4301" b="-15556"/>
+                </a:stretch>
+              </a:blipFill>
+            </p:spPr>
+            <p:txBody>
+              <a:bodyPr/>
+              <a:lstStyle/>
+              <a:p>
+                <a:r>
+                  <a:rPr lang="nb-NO">
+                    <a:noFill/>
+                  </a:rPr>
+                  <a:t> </a:t>
+                </a:r>
+              </a:p>
+            </p:txBody>
+          </p:sp>
+        </mc:Fallback>
+      </mc:AlternateContent>
+    </p:spTree>
+    <p:extLst>
+      <p:ext uri="{BB962C8B-B14F-4D97-AF65-F5344CB8AC3E}">
+        <p14:creationId xmlns:p14="http://schemas.microsoft.com/office/powerpoint/2010/main" val="441209334"/>
+      </p:ext>
+    </p:extLst>
+  </p:cSld>
+  <p:clrMapOvr>
+    <a:masterClrMapping/>
+  </p:clrMapOvr>
+</p:sld>
+</file>
+
+<file path=ppt/slides/slide6.xml><?xml version="1.0" encoding="utf-8"?>
+<p:sld xmlns:a="http://schemas.openxmlformats.org/drawingml/2006/main" xmlns:r="http://schemas.openxmlformats.org/officeDocument/2006/relationships" xmlns:p="http://schemas.openxmlformats.org/presentationml/2006/main">
+  <p:cSld>
+    <p:spTree>
+      <p:nvGrpSpPr>
+        <p:cNvPr id="1" name="">
+          <a:extLst>
+            <a:ext uri="{FF2B5EF4-FFF2-40B4-BE49-F238E27FC236}">
+              <a16:creationId xmlns:a16="http://schemas.microsoft.com/office/drawing/2014/main" id="{B35DA495-B805-1741-46B5-6D4C8A8C8DCD}"/>
+            </a:ext>
+          </a:extLst>
+        </p:cNvPr>
+        <p:cNvGrpSpPr/>
+        <p:nvPr/>
+      </p:nvGrpSpPr>
+      <p:grpSpPr>
+        <a:xfrm>
+          <a:off x="0" y="0"/>
+          <a:ext cx="0" cy="0"/>
+          <a:chOff x="0" y="0"/>
+          <a:chExt cx="0" cy="0"/>
+        </a:xfrm>
+      </p:grpSpPr>
+      <p:sp>
+        <p:nvSpPr>
+          <p:cNvPr id="3" name="Rektangel 2">
+            <a:extLst>
+              <a:ext uri="{FF2B5EF4-FFF2-40B4-BE49-F238E27FC236}">
+                <a16:creationId xmlns:a16="http://schemas.microsoft.com/office/drawing/2014/main" id="{FCF85E89-4883-7976-73B9-2B0110831836}"/>
+              </a:ext>
+            </a:extLst>
+          </p:cNvPr>
+          <p:cNvSpPr/>
+          <p:nvPr/>
+        </p:nvSpPr>
+        <p:spPr>
+          <a:xfrm>
+            <a:off x="5641675" y="3226280"/>
+            <a:ext cx="1279585" cy="560714"/>
+          </a:xfrm>
+          <a:prstGeom prst="rect">
+            <a:avLst/>
+          </a:prstGeom>
+        </p:spPr>
+        <p:style>
+          <a:lnRef idx="2">
+            <a:schemeClr val="accent1">
+              <a:shade val="15000"/>
+            </a:schemeClr>
+          </a:lnRef>
+          <a:fillRef idx="1">
+            <a:schemeClr val="accent1"/>
+          </a:fillRef>
+          <a:effectRef idx="0">
+            <a:schemeClr val="accent1"/>
+          </a:effectRef>
+          <a:fontRef idx="minor">
+            <a:schemeClr val="lt1"/>
+          </a:fontRef>
+        </p:style>
+        <p:txBody>
+          <a:bodyPr rtlCol="0" anchor="ctr"/>
+          <a:lstStyle/>
+          <a:p>
+            <a:pPr algn="ctr"/>
+            <a:r>
+              <a:rPr lang="nb-NO" dirty="0"/>
+              <a:t>Forsterker</a:t>
+            </a:r>
+          </a:p>
+          <a:p>
+            <a:pPr algn="ctr"/>
+            <a:r>
+              <a:rPr lang="nb-NO" dirty="0"/>
+              <a:t>20 [dB]</a:t>
+            </a:r>
+          </a:p>
+        </p:txBody>
+      </p:sp>
+      <p:sp>
+        <p:nvSpPr>
+          <p:cNvPr id="4" name="Rektangel 3">
+            <a:extLst>
+              <a:ext uri="{FF2B5EF4-FFF2-40B4-BE49-F238E27FC236}">
+                <a16:creationId xmlns:a16="http://schemas.microsoft.com/office/drawing/2014/main" id="{0BD9D461-22F2-5873-68E5-2862D4839909}"/>
+              </a:ext>
+            </a:extLst>
+          </p:cNvPr>
+          <p:cNvSpPr/>
+          <p:nvPr/>
+        </p:nvSpPr>
+        <p:spPr>
+          <a:xfrm>
+            <a:off x="8476890" y="3226280"/>
+            <a:ext cx="1279585" cy="560714"/>
+          </a:xfrm>
+          <a:prstGeom prst="rect">
+            <a:avLst/>
+          </a:prstGeom>
+        </p:spPr>
+        <p:style>
+          <a:lnRef idx="2">
+            <a:schemeClr val="accent1">
+              <a:shade val="15000"/>
+            </a:schemeClr>
+          </a:lnRef>
+          <a:fillRef idx="1">
+            <a:schemeClr val="accent1"/>
+          </a:fillRef>
+          <a:effectRef idx="0">
+            <a:schemeClr val="accent1"/>
+          </a:effectRef>
+          <a:fontRef idx="minor">
+            <a:schemeClr val="lt1"/>
+          </a:fontRef>
+        </p:style>
+        <p:txBody>
+          <a:bodyPr rtlCol="0" anchor="ctr"/>
+          <a:lstStyle/>
+          <a:p>
+            <a:pPr algn="ctr"/>
+            <a:r>
+              <a:rPr lang="nb-NO" dirty="0"/>
+              <a:t>Forsterker</a:t>
+            </a:r>
+            <a:br>
+              <a:rPr lang="nb-NO" dirty="0"/>
+            </a:br>
+            <a:r>
+              <a:rPr lang="nb-NO" dirty="0"/>
+              <a:t>16 [dB]</a:t>
+            </a:r>
+          </a:p>
+        </p:txBody>
+      </p:sp>
+      <p:cxnSp>
+        <p:nvCxnSpPr>
+          <p:cNvPr id="6" name="Rett pilkobling 5">
+            <a:extLst>
+              <a:ext uri="{FF2B5EF4-FFF2-40B4-BE49-F238E27FC236}">
+                <a16:creationId xmlns:a16="http://schemas.microsoft.com/office/drawing/2014/main" id="{40CCD1FB-35F1-EB51-7DE1-3BE2C28F73F6}"/>
+              </a:ext>
+            </a:extLst>
+          </p:cNvPr>
+          <p:cNvCxnSpPr>
+            <a:cxnSpLocks/>
+            <a:stCxn id="3" idx="3"/>
+            <a:endCxn id="4" idx="1"/>
+          </p:cNvCxnSpPr>
+          <p:nvPr/>
+        </p:nvCxnSpPr>
+        <p:spPr>
+          <a:xfrm>
+            <a:off x="6921260" y="3506637"/>
+            <a:ext cx="1555630" cy="0"/>
+          </a:xfrm>
+          <a:prstGeom prst="straightConnector1">
+            <a:avLst/>
+          </a:prstGeom>
+          <a:ln w="38100">
+            <a:tailEnd type="triangle"/>
+          </a:ln>
+        </p:spPr>
+        <p:style>
+          <a:lnRef idx="1">
+            <a:schemeClr val="accent1"/>
+          </a:lnRef>
+          <a:fillRef idx="0">
+            <a:schemeClr val="accent1"/>
+          </a:fillRef>
+          <a:effectRef idx="0">
+            <a:schemeClr val="accent1"/>
+          </a:effectRef>
+          <a:fontRef idx="minor">
+            <a:schemeClr val="tx1"/>
+          </a:fontRef>
+        </p:style>
+      </p:cxnSp>
+      <p:cxnSp>
+        <p:nvCxnSpPr>
+          <p:cNvPr id="7" name="Rett pilkobling 6">
+            <a:extLst>
+              <a:ext uri="{FF2B5EF4-FFF2-40B4-BE49-F238E27FC236}">
+                <a16:creationId xmlns:a16="http://schemas.microsoft.com/office/drawing/2014/main" id="{1E6F8F4A-B85A-FEA8-5A2D-A9522988BB3B}"/>
+              </a:ext>
+            </a:extLst>
+          </p:cNvPr>
+          <p:cNvCxnSpPr>
+            <a:cxnSpLocks/>
+            <a:stCxn id="4" idx="3"/>
+          </p:cNvCxnSpPr>
+          <p:nvPr/>
+        </p:nvCxnSpPr>
+        <p:spPr>
+          <a:xfrm>
+            <a:off x="9756475" y="3506637"/>
+            <a:ext cx="1233578" cy="0"/>
+          </a:xfrm>
+          <a:prstGeom prst="straightConnector1">
+            <a:avLst/>
+          </a:prstGeom>
+          <a:ln w="38100">
+            <a:tailEnd type="triangle"/>
+          </a:ln>
+        </p:spPr>
+        <p:style>
+          <a:lnRef idx="1">
+            <a:schemeClr val="accent1"/>
+          </a:lnRef>
+          <a:fillRef idx="0">
+            <a:schemeClr val="accent1"/>
+          </a:fillRef>
+          <a:effectRef idx="0">
+            <a:schemeClr val="accent1"/>
+          </a:effectRef>
+          <a:fontRef idx="minor">
+            <a:schemeClr val="tx1"/>
+          </a:fontRef>
+        </p:style>
+      </p:cxnSp>
+      <p:pic>
+        <p:nvPicPr>
+          <p:cNvPr id="8" name="Grafikk 7" descr="Termometer med heldekkende fyll">
+            <a:extLst>
+              <a:ext uri="{FF2B5EF4-FFF2-40B4-BE49-F238E27FC236}">
+                <a16:creationId xmlns:a16="http://schemas.microsoft.com/office/drawing/2014/main" id="{C420C8DC-A1DD-CB03-4B18-255319271E35}"/>
+              </a:ext>
+            </a:extLst>
+          </p:cNvPr>
+          <p:cNvPicPr>
+            <a:picLocks noChangeAspect="1"/>
+          </p:cNvPicPr>
+          <p:nvPr/>
+        </p:nvPicPr>
+        <p:blipFill>
+          <a:blip r:embed="rId2">
+            <a:extLst>
+              <a:ext uri="{96DAC541-7B7A-43D3-8B79-37D633B846F1}">
+                <asvg:svgBlip xmlns:asvg="http://schemas.microsoft.com/office/drawing/2016/SVG/main" r:embed="rId3"/>
+              </a:ext>
+            </a:extLst>
+          </a:blip>
+          <a:stretch>
+            <a:fillRect/>
+          </a:stretch>
+        </p:blipFill>
+        <p:spPr>
+          <a:xfrm>
+            <a:off x="4347713" y="1483743"/>
+            <a:ext cx="914400" cy="914400"/>
+          </a:xfrm>
+          <a:prstGeom prst="rect">
+            <a:avLst/>
+          </a:prstGeom>
+        </p:spPr>
+      </p:pic>
+      <p:pic>
+        <p:nvPicPr>
+          <p:cNvPr id="9" name="Grafikk 8" descr="Måler med heldekkende fyll">
+            <a:extLst>
+              <a:ext uri="{FF2B5EF4-FFF2-40B4-BE49-F238E27FC236}">
+                <a16:creationId xmlns:a16="http://schemas.microsoft.com/office/drawing/2014/main" id="{CDAB28B5-C9D7-D8B3-39F6-F07564D0C289}"/>
+              </a:ext>
+            </a:extLst>
+          </p:cNvPr>
+          <p:cNvPicPr>
+            <a:picLocks noChangeAspect="1"/>
+          </p:cNvPicPr>
+          <p:nvPr/>
+        </p:nvPicPr>
+        <p:blipFill>
+          <a:blip r:embed="rId4">
+            <a:extLst>
+              <a:ext uri="{96DAC541-7B7A-43D3-8B79-37D633B846F1}">
+                <asvg:svgBlip xmlns:asvg="http://schemas.microsoft.com/office/drawing/2016/SVG/main" r:embed="rId5"/>
+              </a:ext>
+            </a:extLst>
+          </a:blip>
+          <a:stretch>
+            <a:fillRect/>
+          </a:stretch>
+        </p:blipFill>
+        <p:spPr>
+          <a:xfrm>
+            <a:off x="11036060" y="2971800"/>
+            <a:ext cx="914400" cy="914400"/>
+          </a:xfrm>
+          <a:prstGeom prst="rect">
+            <a:avLst/>
+          </a:prstGeom>
+        </p:spPr>
+      </p:pic>
+      <p:cxnSp>
+        <p:nvCxnSpPr>
+          <p:cNvPr id="11" name="Kobling: vinkel 10">
+            <a:extLst>
+              <a:ext uri="{FF2B5EF4-FFF2-40B4-BE49-F238E27FC236}">
+                <a16:creationId xmlns:a16="http://schemas.microsoft.com/office/drawing/2014/main" id="{AD945641-CEC1-23B1-A8B1-4D8028586333}"/>
+              </a:ext>
+            </a:extLst>
+          </p:cNvPr>
+          <p:cNvCxnSpPr>
+            <a:cxnSpLocks/>
+            <a:stCxn id="3" idx="1"/>
+          </p:cNvCxnSpPr>
+          <p:nvPr/>
+        </p:nvCxnSpPr>
+        <p:spPr>
+          <a:xfrm rot="10800000">
+            <a:off x="4804913" y="2398143"/>
+            <a:ext cx="836762" cy="1108494"/>
+          </a:xfrm>
+          <a:prstGeom prst="bentConnector2">
+            <a:avLst/>
+          </a:prstGeom>
+          <a:ln w="38100">
+            <a:headEnd type="triangle" w="med" len="med"/>
+            <a:tailEnd type="none" w="med" len="med"/>
+          </a:ln>
+        </p:spPr>
+        <p:style>
+          <a:lnRef idx="1">
+            <a:schemeClr val="accent1"/>
+          </a:lnRef>
+          <a:fillRef idx="0">
+            <a:schemeClr val="accent1"/>
+          </a:fillRef>
+          <a:effectRef idx="0">
+            <a:schemeClr val="accent1"/>
+          </a:effectRef>
+          <a:fontRef idx="minor">
+            <a:schemeClr val="tx1"/>
+          </a:fontRef>
+        </p:style>
+      </p:cxnSp>
+      <mc:AlternateContent xmlns:mc="http://schemas.openxmlformats.org/markup-compatibility/2006">
+        <mc:Choice xmlns:a14="http://schemas.microsoft.com/office/drawing/2010/main" Requires="a14">
+          <p:sp>
+            <p:nvSpPr>
+              <p:cNvPr id="12" name="TekstSylinder 11">
+                <a:extLst>
+                  <a:ext uri="{FF2B5EF4-FFF2-40B4-BE49-F238E27FC236}">
+                    <a16:creationId xmlns:a16="http://schemas.microsoft.com/office/drawing/2014/main" id="{029171F7-96F6-8144-A774-150C0907FF34}"/>
+                  </a:ext>
+                </a:extLst>
+              </p:cNvPr>
+              <p:cNvSpPr txBox="1"/>
+              <p:nvPr/>
+            </p:nvSpPr>
+            <p:spPr>
+              <a:xfrm>
+                <a:off x="4269297" y="1192382"/>
+                <a:ext cx="2438424" cy="738664"/>
+              </a:xfrm>
+              <a:prstGeom prst="rect">
+                <a:avLst/>
+              </a:prstGeom>
+              <a:noFill/>
+            </p:spPr>
+            <p:txBody>
+              <a:bodyPr wrap="none" lIns="0" tIns="0" rIns="0" bIns="0" rtlCol="0">
+                <a:spAutoFit/>
+              </a:bodyPr>
+              <a:lstStyle/>
+              <a:p>
+                <a:r>
+                  <a:rPr lang="nb-NO" sz="2400" i="1" dirty="0">
+                    <a:latin typeface="Cambria Math" panose="02040503050406030204" pitchFamily="18" charset="0"/>
+                    <a:ea typeface="Cambria Math" panose="02040503050406030204" pitchFamily="18" charset="0"/>
+                  </a:rPr>
+                  <a:t>Temperatursensor</a:t>
+                </a:r>
+              </a:p>
+              <a:p>
+                <a:pPr/>
+                <a14:m>
+                  <m:oMathPara xmlns:m="http://schemas.openxmlformats.org/officeDocument/2006/math">
+                    <m:oMathParaPr>
+                      <m:jc m:val="centerGroup"/>
+                    </m:oMathParaPr>
+                    <m:oMath xmlns:m="http://schemas.openxmlformats.org/officeDocument/2006/math">
+                      <m:r>
+                        <a:rPr lang="nb-NO" sz="2400" i="1" smtClean="0">
+                          <a:latin typeface="Cambria Math" panose="02040503050406030204" pitchFamily="18" charset="0"/>
+                          <a:ea typeface="Cambria Math" panose="02040503050406030204" pitchFamily="18" charset="0"/>
+                        </a:rPr>
+                        <m:t>℃</m:t>
+                      </m:r>
+                    </m:oMath>
+                  </m:oMathPara>
+                </a14:m>
+                <a:endParaRPr lang="nb-NO" sz="2400" dirty="0"/>
+              </a:p>
+            </p:txBody>
+          </p:sp>
+        </mc:Choice>
+        <mc:Fallback>
+          <p:sp>
+            <p:nvSpPr>
+              <p:cNvPr id="12" name="TekstSylinder 11">
+                <a:extLst>
+                  <a:ext uri="{FF2B5EF4-FFF2-40B4-BE49-F238E27FC236}">
+                    <a16:creationId xmlns:a16="http://schemas.microsoft.com/office/drawing/2014/main" id="{029171F7-96F6-8144-A774-150C0907FF34}"/>
+                  </a:ext>
+                </a:extLst>
+              </p:cNvPr>
+              <p:cNvSpPr txBox="1">
+                <a:spLocks noRot="1" noChangeAspect="1" noMove="1" noResize="1" noEditPoints="1" noAdjustHandles="1" noChangeArrowheads="1" noChangeShapeType="1" noTextEdit="1"/>
+              </p:cNvSpPr>
+              <p:nvPr/>
+            </p:nvSpPr>
+            <p:spPr>
+              <a:xfrm>
+                <a:off x="4269297" y="1192382"/>
+                <a:ext cx="2438424" cy="738664"/>
+              </a:xfrm>
+              <a:prstGeom prst="rect">
+                <a:avLst/>
+              </a:prstGeom>
+              <a:blipFill>
+                <a:blip r:embed="rId6"/>
+                <a:stretch>
+                  <a:fillRect l="-7500" t="-13223" r="-6750" b="-1653"/>
+                </a:stretch>
+              </a:blipFill>
+            </p:spPr>
+            <p:txBody>
+              <a:bodyPr/>
+              <a:lstStyle/>
+              <a:p>
+                <a:r>
+                  <a:rPr lang="nb-NO">
+                    <a:noFill/>
+                  </a:rPr>
+                  <a:t> </a:t>
+                </a:r>
+              </a:p>
+            </p:txBody>
+          </p:sp>
+        </mc:Fallback>
+      </mc:AlternateContent>
+      <p:sp>
+        <p:nvSpPr>
+          <p:cNvPr id="13" name="TekstSylinder 12">
+            <a:extLst>
+              <a:ext uri="{FF2B5EF4-FFF2-40B4-BE49-F238E27FC236}">
+                <a16:creationId xmlns:a16="http://schemas.microsoft.com/office/drawing/2014/main" id="{DFF7CA9B-0AC7-4783-63F3-517AC38E5702}"/>
+              </a:ext>
+            </a:extLst>
+          </p:cNvPr>
+          <p:cNvSpPr txBox="1"/>
+          <p:nvPr/>
+        </p:nvSpPr>
+        <p:spPr>
+          <a:xfrm>
+            <a:off x="10503129" y="2767724"/>
+            <a:ext cx="1487587" cy="369332"/>
+          </a:xfrm>
+          <a:prstGeom prst="rect">
+            <a:avLst/>
+          </a:prstGeom>
+          <a:noFill/>
+        </p:spPr>
+        <p:txBody>
+          <a:bodyPr wrap="none" lIns="0" tIns="0" rIns="0" bIns="0" rtlCol="0">
+            <a:spAutoFit/>
+          </a:bodyPr>
+          <a:lstStyle/>
+          <a:p>
+            <a:r>
+              <a:rPr lang="nb-NO" sz="2400" i="1" dirty="0">
+                <a:latin typeface="Cambria Math" panose="02040503050406030204" pitchFamily="18" charset="0"/>
+                <a:ea typeface="Cambria Math" panose="02040503050406030204" pitchFamily="18" charset="0"/>
+              </a:rPr>
+              <a:t>Instrument</a:t>
+            </a:r>
+          </a:p>
+        </p:txBody>
+      </p:sp>
+      <mc:AlternateContent xmlns:mc="http://schemas.openxmlformats.org/markup-compatibility/2006">
+        <mc:Choice xmlns:a14="http://schemas.microsoft.com/office/drawing/2010/main" Requires="a14">
+          <p:sp>
+            <p:nvSpPr>
+              <p:cNvPr id="14" name="TekstSylinder 13">
+                <a:extLst>
+                  <a:ext uri="{FF2B5EF4-FFF2-40B4-BE49-F238E27FC236}">
+                    <a16:creationId xmlns:a16="http://schemas.microsoft.com/office/drawing/2014/main" id="{95C222EE-3F8F-EFB1-9287-842B0EA272C8}"/>
+                  </a:ext>
+                </a:extLst>
+              </p:cNvPr>
+              <p:cNvSpPr txBox="1"/>
+              <p:nvPr/>
+            </p:nvSpPr>
+            <p:spPr>
+              <a:xfrm>
+                <a:off x="6803268" y="4175185"/>
+                <a:ext cx="1670714" cy="276999"/>
+              </a:xfrm>
+              <a:prstGeom prst="rect">
+                <a:avLst/>
+              </a:prstGeom>
+              <a:noFill/>
+            </p:spPr>
+            <p:txBody>
+              <a:bodyPr wrap="none" lIns="0" tIns="0" rIns="0" bIns="0" rtlCol="0">
+                <a:spAutoFit/>
+              </a:bodyPr>
+              <a:lstStyle/>
+              <a:p>
+                <a:pPr/>
+                <a14:m>
+                  <m:oMathPara xmlns:m="http://schemas.openxmlformats.org/officeDocument/2006/math">
+                    <m:oMathParaPr>
+                      <m:jc m:val="centerGroup"/>
+                    </m:oMathParaPr>
+                    <m:oMath xmlns:m="http://schemas.openxmlformats.org/officeDocument/2006/math">
+                      <m:r>
+                        <a:rPr lang="nb-NO" b="0" i="1" smtClean="0">
+                          <a:latin typeface="Cambria Math" panose="02040503050406030204" pitchFamily="18" charset="0"/>
+                        </a:rPr>
+                        <m:t>𝐾𝑎𝑏𝑒𝑙</m:t>
+                      </m:r>
+                      <m:r>
+                        <a:rPr lang="nb-NO" b="0" i="1" smtClean="0">
+                          <a:latin typeface="Cambria Math" panose="02040503050406030204" pitchFamily="18" charset="0"/>
+                        </a:rPr>
+                        <m:t> (−3</m:t>
+                      </m:r>
+                      <m:d>
+                        <m:dPr>
+                          <m:begChr m:val="["/>
+                          <m:endChr m:val="]"/>
+                          <m:ctrlPr>
+                            <a:rPr lang="nb-NO" b="0" i="1" smtClean="0">
+                              <a:latin typeface="Cambria Math" panose="02040503050406030204" pitchFamily="18" charset="0"/>
+                            </a:rPr>
+                          </m:ctrlPr>
+                        </m:dPr>
+                        <m:e>
+                          <m:r>
+                            <a:rPr lang="nb-NO" b="0" i="1" smtClean="0">
+                              <a:latin typeface="Cambria Math" panose="02040503050406030204" pitchFamily="18" charset="0"/>
+                            </a:rPr>
+                            <m:t>𝑑𝐵</m:t>
+                          </m:r>
+                        </m:e>
+                      </m:d>
+                      <m:r>
+                        <a:rPr lang="nb-NO" b="0" i="1" smtClean="0">
+                          <a:latin typeface="Cambria Math" panose="02040503050406030204" pitchFamily="18" charset="0"/>
+                        </a:rPr>
+                        <m:t>)</m:t>
+                      </m:r>
+                    </m:oMath>
+                  </m:oMathPara>
+                </a14:m>
+                <a:endParaRPr lang="nb-NO" dirty="0"/>
+              </a:p>
+            </p:txBody>
+          </p:sp>
+        </mc:Choice>
+        <mc:Fallback>
+          <p:sp>
+            <p:nvSpPr>
+              <p:cNvPr id="14" name="TekstSylinder 13">
+                <a:extLst>
+                  <a:ext uri="{FF2B5EF4-FFF2-40B4-BE49-F238E27FC236}">
+                    <a16:creationId xmlns:a16="http://schemas.microsoft.com/office/drawing/2014/main" id="{95C222EE-3F8F-EFB1-9287-842B0EA272C8}"/>
+                  </a:ext>
+                </a:extLst>
+              </p:cNvPr>
+              <p:cNvSpPr txBox="1">
+                <a:spLocks noRot="1" noChangeAspect="1" noMove="1" noResize="1" noEditPoints="1" noAdjustHandles="1" noChangeArrowheads="1" noChangeShapeType="1" noTextEdit="1"/>
+              </p:cNvSpPr>
+              <p:nvPr/>
+            </p:nvSpPr>
+            <p:spPr>
+              <a:xfrm>
+                <a:off x="6803268" y="4175185"/>
+                <a:ext cx="1670714" cy="276999"/>
+              </a:xfrm>
+              <a:prstGeom prst="rect">
+                <a:avLst/>
+              </a:prstGeom>
+              <a:blipFill>
+                <a:blip r:embed="rId7"/>
+                <a:stretch>
+                  <a:fillRect l="-2920" t="-2222" r="-4380" b="-35556"/>
+                </a:stretch>
+              </a:blipFill>
+            </p:spPr>
+            <p:txBody>
+              <a:bodyPr/>
+              <a:lstStyle/>
+              <a:p>
+                <a:r>
+                  <a:rPr lang="nb-NO">
+                    <a:noFill/>
+                  </a:rPr>
+                  <a:t> </a:t>
+                </a:r>
+              </a:p>
+            </p:txBody>
+          </p:sp>
+        </mc:Fallback>
+      </mc:AlternateContent>
+      <p:cxnSp>
+        <p:nvCxnSpPr>
+          <p:cNvPr id="15" name="Rett pilkobling 14">
+            <a:extLst>
+              <a:ext uri="{FF2B5EF4-FFF2-40B4-BE49-F238E27FC236}">
+                <a16:creationId xmlns:a16="http://schemas.microsoft.com/office/drawing/2014/main" id="{467FA3D1-E1F5-FAB5-8D5C-1BC31324BFAA}"/>
+              </a:ext>
+            </a:extLst>
+          </p:cNvPr>
+          <p:cNvCxnSpPr>
+            <a:stCxn id="14" idx="0"/>
+          </p:cNvCxnSpPr>
+          <p:nvPr/>
+        </p:nvCxnSpPr>
+        <p:spPr>
+          <a:xfrm flipV="1">
+            <a:off x="7638625" y="3640347"/>
+            <a:ext cx="220039" cy="534838"/>
+          </a:xfrm>
+          <a:prstGeom prst="straightConnector1">
+            <a:avLst/>
+          </a:prstGeom>
+          <a:ln w="12700">
+            <a:tailEnd type="triangle"/>
+          </a:ln>
+        </p:spPr>
+        <p:style>
+          <a:lnRef idx="1">
+            <a:schemeClr val="accent1"/>
+          </a:lnRef>
+          <a:fillRef idx="0">
+            <a:schemeClr val="accent1"/>
+          </a:fillRef>
+          <a:effectRef idx="0">
+            <a:schemeClr val="accent1"/>
+          </a:effectRef>
+          <a:fontRef idx="minor">
+            <a:schemeClr val="tx1"/>
+          </a:fontRef>
+        </p:style>
+      </p:cxnSp>
+      <mc:AlternateContent xmlns:mc="http://schemas.openxmlformats.org/markup-compatibility/2006">
+        <mc:Choice xmlns:a14="http://schemas.microsoft.com/office/drawing/2010/main" Requires="a14">
+          <p:sp>
+            <p:nvSpPr>
+              <p:cNvPr id="17" name="TekstSylinder 16">
+                <a:extLst>
+                  <a:ext uri="{FF2B5EF4-FFF2-40B4-BE49-F238E27FC236}">
+                    <a16:creationId xmlns:a16="http://schemas.microsoft.com/office/drawing/2014/main" id="{F5AAD29C-306B-E757-F2EE-F3764A925DEA}"/>
+                  </a:ext>
+                </a:extLst>
+              </p:cNvPr>
+              <p:cNvSpPr txBox="1"/>
+              <p:nvPr/>
+            </p:nvSpPr>
+            <p:spPr>
+              <a:xfrm>
+                <a:off x="5641675" y="2838089"/>
+                <a:ext cx="1279585" cy="369332"/>
+              </a:xfrm>
+              <a:prstGeom prst="rect">
+                <a:avLst/>
+              </a:prstGeom>
+              <a:noFill/>
+            </p:spPr>
+            <p:txBody>
+              <a:bodyPr wrap="square" lIns="0" tIns="0" rIns="0" bIns="0" rtlCol="0">
+                <a:spAutoFit/>
+              </a:bodyPr>
+              <a:lstStyle/>
+              <a:p>
+                <a14:m>
+                  <m:oMathPara xmlns:m="http://schemas.openxmlformats.org/officeDocument/2006/math">
+                    <m:oMathParaPr>
+                      <m:jc m:val="centerGroup"/>
+                    </m:oMathParaPr>
+                    <m:oMath xmlns:m="http://schemas.openxmlformats.org/officeDocument/2006/math">
+                      <m:sSub>
+                        <m:sSubPr>
+                          <m:ctrlPr>
+                            <a:rPr lang="nb-NO" sz="2400" b="0" i="1" smtClean="0">
+                              <a:latin typeface="Cambria Math" panose="02040503050406030204" pitchFamily="18" charset="0"/>
+                            </a:rPr>
+                          </m:ctrlPr>
+                        </m:sSubPr>
+                        <m:e>
+                          <m:r>
+                            <a:rPr lang="nb-NO" sz="2400" b="0" i="1" smtClean="0">
+                              <a:latin typeface="Cambria Math" panose="02040503050406030204" pitchFamily="18" charset="0"/>
+                            </a:rPr>
+                            <m:t>𝐹</m:t>
+                          </m:r>
+                        </m:e>
+                        <m:sub>
+                          <m:r>
+                            <a:rPr lang="nb-NO" sz="2400" b="0" i="1" smtClean="0">
+                              <a:latin typeface="Cambria Math" panose="02040503050406030204" pitchFamily="18" charset="0"/>
+                            </a:rPr>
+                            <m:t>1</m:t>
+                          </m:r>
+                        </m:sub>
+                      </m:sSub>
+                    </m:oMath>
+                  </m:oMathPara>
+                </a14:m>
+                <a:endParaRPr lang="nb-NO" dirty="0"/>
+              </a:p>
+            </p:txBody>
+          </p:sp>
+        </mc:Choice>
+        <mc:Fallback>
+          <p:sp>
+            <p:nvSpPr>
+              <p:cNvPr id="17" name="TekstSylinder 16">
+                <a:extLst>
+                  <a:ext uri="{FF2B5EF4-FFF2-40B4-BE49-F238E27FC236}">
+                    <a16:creationId xmlns:a16="http://schemas.microsoft.com/office/drawing/2014/main" id="{F5AAD29C-306B-E757-F2EE-F3764A925DEA}"/>
+                  </a:ext>
+                </a:extLst>
+              </p:cNvPr>
+              <p:cNvSpPr txBox="1">
+                <a:spLocks noRot="1" noChangeAspect="1" noMove="1" noResize="1" noEditPoints="1" noAdjustHandles="1" noChangeArrowheads="1" noChangeShapeType="1" noTextEdit="1"/>
+              </p:cNvSpPr>
+              <p:nvPr/>
+            </p:nvSpPr>
+            <p:spPr>
+              <a:xfrm>
+                <a:off x="5641675" y="2838089"/>
+                <a:ext cx="1279585" cy="369332"/>
+              </a:xfrm>
+              <a:prstGeom prst="rect">
+                <a:avLst/>
+              </a:prstGeom>
+              <a:blipFill>
+                <a:blip r:embed="rId8"/>
+                <a:stretch>
+                  <a:fillRect b="-13333"/>
+                </a:stretch>
+              </a:blipFill>
+            </p:spPr>
+            <p:txBody>
+              <a:bodyPr/>
+              <a:lstStyle/>
+              <a:p>
+                <a:r>
+                  <a:rPr lang="nb-NO">
+                    <a:noFill/>
+                  </a:rPr>
+                  <a:t> </a:t>
+                </a:r>
+              </a:p>
+            </p:txBody>
+          </p:sp>
+        </mc:Fallback>
+      </mc:AlternateContent>
+      <mc:AlternateContent xmlns:mc="http://schemas.openxmlformats.org/markup-compatibility/2006">
+        <mc:Choice xmlns:a14="http://schemas.microsoft.com/office/drawing/2010/main" Requires="a14">
+          <p:sp>
+            <p:nvSpPr>
+              <p:cNvPr id="18" name="TekstSylinder 17">
+                <a:extLst>
+                  <a:ext uri="{FF2B5EF4-FFF2-40B4-BE49-F238E27FC236}">
+                    <a16:creationId xmlns:a16="http://schemas.microsoft.com/office/drawing/2014/main" id="{AF32A3D2-CEA5-3622-2B53-81E0A058C0DB}"/>
+                  </a:ext>
+                </a:extLst>
+              </p:cNvPr>
+              <p:cNvSpPr txBox="1"/>
+              <p:nvPr/>
+            </p:nvSpPr>
+            <p:spPr>
+              <a:xfrm>
+                <a:off x="8473982" y="2841420"/>
+                <a:ext cx="1279585" cy="369332"/>
+              </a:xfrm>
+              <a:prstGeom prst="rect">
+                <a:avLst/>
+              </a:prstGeom>
+              <a:noFill/>
+            </p:spPr>
+            <p:txBody>
+              <a:bodyPr wrap="square" lIns="0" tIns="0" rIns="0" bIns="0" rtlCol="0">
+                <a:spAutoFit/>
+              </a:bodyPr>
+              <a:lstStyle/>
+              <a:p>
+                <a14:m>
+                  <m:oMathPara xmlns:m="http://schemas.openxmlformats.org/officeDocument/2006/math">
+                    <m:oMathParaPr>
+                      <m:jc m:val="centerGroup"/>
+                    </m:oMathParaPr>
+                    <m:oMath xmlns:m="http://schemas.openxmlformats.org/officeDocument/2006/math">
+                      <m:sSub>
+                        <m:sSubPr>
+                          <m:ctrlPr>
+                            <a:rPr lang="nb-NO" sz="2400" b="0" i="1" smtClean="0">
+                              <a:latin typeface="Cambria Math" panose="02040503050406030204" pitchFamily="18" charset="0"/>
+                            </a:rPr>
+                          </m:ctrlPr>
+                        </m:sSubPr>
+                        <m:e>
+                          <m:r>
+                            <a:rPr lang="nb-NO" sz="2400" b="0" i="1" smtClean="0">
+                              <a:latin typeface="Cambria Math" panose="02040503050406030204" pitchFamily="18" charset="0"/>
+                            </a:rPr>
+                            <m:t>𝐹</m:t>
+                          </m:r>
+                        </m:e>
+                        <m:sub>
+                          <m:r>
+                            <a:rPr lang="nb-NO" sz="2400" b="0" i="1" smtClean="0">
+                              <a:latin typeface="Cambria Math" panose="02040503050406030204" pitchFamily="18" charset="0"/>
+                            </a:rPr>
+                            <m:t>2</m:t>
+                          </m:r>
+                        </m:sub>
+                      </m:sSub>
+                    </m:oMath>
+                  </m:oMathPara>
+                </a14:m>
+                <a:endParaRPr lang="nb-NO" dirty="0"/>
+              </a:p>
+            </p:txBody>
+          </p:sp>
+        </mc:Choice>
+        <mc:Fallback>
+          <p:sp>
+            <p:nvSpPr>
+              <p:cNvPr id="18" name="TekstSylinder 17">
+                <a:extLst>
+                  <a:ext uri="{FF2B5EF4-FFF2-40B4-BE49-F238E27FC236}">
+                    <a16:creationId xmlns:a16="http://schemas.microsoft.com/office/drawing/2014/main" id="{AF32A3D2-CEA5-3622-2B53-81E0A058C0DB}"/>
+                  </a:ext>
+                </a:extLst>
+              </p:cNvPr>
+              <p:cNvSpPr txBox="1">
+                <a:spLocks noRot="1" noChangeAspect="1" noMove="1" noResize="1" noEditPoints="1" noAdjustHandles="1" noChangeArrowheads="1" noChangeShapeType="1" noTextEdit="1"/>
+              </p:cNvSpPr>
+              <p:nvPr/>
+            </p:nvSpPr>
+            <p:spPr>
+              <a:xfrm>
+                <a:off x="8473982" y="2841420"/>
+                <a:ext cx="1279585" cy="369332"/>
+              </a:xfrm>
+              <a:prstGeom prst="rect">
+                <a:avLst/>
+              </a:prstGeom>
+              <a:blipFill>
+                <a:blip r:embed="rId9"/>
+                <a:stretch>
+                  <a:fillRect b="-11475"/>
+                </a:stretch>
+              </a:blipFill>
+            </p:spPr>
+            <p:txBody>
+              <a:bodyPr/>
+              <a:lstStyle/>
+              <a:p>
+                <a:r>
+                  <a:rPr lang="nb-NO">
+                    <a:noFill/>
+                  </a:rPr>
+                  <a:t> </a:t>
+                </a:r>
+              </a:p>
+            </p:txBody>
+          </p:sp>
+        </mc:Fallback>
+      </mc:AlternateContent>
+      <mc:AlternateContent xmlns:mc="http://schemas.openxmlformats.org/markup-compatibility/2006">
+        <mc:Choice xmlns:a14="http://schemas.microsoft.com/office/drawing/2010/main" Requires="a14">
+          <p:sp>
+            <p:nvSpPr>
+              <p:cNvPr id="19" name="TekstSylinder 18">
+                <a:extLst>
+                  <a:ext uri="{FF2B5EF4-FFF2-40B4-BE49-F238E27FC236}">
+                    <a16:creationId xmlns:a16="http://schemas.microsoft.com/office/drawing/2014/main" id="{0226D9E6-98A8-19AC-B9AC-2ACF7E4B58D2}"/>
+                  </a:ext>
+                </a:extLst>
+              </p:cNvPr>
+              <p:cNvSpPr txBox="1"/>
+              <p:nvPr/>
+            </p:nvSpPr>
+            <p:spPr>
+              <a:xfrm>
+                <a:off x="7108851" y="3083290"/>
+                <a:ext cx="1279585" cy="369332"/>
+              </a:xfrm>
+              <a:prstGeom prst="rect">
+                <a:avLst/>
+              </a:prstGeom>
+              <a:noFill/>
+            </p:spPr>
+            <p:txBody>
+              <a:bodyPr wrap="square" lIns="0" tIns="0" rIns="0" bIns="0" rtlCol="0">
+                <a:spAutoFit/>
+              </a:bodyPr>
+              <a:lstStyle/>
+              <a:p>
+                <a14:m>
+                  <m:oMathPara xmlns:m="http://schemas.openxmlformats.org/officeDocument/2006/math">
+                    <m:oMathParaPr>
+                      <m:jc m:val="centerGroup"/>
+                    </m:oMathParaPr>
+                    <m:oMath xmlns:m="http://schemas.openxmlformats.org/officeDocument/2006/math">
+                      <m:sSub>
+                        <m:sSubPr>
+                          <m:ctrlPr>
+                            <a:rPr lang="nb-NO" sz="2400" b="0" i="1" smtClean="0">
+                              <a:latin typeface="Cambria Math" panose="02040503050406030204" pitchFamily="18" charset="0"/>
+                            </a:rPr>
+                          </m:ctrlPr>
+                        </m:sSubPr>
+                        <m:e>
+                          <m:r>
+                            <a:rPr lang="nb-NO" sz="2400" b="0" i="1" smtClean="0">
+                              <a:latin typeface="Cambria Math" panose="02040503050406030204" pitchFamily="18" charset="0"/>
+                            </a:rPr>
+                            <m:t>𝐾</m:t>
+                          </m:r>
+                        </m:e>
+                        <m:sub>
+                          <m:r>
+                            <a:rPr lang="nb-NO" sz="2400" b="0" i="1" smtClean="0">
+                              <a:latin typeface="Cambria Math" panose="02040503050406030204" pitchFamily="18" charset="0"/>
+                            </a:rPr>
+                            <m:t>1</m:t>
+                          </m:r>
+                        </m:sub>
+                      </m:sSub>
+                    </m:oMath>
+                  </m:oMathPara>
+                </a14:m>
+                <a:endParaRPr lang="nb-NO" dirty="0"/>
+              </a:p>
+            </p:txBody>
+          </p:sp>
+        </mc:Choice>
+        <mc:Fallback>
+          <p:sp>
+            <p:nvSpPr>
+              <p:cNvPr id="19" name="TekstSylinder 18">
+                <a:extLst>
+                  <a:ext uri="{FF2B5EF4-FFF2-40B4-BE49-F238E27FC236}">
+                    <a16:creationId xmlns:a16="http://schemas.microsoft.com/office/drawing/2014/main" id="{0226D9E6-98A8-19AC-B9AC-2ACF7E4B58D2}"/>
+                  </a:ext>
+                </a:extLst>
+              </p:cNvPr>
+              <p:cNvSpPr txBox="1">
+                <a:spLocks noRot="1" noChangeAspect="1" noMove="1" noResize="1" noEditPoints="1" noAdjustHandles="1" noChangeArrowheads="1" noChangeShapeType="1" noTextEdit="1"/>
+              </p:cNvSpPr>
+              <p:nvPr/>
+            </p:nvSpPr>
+            <p:spPr>
+              <a:xfrm>
+                <a:off x="7108851" y="3083290"/>
+                <a:ext cx="1279585" cy="369332"/>
+              </a:xfrm>
+              <a:prstGeom prst="rect">
+                <a:avLst/>
+              </a:prstGeom>
+              <a:blipFill>
+                <a:blip r:embed="rId10"/>
+                <a:stretch>
+                  <a:fillRect b="-13333"/>
+                </a:stretch>
+              </a:blipFill>
+            </p:spPr>
+            <p:txBody>
+              <a:bodyPr/>
+              <a:lstStyle/>
+              <a:p>
+                <a:r>
+                  <a:rPr lang="nb-NO">
+                    <a:noFill/>
+                  </a:rPr>
+                  <a:t> </a:t>
+                </a:r>
+              </a:p>
+            </p:txBody>
+          </p:sp>
+        </mc:Fallback>
+      </mc:AlternateContent>
+    </p:spTree>
+    <p:extLst>
+      <p:ext uri="{BB962C8B-B14F-4D97-AF65-F5344CB8AC3E}">
+        <p14:creationId xmlns:p14="http://schemas.microsoft.com/office/powerpoint/2010/main" val="3739868577"/>
+      </p:ext>
+    </p:extLst>
+  </p:cSld>
+  <p:clrMapOvr>
+    <a:masterClrMapping/>
+  </p:clrMapOvr>
+</p:sld>
+</file>
+
+<file path=ppt/slides/slide7.xml><?xml version="1.0" encoding="utf-8"?>
+<p:sld xmlns:a="http://schemas.openxmlformats.org/drawingml/2006/main" xmlns:r="http://schemas.openxmlformats.org/officeDocument/2006/relationships" xmlns:p="http://schemas.openxmlformats.org/presentationml/2006/main">
+  <p:cSld>
+    <p:spTree>
+      <p:nvGrpSpPr>
+        <p:cNvPr id="1" name="">
+          <a:extLst>
+            <a:ext uri="{FF2B5EF4-FFF2-40B4-BE49-F238E27FC236}">
+              <a16:creationId xmlns:a16="http://schemas.microsoft.com/office/drawing/2014/main" id="{11622E6C-DACB-CA17-0A8F-7407A6B42D74}"/>
+            </a:ext>
+          </a:extLst>
+        </p:cNvPr>
+        <p:cNvGrpSpPr/>
+        <p:nvPr/>
+      </p:nvGrpSpPr>
+      <p:grpSpPr>
+        <a:xfrm>
+          <a:off x="0" y="0"/>
+          <a:ext cx="0" cy="0"/>
+          <a:chOff x="0" y="0"/>
+          <a:chExt cx="0" cy="0"/>
+        </a:xfrm>
+      </p:grpSpPr>
+      <p:sp>
+        <p:nvSpPr>
+          <p:cNvPr id="3" name="Rektangel 2">
+            <a:extLst>
+              <a:ext uri="{FF2B5EF4-FFF2-40B4-BE49-F238E27FC236}">
+                <a16:creationId xmlns:a16="http://schemas.microsoft.com/office/drawing/2014/main" id="{E78A5DDB-5FDF-BB9A-5936-C183CC7DA825}"/>
+              </a:ext>
+            </a:extLst>
+          </p:cNvPr>
+          <p:cNvSpPr/>
+          <p:nvPr/>
+        </p:nvSpPr>
+        <p:spPr>
+          <a:xfrm>
+            <a:off x="1981479" y="2960948"/>
+            <a:ext cx="2052228" cy="560714"/>
+          </a:xfrm>
+          <a:prstGeom prst="rect">
+            <a:avLst/>
+          </a:prstGeom>
+        </p:spPr>
+        <p:style>
+          <a:lnRef idx="2">
+            <a:schemeClr val="accent1">
+              <a:shade val="15000"/>
+            </a:schemeClr>
+          </a:lnRef>
+          <a:fillRef idx="1">
+            <a:schemeClr val="accent1"/>
+          </a:fillRef>
+          <a:effectRef idx="0">
+            <a:schemeClr val="accent1"/>
+          </a:effectRef>
+          <a:fontRef idx="minor">
+            <a:schemeClr val="lt1"/>
+          </a:fontRef>
+        </p:style>
+        <p:txBody>
+          <a:bodyPr rtlCol="0" anchor="ctr"/>
+          <a:lstStyle/>
+          <a:p>
+            <a:pPr algn="ctr"/>
+            <a:r>
+              <a:rPr lang="nb-NO" dirty="0"/>
+              <a:t>Tap i kobling</a:t>
+            </a:r>
+          </a:p>
+        </p:txBody>
+      </p:sp>
+      <p:sp>
+        <p:nvSpPr>
+          <p:cNvPr id="4" name="Rektangel 3">
+            <a:extLst>
+              <a:ext uri="{FF2B5EF4-FFF2-40B4-BE49-F238E27FC236}">
+                <a16:creationId xmlns:a16="http://schemas.microsoft.com/office/drawing/2014/main" id="{04D49462-0421-2C99-A10C-0AD62A4D8FA8}"/>
+              </a:ext>
+            </a:extLst>
+          </p:cNvPr>
+          <p:cNvSpPr/>
+          <p:nvPr/>
+        </p:nvSpPr>
+        <p:spPr>
+          <a:xfrm>
+            <a:off x="4843317" y="2960948"/>
+            <a:ext cx="2052228" cy="560714"/>
+          </a:xfrm>
+          <a:prstGeom prst="rect">
+            <a:avLst/>
+          </a:prstGeom>
+        </p:spPr>
+        <p:style>
+          <a:lnRef idx="2">
+            <a:schemeClr val="accent1">
+              <a:shade val="15000"/>
+            </a:schemeClr>
+          </a:lnRef>
+          <a:fillRef idx="1">
+            <a:schemeClr val="accent1"/>
+          </a:fillRef>
+          <a:effectRef idx="0">
+            <a:schemeClr val="accent1"/>
+          </a:effectRef>
+          <a:fontRef idx="minor">
+            <a:schemeClr val="lt1"/>
+          </a:fontRef>
+        </p:style>
+        <p:txBody>
+          <a:bodyPr rtlCol="0" anchor="ctr"/>
+          <a:lstStyle/>
+          <a:p>
+            <a:pPr algn="ctr"/>
+            <a:r>
+              <a:rPr lang="nb-NO" dirty="0"/>
+              <a:t>Tap i krets</a:t>
+            </a:r>
+          </a:p>
+        </p:txBody>
+      </p:sp>
+      <p:cxnSp>
+        <p:nvCxnSpPr>
+          <p:cNvPr id="6" name="Rett pilkobling 5">
+            <a:extLst>
+              <a:ext uri="{FF2B5EF4-FFF2-40B4-BE49-F238E27FC236}">
+                <a16:creationId xmlns:a16="http://schemas.microsoft.com/office/drawing/2014/main" id="{E4D39C71-6B4F-0A83-91C0-8147C13A0049}"/>
+              </a:ext>
+            </a:extLst>
+          </p:cNvPr>
+          <p:cNvCxnSpPr>
+            <a:cxnSpLocks/>
+            <a:stCxn id="3" idx="3"/>
+            <a:endCxn id="4" idx="1"/>
+          </p:cNvCxnSpPr>
+          <p:nvPr/>
+        </p:nvCxnSpPr>
+        <p:spPr>
+          <a:xfrm>
+            <a:off x="4033707" y="3241305"/>
+            <a:ext cx="809610" cy="0"/>
+          </a:xfrm>
+          <a:prstGeom prst="straightConnector1">
+            <a:avLst/>
+          </a:prstGeom>
+          <a:ln w="38100">
+            <a:tailEnd type="triangle"/>
+          </a:ln>
+        </p:spPr>
+        <p:style>
+          <a:lnRef idx="1">
+            <a:schemeClr val="accent1"/>
+          </a:lnRef>
+          <a:fillRef idx="0">
+            <a:schemeClr val="accent1"/>
+          </a:fillRef>
+          <a:effectRef idx="0">
+            <a:schemeClr val="accent1"/>
+          </a:effectRef>
+          <a:fontRef idx="minor">
+            <a:schemeClr val="tx1"/>
+          </a:fontRef>
+        </p:style>
+      </p:cxnSp>
+      <mc:AlternateContent xmlns:mc="http://schemas.openxmlformats.org/markup-compatibility/2006">
+        <mc:Choice xmlns:a14="http://schemas.microsoft.com/office/drawing/2010/main" Requires="a14">
+          <p:sp>
+            <p:nvSpPr>
+              <p:cNvPr id="17" name="TekstSylinder 16">
+                <a:extLst>
+                  <a:ext uri="{FF2B5EF4-FFF2-40B4-BE49-F238E27FC236}">
+                    <a16:creationId xmlns:a16="http://schemas.microsoft.com/office/drawing/2014/main" id="{AB36E259-C439-A05D-6F16-00B7E2944850}"/>
+                  </a:ext>
+                </a:extLst>
+              </p:cNvPr>
+              <p:cNvSpPr txBox="1"/>
+              <p:nvPr/>
+            </p:nvSpPr>
+            <p:spPr>
+              <a:xfrm>
+                <a:off x="1981480" y="2576088"/>
+                <a:ext cx="2052227" cy="369332"/>
+              </a:xfrm>
+              <a:prstGeom prst="rect">
+                <a:avLst/>
+              </a:prstGeom>
+              <a:noFill/>
+            </p:spPr>
+            <p:txBody>
+              <a:bodyPr wrap="square" lIns="0" tIns="0" rIns="0" bIns="0" rtlCol="0">
+                <a:spAutoFit/>
+              </a:bodyPr>
+              <a:lstStyle/>
+              <a:p>
+                <a:pPr/>
+                <a14:m>
+                  <m:oMathPara xmlns:m="http://schemas.openxmlformats.org/officeDocument/2006/math">
+                    <m:oMathParaPr>
+                      <m:jc m:val="centerGroup"/>
+                    </m:oMathParaPr>
+                    <m:oMath xmlns:m="http://schemas.openxmlformats.org/officeDocument/2006/math">
+                      <m:sSub>
+                        <m:sSubPr>
+                          <m:ctrlPr>
+                            <a:rPr lang="nb-NO" sz="2400" b="0" i="1" smtClean="0">
+                              <a:latin typeface="Cambria Math" panose="02040503050406030204" pitchFamily="18" charset="0"/>
+                            </a:rPr>
+                          </m:ctrlPr>
+                        </m:sSubPr>
+                        <m:e>
+                          <m:r>
+                            <a:rPr lang="nb-NO" sz="2400" b="0" i="1" smtClean="0">
+                              <a:latin typeface="Cambria Math" panose="02040503050406030204" pitchFamily="18" charset="0"/>
+                            </a:rPr>
+                            <m:t>𝐹</m:t>
+                          </m:r>
+                        </m:e>
+                        <m:sub>
+                          <m:r>
+                            <a:rPr lang="nb-NO" sz="2400" b="0" i="1" smtClean="0">
+                              <a:latin typeface="Cambria Math" panose="02040503050406030204" pitchFamily="18" charset="0"/>
+                            </a:rPr>
+                            <m:t>1</m:t>
+                          </m:r>
+                        </m:sub>
+                      </m:sSub>
+                      <m:r>
+                        <a:rPr lang="nb-NO" sz="2400" b="0" i="1" smtClean="0">
+                          <a:latin typeface="Cambria Math" panose="02040503050406030204" pitchFamily="18" charset="0"/>
+                        </a:rPr>
+                        <m:t>=0,3</m:t>
+                      </m:r>
+                    </m:oMath>
+                  </m:oMathPara>
+                </a14:m>
+                <a:endParaRPr lang="nb-NO" dirty="0"/>
+              </a:p>
+            </p:txBody>
+          </p:sp>
+        </mc:Choice>
+        <mc:Fallback>
+          <p:sp>
+            <p:nvSpPr>
+              <p:cNvPr id="17" name="TekstSylinder 16">
+                <a:extLst>
+                  <a:ext uri="{FF2B5EF4-FFF2-40B4-BE49-F238E27FC236}">
+                    <a16:creationId xmlns:a16="http://schemas.microsoft.com/office/drawing/2014/main" id="{AB36E259-C439-A05D-6F16-00B7E2944850}"/>
+                  </a:ext>
+                </a:extLst>
+              </p:cNvPr>
+              <p:cNvSpPr txBox="1">
+                <a:spLocks noRot="1" noChangeAspect="1" noMove="1" noResize="1" noEditPoints="1" noAdjustHandles="1" noChangeArrowheads="1" noChangeShapeType="1" noTextEdit="1"/>
+              </p:cNvSpPr>
+              <p:nvPr/>
+            </p:nvSpPr>
+            <p:spPr>
+              <a:xfrm>
+                <a:off x="1981480" y="2576088"/>
+                <a:ext cx="2052227" cy="369332"/>
+              </a:xfrm>
+              <a:prstGeom prst="rect">
+                <a:avLst/>
+              </a:prstGeom>
+              <a:blipFill>
+                <a:blip r:embed="rId2"/>
+                <a:stretch>
+                  <a:fillRect b="-13333"/>
+                </a:stretch>
+              </a:blipFill>
+            </p:spPr>
+            <p:txBody>
+              <a:bodyPr/>
+              <a:lstStyle/>
+              <a:p>
+                <a:r>
+                  <a:rPr lang="nb-NO">
+                    <a:noFill/>
+                  </a:rPr>
+                  <a:t> </a:t>
+                </a:r>
+              </a:p>
+            </p:txBody>
+          </p:sp>
+        </mc:Fallback>
+      </mc:AlternateContent>
+      <mc:AlternateContent xmlns:mc="http://schemas.openxmlformats.org/markup-compatibility/2006">
+        <mc:Choice xmlns:a14="http://schemas.microsoft.com/office/drawing/2010/main" Requires="a14">
+          <p:sp>
+            <p:nvSpPr>
+              <p:cNvPr id="18" name="TekstSylinder 17">
+                <a:extLst>
+                  <a:ext uri="{FF2B5EF4-FFF2-40B4-BE49-F238E27FC236}">
+                    <a16:creationId xmlns:a16="http://schemas.microsoft.com/office/drawing/2014/main" id="{3AB3EA16-2AF5-A17D-B589-9644BA8C685B}"/>
+                  </a:ext>
+                </a:extLst>
+              </p:cNvPr>
+              <p:cNvSpPr txBox="1"/>
+              <p:nvPr/>
+            </p:nvSpPr>
+            <p:spPr>
+              <a:xfrm>
+                <a:off x="4840409" y="2576088"/>
+                <a:ext cx="2052227" cy="369332"/>
+              </a:xfrm>
+              <a:prstGeom prst="rect">
+                <a:avLst/>
+              </a:prstGeom>
+              <a:noFill/>
+            </p:spPr>
+            <p:txBody>
+              <a:bodyPr wrap="square" lIns="0" tIns="0" rIns="0" bIns="0" rtlCol="0">
+                <a:spAutoFit/>
+              </a:bodyPr>
+              <a:lstStyle/>
+              <a:p>
+                <a:pPr/>
+                <a14:m>
+                  <m:oMathPara xmlns:m="http://schemas.openxmlformats.org/officeDocument/2006/math">
+                    <m:oMathParaPr>
+                      <m:jc m:val="centerGroup"/>
+                    </m:oMathParaPr>
+                    <m:oMath xmlns:m="http://schemas.openxmlformats.org/officeDocument/2006/math">
+                      <m:sSub>
+                        <m:sSubPr>
+                          <m:ctrlPr>
+                            <a:rPr lang="nb-NO" sz="2400" b="0" i="1" smtClean="0">
+                              <a:latin typeface="Cambria Math" panose="02040503050406030204" pitchFamily="18" charset="0"/>
+                            </a:rPr>
+                          </m:ctrlPr>
+                        </m:sSubPr>
+                        <m:e>
+                          <m:r>
+                            <a:rPr lang="nb-NO" sz="2400" b="0" i="1" smtClean="0">
+                              <a:latin typeface="Cambria Math" panose="02040503050406030204" pitchFamily="18" charset="0"/>
+                            </a:rPr>
+                            <m:t>𝐹</m:t>
+                          </m:r>
+                        </m:e>
+                        <m:sub>
+                          <m:r>
+                            <a:rPr lang="nb-NO" sz="2400" b="0" i="1" smtClean="0">
+                              <a:latin typeface="Cambria Math" panose="02040503050406030204" pitchFamily="18" charset="0"/>
+                            </a:rPr>
+                            <m:t>2</m:t>
+                          </m:r>
+                        </m:sub>
+                      </m:sSub>
+                      <m:r>
+                        <a:rPr lang="nb-NO" sz="2400" b="0" i="1" smtClean="0">
+                          <a:latin typeface="Cambria Math" panose="02040503050406030204" pitchFamily="18" charset="0"/>
+                        </a:rPr>
+                        <m:t>=0,8</m:t>
+                      </m:r>
+                    </m:oMath>
+                  </m:oMathPara>
+                </a14:m>
+                <a:endParaRPr lang="nb-NO" dirty="0"/>
+              </a:p>
+            </p:txBody>
+          </p:sp>
+        </mc:Choice>
+        <mc:Fallback>
+          <p:sp>
+            <p:nvSpPr>
+              <p:cNvPr id="18" name="TekstSylinder 17">
+                <a:extLst>
+                  <a:ext uri="{FF2B5EF4-FFF2-40B4-BE49-F238E27FC236}">
+                    <a16:creationId xmlns:a16="http://schemas.microsoft.com/office/drawing/2014/main" id="{3AB3EA16-2AF5-A17D-B589-9644BA8C685B}"/>
+                  </a:ext>
+                </a:extLst>
+              </p:cNvPr>
+              <p:cNvSpPr txBox="1">
+                <a:spLocks noRot="1" noChangeAspect="1" noMove="1" noResize="1" noEditPoints="1" noAdjustHandles="1" noChangeArrowheads="1" noChangeShapeType="1" noTextEdit="1"/>
+              </p:cNvSpPr>
+              <p:nvPr/>
+            </p:nvSpPr>
+            <p:spPr>
+              <a:xfrm>
+                <a:off x="4840409" y="2576088"/>
+                <a:ext cx="2052227" cy="369332"/>
+              </a:xfrm>
+              <a:prstGeom prst="rect">
+                <a:avLst/>
+              </a:prstGeom>
+              <a:blipFill>
+                <a:blip r:embed="rId3"/>
+                <a:stretch>
+                  <a:fillRect b="-13333"/>
+                </a:stretch>
+              </a:blipFill>
+            </p:spPr>
+            <p:txBody>
+              <a:bodyPr/>
+              <a:lstStyle/>
+              <a:p>
+                <a:r>
+                  <a:rPr lang="nb-NO">
+                    <a:noFill/>
+                  </a:rPr>
+                  <a:t> </a:t>
+                </a:r>
+              </a:p>
+            </p:txBody>
+          </p:sp>
+        </mc:Fallback>
+      </mc:AlternateContent>
+      <p:sp>
+        <p:nvSpPr>
+          <p:cNvPr id="10" name="Rektangel 9">
+            <a:extLst>
+              <a:ext uri="{FF2B5EF4-FFF2-40B4-BE49-F238E27FC236}">
+                <a16:creationId xmlns:a16="http://schemas.microsoft.com/office/drawing/2014/main" id="{29776E8A-C401-2D24-A200-4CB19B61A962}"/>
+              </a:ext>
+            </a:extLst>
+          </p:cNvPr>
+          <p:cNvSpPr/>
+          <p:nvPr/>
+        </p:nvSpPr>
+        <p:spPr>
+          <a:xfrm>
+            <a:off x="7699338" y="2960948"/>
+            <a:ext cx="2052228" cy="560714"/>
+          </a:xfrm>
+          <a:prstGeom prst="rect">
+            <a:avLst/>
+          </a:prstGeom>
+        </p:spPr>
+        <p:style>
+          <a:lnRef idx="2">
+            <a:schemeClr val="accent1">
+              <a:shade val="15000"/>
+            </a:schemeClr>
+          </a:lnRef>
+          <a:fillRef idx="1">
+            <a:schemeClr val="accent1"/>
+          </a:fillRef>
+          <a:effectRef idx="0">
+            <a:schemeClr val="accent1"/>
+          </a:effectRef>
+          <a:fontRef idx="minor">
+            <a:schemeClr val="lt1"/>
+          </a:fontRef>
+        </p:style>
+        <p:txBody>
+          <a:bodyPr rtlCol="0" anchor="ctr"/>
+          <a:lstStyle/>
+          <a:p>
+            <a:pPr algn="ctr"/>
+            <a:r>
+              <a:rPr lang="nb-NO" dirty="0"/>
+              <a:t>Tap i utgangstrinn</a:t>
+            </a:r>
+          </a:p>
+        </p:txBody>
+      </p:sp>
+      <mc:AlternateContent xmlns:mc="http://schemas.openxmlformats.org/markup-compatibility/2006">
+        <mc:Choice xmlns:a14="http://schemas.microsoft.com/office/drawing/2010/main" Requires="a14">
+          <p:sp>
+            <p:nvSpPr>
+              <p:cNvPr id="22" name="TekstSylinder 21">
+                <a:extLst>
+                  <a:ext uri="{FF2B5EF4-FFF2-40B4-BE49-F238E27FC236}">
+                    <a16:creationId xmlns:a16="http://schemas.microsoft.com/office/drawing/2014/main" id="{FAFFCA19-53C5-6E4A-75FF-3FA7DA9C95F7}"/>
+                  </a:ext>
+                </a:extLst>
+              </p:cNvPr>
+              <p:cNvSpPr txBox="1"/>
+              <p:nvPr/>
+            </p:nvSpPr>
+            <p:spPr>
+              <a:xfrm>
+                <a:off x="7699338" y="2576088"/>
+                <a:ext cx="2052226" cy="369332"/>
+              </a:xfrm>
+              <a:prstGeom prst="rect">
+                <a:avLst/>
+              </a:prstGeom>
+              <a:noFill/>
+            </p:spPr>
+            <p:txBody>
+              <a:bodyPr wrap="square" lIns="0" tIns="0" rIns="0" bIns="0" rtlCol="0">
+                <a:spAutoFit/>
+              </a:bodyPr>
+              <a:lstStyle/>
+              <a:p>
+                <a:pPr/>
+                <a14:m>
+                  <m:oMathPara xmlns:m="http://schemas.openxmlformats.org/officeDocument/2006/math">
+                    <m:oMathParaPr>
+                      <m:jc m:val="centerGroup"/>
+                    </m:oMathParaPr>
+                    <m:oMath xmlns:m="http://schemas.openxmlformats.org/officeDocument/2006/math">
+                      <m:sSub>
+                        <m:sSubPr>
+                          <m:ctrlPr>
+                            <a:rPr lang="nb-NO" sz="2400" b="0" i="1" smtClean="0">
+                              <a:latin typeface="Cambria Math" panose="02040503050406030204" pitchFamily="18" charset="0"/>
+                            </a:rPr>
+                          </m:ctrlPr>
+                        </m:sSubPr>
+                        <m:e>
+                          <m:r>
+                            <a:rPr lang="nb-NO" sz="2400" b="0" i="1" smtClean="0">
+                              <a:latin typeface="Cambria Math" panose="02040503050406030204" pitchFamily="18" charset="0"/>
+                            </a:rPr>
+                            <m:t>𝐹</m:t>
+                          </m:r>
+                        </m:e>
+                        <m:sub>
+                          <m:r>
+                            <a:rPr lang="nb-NO" sz="2400" b="0" i="1" smtClean="0">
+                              <a:latin typeface="Cambria Math" panose="02040503050406030204" pitchFamily="18" charset="0"/>
+                            </a:rPr>
+                            <m:t>3</m:t>
+                          </m:r>
+                        </m:sub>
+                      </m:sSub>
+                      <m:r>
+                        <a:rPr lang="nb-NO" sz="2400" b="0" i="1" smtClean="0">
+                          <a:latin typeface="Cambria Math" panose="02040503050406030204" pitchFamily="18" charset="0"/>
+                        </a:rPr>
+                        <m:t>=0,03</m:t>
+                      </m:r>
+                    </m:oMath>
+                  </m:oMathPara>
+                </a14:m>
+                <a:endParaRPr lang="nb-NO" dirty="0"/>
+              </a:p>
+            </p:txBody>
+          </p:sp>
+        </mc:Choice>
+        <mc:Fallback>
+          <p:sp>
+            <p:nvSpPr>
+              <p:cNvPr id="22" name="TekstSylinder 21">
+                <a:extLst>
+                  <a:ext uri="{FF2B5EF4-FFF2-40B4-BE49-F238E27FC236}">
+                    <a16:creationId xmlns:a16="http://schemas.microsoft.com/office/drawing/2014/main" id="{FAFFCA19-53C5-6E4A-75FF-3FA7DA9C95F7}"/>
+                  </a:ext>
+                </a:extLst>
+              </p:cNvPr>
+              <p:cNvSpPr txBox="1">
+                <a:spLocks noRot="1" noChangeAspect="1" noMove="1" noResize="1" noEditPoints="1" noAdjustHandles="1" noChangeArrowheads="1" noChangeShapeType="1" noTextEdit="1"/>
+              </p:cNvSpPr>
+              <p:nvPr/>
+            </p:nvSpPr>
+            <p:spPr>
+              <a:xfrm>
+                <a:off x="7699338" y="2576088"/>
+                <a:ext cx="2052226" cy="369332"/>
+              </a:xfrm>
+              <a:prstGeom prst="rect">
+                <a:avLst/>
+              </a:prstGeom>
+              <a:blipFill>
+                <a:blip r:embed="rId4"/>
+                <a:stretch>
+                  <a:fillRect b="-13333"/>
+                </a:stretch>
+              </a:blipFill>
+            </p:spPr>
+            <p:txBody>
+              <a:bodyPr/>
+              <a:lstStyle/>
+              <a:p>
+                <a:r>
+                  <a:rPr lang="nb-NO">
+                    <a:noFill/>
+                  </a:rPr>
+                  <a:t> </a:t>
+                </a:r>
+              </a:p>
+            </p:txBody>
+          </p:sp>
+        </mc:Fallback>
+      </mc:AlternateContent>
+      <p:cxnSp>
+        <p:nvCxnSpPr>
+          <p:cNvPr id="23" name="Rett pilkobling 22">
+            <a:extLst>
+              <a:ext uri="{FF2B5EF4-FFF2-40B4-BE49-F238E27FC236}">
+                <a16:creationId xmlns:a16="http://schemas.microsoft.com/office/drawing/2014/main" id="{ABD489D5-B9E4-7C19-6840-E5D0D83657FA}"/>
+              </a:ext>
+            </a:extLst>
+          </p:cNvPr>
+          <p:cNvCxnSpPr>
+            <a:cxnSpLocks/>
+            <a:stCxn id="4" idx="3"/>
+            <a:endCxn id="10" idx="1"/>
+          </p:cNvCxnSpPr>
+          <p:nvPr/>
+        </p:nvCxnSpPr>
+        <p:spPr>
+          <a:xfrm>
+            <a:off x="6895545" y="3241305"/>
+            <a:ext cx="803793" cy="0"/>
+          </a:xfrm>
+          <a:prstGeom prst="straightConnector1">
+            <a:avLst/>
+          </a:prstGeom>
+          <a:ln w="38100">
+            <a:tailEnd type="triangle"/>
+          </a:ln>
+        </p:spPr>
+        <p:style>
+          <a:lnRef idx="1">
+            <a:schemeClr val="accent1"/>
+          </a:lnRef>
+          <a:fillRef idx="0">
+            <a:schemeClr val="accent1"/>
+          </a:fillRef>
+          <a:effectRef idx="0">
+            <a:schemeClr val="accent1"/>
+          </a:effectRef>
+          <a:fontRef idx="minor">
+            <a:schemeClr val="tx1"/>
+          </a:fontRef>
+        </p:style>
+      </p:cxnSp>
+      <p:cxnSp>
+        <p:nvCxnSpPr>
+          <p:cNvPr id="31" name="Rett pilkobling 30">
+            <a:extLst>
+              <a:ext uri="{FF2B5EF4-FFF2-40B4-BE49-F238E27FC236}">
+                <a16:creationId xmlns:a16="http://schemas.microsoft.com/office/drawing/2014/main" id="{B37448A0-98F4-BDB6-08A3-4DCB9EEB1BBF}"/>
+              </a:ext>
+            </a:extLst>
+          </p:cNvPr>
+          <p:cNvCxnSpPr>
+            <a:cxnSpLocks/>
+            <a:endCxn id="3" idx="1"/>
+          </p:cNvCxnSpPr>
+          <p:nvPr/>
+        </p:nvCxnSpPr>
+        <p:spPr>
+          <a:xfrm>
+            <a:off x="1171869" y="3241305"/>
+            <a:ext cx="809610" cy="0"/>
+          </a:xfrm>
+          <a:prstGeom prst="straightConnector1">
+            <a:avLst/>
+          </a:prstGeom>
+          <a:ln w="38100">
+            <a:tailEnd type="triangle"/>
+          </a:ln>
+        </p:spPr>
+        <p:style>
+          <a:lnRef idx="1">
+            <a:schemeClr val="accent1"/>
+          </a:lnRef>
+          <a:fillRef idx="0">
+            <a:schemeClr val="accent1"/>
+          </a:fillRef>
+          <a:effectRef idx="0">
+            <a:schemeClr val="accent1"/>
+          </a:effectRef>
+          <a:fontRef idx="minor">
+            <a:schemeClr val="tx1"/>
+          </a:fontRef>
+        </p:style>
+      </p:cxnSp>
+      <p:cxnSp>
+        <p:nvCxnSpPr>
+          <p:cNvPr id="33" name="Rett pilkobling 32">
+            <a:extLst>
+              <a:ext uri="{FF2B5EF4-FFF2-40B4-BE49-F238E27FC236}">
+                <a16:creationId xmlns:a16="http://schemas.microsoft.com/office/drawing/2014/main" id="{79698AF9-0406-F7DA-3615-A5E75183D81D}"/>
+              </a:ext>
+            </a:extLst>
+          </p:cNvPr>
+          <p:cNvCxnSpPr>
+            <a:cxnSpLocks/>
+            <a:stCxn id="10" idx="3"/>
+          </p:cNvCxnSpPr>
+          <p:nvPr/>
+        </p:nvCxnSpPr>
+        <p:spPr>
+          <a:xfrm>
+            <a:off x="9751566" y="3241305"/>
+            <a:ext cx="809608" cy="0"/>
+          </a:xfrm>
+          <a:prstGeom prst="straightConnector1">
+            <a:avLst/>
+          </a:prstGeom>
+          <a:ln w="38100">
+            <a:tailEnd type="triangle"/>
+          </a:ln>
+        </p:spPr>
+        <p:style>
+          <a:lnRef idx="1">
+            <a:schemeClr val="accent1"/>
+          </a:lnRef>
+          <a:fillRef idx="0">
+            <a:schemeClr val="accent1"/>
+          </a:fillRef>
+          <a:effectRef idx="0">
+            <a:schemeClr val="accent1"/>
+          </a:effectRef>
+          <a:fontRef idx="minor">
+            <a:schemeClr val="tx1"/>
+          </a:fontRef>
+        </p:style>
+      </p:cxnSp>
+      <mc:AlternateContent xmlns:mc="http://schemas.openxmlformats.org/markup-compatibility/2006">
+        <mc:Choice xmlns:a14="http://schemas.microsoft.com/office/drawing/2010/main" Requires="a14">
+          <p:sp>
+            <p:nvSpPr>
+              <p:cNvPr id="35" name="TekstSylinder 34">
+                <a:extLst>
+                  <a:ext uri="{FF2B5EF4-FFF2-40B4-BE49-F238E27FC236}">
+                    <a16:creationId xmlns:a16="http://schemas.microsoft.com/office/drawing/2014/main" id="{8AD92F36-DC36-ED46-ED17-50F8E033B98C}"/>
+                  </a:ext>
+                </a:extLst>
+              </p:cNvPr>
+              <p:cNvSpPr txBox="1"/>
+              <p:nvPr/>
+            </p:nvSpPr>
+            <p:spPr>
+              <a:xfrm>
+                <a:off x="479376" y="2824127"/>
+                <a:ext cx="1222322" cy="276999"/>
+              </a:xfrm>
+              <a:prstGeom prst="rect">
+                <a:avLst/>
+              </a:prstGeom>
+              <a:noFill/>
+            </p:spPr>
+            <p:txBody>
+              <a:bodyPr wrap="none" lIns="0" tIns="0" rIns="0" bIns="0" rtlCol="0">
+                <a:spAutoFit/>
+              </a:bodyPr>
+              <a:lstStyle/>
+              <a:p>
+                <a14:m>
+                  <m:oMathPara xmlns:m="http://schemas.openxmlformats.org/officeDocument/2006/math">
+                    <m:oMathParaPr>
+                      <m:jc m:val="centerGroup"/>
+                    </m:oMathParaPr>
+                    <m:oMath xmlns:m="http://schemas.openxmlformats.org/officeDocument/2006/math">
+                      <m:sSub>
+                        <m:sSubPr>
+                          <m:ctrlPr>
+                            <a:rPr lang="nb-NO" b="0" i="1" smtClean="0">
+                              <a:latin typeface="Cambria Math" panose="02040503050406030204" pitchFamily="18" charset="0"/>
+                            </a:rPr>
+                          </m:ctrlPr>
+                        </m:sSubPr>
+                        <m:e>
+                          <m:r>
+                            <a:rPr lang="nb-NO" b="0" i="1" smtClean="0">
+                              <a:latin typeface="Cambria Math" panose="02040503050406030204" pitchFamily="18" charset="0"/>
+                            </a:rPr>
+                            <m:t>𝑈</m:t>
+                          </m:r>
+                        </m:e>
+                        <m:sub>
+                          <m:r>
+                            <a:rPr lang="nb-NO" b="0" i="1" smtClean="0">
+                              <a:latin typeface="Cambria Math" panose="02040503050406030204" pitchFamily="18" charset="0"/>
+                            </a:rPr>
+                            <m:t>𝑖𝑛𝑛</m:t>
+                          </m:r>
+                        </m:sub>
+                      </m:sSub>
+                      <m:r>
+                        <a:rPr lang="nb-NO" b="0" i="1" smtClean="0">
+                          <a:latin typeface="Cambria Math" panose="02040503050406030204" pitchFamily="18" charset="0"/>
+                        </a:rPr>
+                        <m:t>=5[</m:t>
+                      </m:r>
+                      <m:r>
+                        <a:rPr lang="nb-NO" b="0" i="1" smtClean="0">
+                          <a:latin typeface="Cambria Math" panose="02040503050406030204" pitchFamily="18" charset="0"/>
+                        </a:rPr>
+                        <m:t>𝑉</m:t>
+                      </m:r>
+                      <m:r>
+                        <a:rPr lang="nb-NO" b="0" i="1" smtClean="0">
+                          <a:latin typeface="Cambria Math" panose="02040503050406030204" pitchFamily="18" charset="0"/>
+                        </a:rPr>
+                        <m:t>]</m:t>
+                      </m:r>
+                    </m:oMath>
+                  </m:oMathPara>
+                </a14:m>
+                <a:endParaRPr lang="nb-NO" dirty="0"/>
+              </a:p>
+            </p:txBody>
+          </p:sp>
+        </mc:Choice>
+        <mc:Fallback>
+          <p:sp>
+            <p:nvSpPr>
+              <p:cNvPr id="35" name="TekstSylinder 34">
+                <a:extLst>
+                  <a:ext uri="{FF2B5EF4-FFF2-40B4-BE49-F238E27FC236}">
+                    <a16:creationId xmlns:a16="http://schemas.microsoft.com/office/drawing/2014/main" id="{8AD92F36-DC36-ED46-ED17-50F8E033B98C}"/>
+                  </a:ext>
+                </a:extLst>
+              </p:cNvPr>
+              <p:cNvSpPr txBox="1">
+                <a:spLocks noRot="1" noChangeAspect="1" noMove="1" noResize="1" noEditPoints="1" noAdjustHandles="1" noChangeArrowheads="1" noChangeShapeType="1" noTextEdit="1"/>
+              </p:cNvSpPr>
+              <p:nvPr/>
+            </p:nvSpPr>
+            <p:spPr>
+              <a:xfrm>
+                <a:off x="479376" y="2824127"/>
+                <a:ext cx="1222322" cy="276999"/>
+              </a:xfrm>
+              <a:prstGeom prst="rect">
+                <a:avLst/>
+              </a:prstGeom>
+              <a:blipFill>
+                <a:blip r:embed="rId5"/>
+                <a:stretch>
+                  <a:fillRect l="-4500" t="-2174" r="-7000" b="-36957"/>
+                </a:stretch>
+              </a:blipFill>
+            </p:spPr>
+            <p:txBody>
+              <a:bodyPr/>
+              <a:lstStyle/>
+              <a:p>
+                <a:r>
+                  <a:rPr lang="nb-NO">
+                    <a:noFill/>
+                  </a:rPr>
+                  <a:t> </a:t>
+                </a:r>
+              </a:p>
+            </p:txBody>
+          </p:sp>
+        </mc:Fallback>
+      </mc:AlternateContent>
+      <mc:AlternateContent xmlns:mc="http://schemas.openxmlformats.org/markup-compatibility/2006">
+        <mc:Choice xmlns:a14="http://schemas.microsoft.com/office/drawing/2010/main" Requires="a14">
+          <p:sp>
+            <p:nvSpPr>
+              <p:cNvPr id="36" name="TekstSylinder 35">
+                <a:extLst>
+                  <a:ext uri="{FF2B5EF4-FFF2-40B4-BE49-F238E27FC236}">
+                    <a16:creationId xmlns:a16="http://schemas.microsoft.com/office/drawing/2014/main" id="{BDDBA30F-9093-3A5A-3A74-80DEE85952E4}"/>
+                  </a:ext>
+                </a:extLst>
+              </p:cNvPr>
+              <p:cNvSpPr txBox="1"/>
+              <p:nvPr/>
+            </p:nvSpPr>
+            <p:spPr>
+              <a:xfrm>
+                <a:off x="10153090" y="2824127"/>
+                <a:ext cx="387863" cy="276999"/>
+              </a:xfrm>
+              <a:prstGeom prst="rect">
+                <a:avLst/>
+              </a:prstGeom>
+              <a:noFill/>
+            </p:spPr>
+            <p:txBody>
+              <a:bodyPr wrap="none" lIns="0" tIns="0" rIns="0" bIns="0" rtlCol="0">
+                <a:spAutoFit/>
+              </a:bodyPr>
+              <a:lstStyle/>
+              <a:p>
+                <a14:m>
+                  <m:oMathPara xmlns:m="http://schemas.openxmlformats.org/officeDocument/2006/math">
+                    <m:oMathParaPr>
+                      <m:jc m:val="centerGroup"/>
+                    </m:oMathParaPr>
+                    <m:oMath xmlns:m="http://schemas.openxmlformats.org/officeDocument/2006/math">
+                      <m:sSub>
+                        <m:sSubPr>
+                          <m:ctrlPr>
+                            <a:rPr lang="nb-NO" b="0" i="1" smtClean="0">
+                              <a:latin typeface="Cambria Math" panose="02040503050406030204" pitchFamily="18" charset="0"/>
+                            </a:rPr>
+                          </m:ctrlPr>
+                        </m:sSubPr>
+                        <m:e>
+                          <m:r>
+                            <a:rPr lang="nb-NO" b="0" i="1" smtClean="0">
+                              <a:latin typeface="Cambria Math" panose="02040503050406030204" pitchFamily="18" charset="0"/>
+                            </a:rPr>
+                            <m:t>𝑈</m:t>
+                          </m:r>
+                        </m:e>
+                        <m:sub>
+                          <m:r>
+                            <a:rPr lang="nb-NO" b="0" i="1" smtClean="0">
+                              <a:latin typeface="Cambria Math" panose="02040503050406030204" pitchFamily="18" charset="0"/>
+                            </a:rPr>
+                            <m:t>𝑢𝑡</m:t>
+                          </m:r>
+                        </m:sub>
+                      </m:sSub>
+                    </m:oMath>
+                  </m:oMathPara>
+                </a14:m>
+                <a:endParaRPr lang="nb-NO" dirty="0"/>
+              </a:p>
+            </p:txBody>
+          </p:sp>
+        </mc:Choice>
+        <mc:Fallback>
+          <p:sp>
+            <p:nvSpPr>
+              <p:cNvPr id="36" name="TekstSylinder 35">
+                <a:extLst>
+                  <a:ext uri="{FF2B5EF4-FFF2-40B4-BE49-F238E27FC236}">
+                    <a16:creationId xmlns:a16="http://schemas.microsoft.com/office/drawing/2014/main" id="{BDDBA30F-9093-3A5A-3A74-80DEE85952E4}"/>
+                  </a:ext>
+                </a:extLst>
+              </p:cNvPr>
+              <p:cNvSpPr txBox="1">
+                <a:spLocks noRot="1" noChangeAspect="1" noMove="1" noResize="1" noEditPoints="1" noAdjustHandles="1" noChangeArrowheads="1" noChangeShapeType="1" noTextEdit="1"/>
+              </p:cNvSpPr>
+              <p:nvPr/>
+            </p:nvSpPr>
+            <p:spPr>
+              <a:xfrm>
+                <a:off x="10153090" y="2824127"/>
+                <a:ext cx="387863" cy="276999"/>
+              </a:xfrm>
+              <a:prstGeom prst="rect">
+                <a:avLst/>
+              </a:prstGeom>
+              <a:blipFill>
+                <a:blip r:embed="rId6"/>
+                <a:stretch>
+                  <a:fillRect l="-15873" r="-6349" b="-13043"/>
+                </a:stretch>
+              </a:blipFill>
+            </p:spPr>
+            <p:txBody>
+              <a:bodyPr/>
+              <a:lstStyle/>
+              <a:p>
+                <a:r>
+                  <a:rPr lang="nb-NO">
+                    <a:noFill/>
+                  </a:rPr>
+                  <a:t> </a:t>
+                </a:r>
+              </a:p>
+            </p:txBody>
+          </p:sp>
+        </mc:Fallback>
+      </mc:AlternateContent>
+    </p:spTree>
+    <p:extLst>
+      <p:ext uri="{BB962C8B-B14F-4D97-AF65-F5344CB8AC3E}">
+        <p14:creationId xmlns:p14="http://schemas.microsoft.com/office/powerpoint/2010/main" val="3078592243"/>
+      </p:ext>
+    </p:extLst>
+  </p:cSld>
+  <p:clrMapOvr>
+    <a:masterClrMapping/>
+  </p:clrMapOvr>
+</p:sld>
+</file>
+
+<file path=ppt/slides/slide8.xml><?xml version="1.0" encoding="utf-8"?>
+<p:sld xmlns:a="http://schemas.openxmlformats.org/drawingml/2006/main" xmlns:r="http://schemas.openxmlformats.org/officeDocument/2006/relationships" xmlns:p="http://schemas.openxmlformats.org/presentationml/2006/main">
+  <p:cSld>
+    <p:spTree>
+      <p:nvGrpSpPr>
+        <p:cNvPr id="1" name="">
+          <a:extLst>
+            <a:ext uri="{FF2B5EF4-FFF2-40B4-BE49-F238E27FC236}">
+              <a16:creationId xmlns:a16="http://schemas.microsoft.com/office/drawing/2014/main" id="{D5DD737C-B2ED-70F5-6606-C646CF1A7708}"/>
+            </a:ext>
+          </a:extLst>
+        </p:cNvPr>
+        <p:cNvGrpSpPr/>
+        <p:nvPr/>
+      </p:nvGrpSpPr>
+      <p:grpSpPr>
+        <a:xfrm>
+          <a:off x="0" y="0"/>
+          <a:ext cx="0" cy="0"/>
+          <a:chOff x="0" y="0"/>
+          <a:chExt cx="0" cy="0"/>
+        </a:xfrm>
+      </p:grpSpPr>
+      <p:sp>
+        <p:nvSpPr>
+          <p:cNvPr id="3" name="Rektangel 2">
+            <a:extLst>
+              <a:ext uri="{FF2B5EF4-FFF2-40B4-BE49-F238E27FC236}">
+                <a16:creationId xmlns:a16="http://schemas.microsoft.com/office/drawing/2014/main" id="{DF17E996-0A0E-0393-0E04-84D723679BFB}"/>
+              </a:ext>
+            </a:extLst>
+          </p:cNvPr>
+          <p:cNvSpPr/>
+          <p:nvPr/>
+        </p:nvSpPr>
+        <p:spPr>
+          <a:xfrm>
+            <a:off x="1271464" y="2960948"/>
+            <a:ext cx="2052228" cy="560714"/>
+          </a:xfrm>
+          <a:prstGeom prst="rect">
+            <a:avLst/>
+          </a:prstGeom>
+        </p:spPr>
+        <p:style>
+          <a:lnRef idx="2">
+            <a:schemeClr val="accent1">
+              <a:shade val="15000"/>
+            </a:schemeClr>
+          </a:lnRef>
+          <a:fillRef idx="1">
+            <a:schemeClr val="accent1"/>
+          </a:fillRef>
+          <a:effectRef idx="0">
+            <a:schemeClr val="accent1"/>
+          </a:effectRef>
+          <a:fontRef idx="minor">
+            <a:schemeClr val="lt1"/>
+          </a:fontRef>
+        </p:style>
+        <p:txBody>
+          <a:bodyPr rtlCol="0" anchor="ctr"/>
+          <a:lstStyle/>
+          <a:p>
+            <a:pPr algn="ctr"/>
+            <a:r>
+              <a:rPr lang="nb-NO" dirty="0"/>
+              <a:t>Forsterker</a:t>
+            </a:r>
+          </a:p>
+          <a:p>
+            <a:pPr algn="ctr"/>
+            <a:r>
+              <a:rPr lang="nb-NO" dirty="0"/>
+              <a:t>48 [dB]</a:t>
+            </a:r>
+          </a:p>
+        </p:txBody>
+      </p:sp>
+      <p:cxnSp>
+        <p:nvCxnSpPr>
+          <p:cNvPr id="6" name="Rett pilkobling 5">
+            <a:extLst>
+              <a:ext uri="{FF2B5EF4-FFF2-40B4-BE49-F238E27FC236}">
+                <a16:creationId xmlns:a16="http://schemas.microsoft.com/office/drawing/2014/main" id="{37F73278-1674-C9A4-D07C-6F7267232BA7}"/>
+              </a:ext>
+            </a:extLst>
+          </p:cNvPr>
+          <p:cNvCxnSpPr>
+            <a:cxnSpLocks/>
+            <a:stCxn id="3" idx="3"/>
+            <a:endCxn id="9" idx="3"/>
+          </p:cNvCxnSpPr>
+          <p:nvPr/>
+        </p:nvCxnSpPr>
+        <p:spPr>
+          <a:xfrm>
+            <a:off x="3323692" y="3241305"/>
+            <a:ext cx="670522" cy="1"/>
+          </a:xfrm>
+          <a:prstGeom prst="straightConnector1">
+            <a:avLst/>
+          </a:prstGeom>
+          <a:ln w="38100">
+            <a:tailEnd type="triangle"/>
+          </a:ln>
+        </p:spPr>
+        <p:style>
+          <a:lnRef idx="1">
+            <a:schemeClr val="accent1"/>
+          </a:lnRef>
+          <a:fillRef idx="0">
+            <a:schemeClr val="accent1"/>
+          </a:fillRef>
+          <a:effectRef idx="0">
+            <a:schemeClr val="accent1"/>
+          </a:effectRef>
+          <a:fontRef idx="minor">
+            <a:schemeClr val="tx1"/>
+          </a:fontRef>
+        </p:style>
+      </p:cxnSp>
+      <mc:AlternateContent xmlns:mc="http://schemas.openxmlformats.org/markup-compatibility/2006">
+        <mc:Choice xmlns:a14="http://schemas.microsoft.com/office/drawing/2010/main" Requires="a14">
+          <p:sp>
+            <p:nvSpPr>
+              <p:cNvPr id="17" name="TekstSylinder 16">
+                <a:extLst>
+                  <a:ext uri="{FF2B5EF4-FFF2-40B4-BE49-F238E27FC236}">
+                    <a16:creationId xmlns:a16="http://schemas.microsoft.com/office/drawing/2014/main" id="{19443865-0A03-D169-5C92-35735DD6984A}"/>
+                  </a:ext>
+                </a:extLst>
+              </p:cNvPr>
+              <p:cNvSpPr txBox="1"/>
+              <p:nvPr/>
+            </p:nvSpPr>
+            <p:spPr>
+              <a:xfrm>
+                <a:off x="2531604" y="836712"/>
+                <a:ext cx="2052227" cy="369332"/>
+              </a:xfrm>
+              <a:prstGeom prst="rect">
+                <a:avLst/>
+              </a:prstGeom>
+              <a:noFill/>
+            </p:spPr>
+            <p:txBody>
+              <a:bodyPr wrap="square" lIns="0" tIns="0" rIns="0" bIns="0" rtlCol="0">
+                <a:spAutoFit/>
+              </a:bodyPr>
+              <a:lstStyle/>
+              <a:p>
+                <a:pPr/>
+                <a14:m>
+                  <m:oMathPara xmlns:m="http://schemas.openxmlformats.org/officeDocument/2006/math">
+                    <m:oMathParaPr>
+                      <m:jc m:val="centerGroup"/>
+                    </m:oMathParaPr>
+                    <m:oMath xmlns:m="http://schemas.openxmlformats.org/officeDocument/2006/math">
+                      <m:sSub>
+                        <m:sSubPr>
+                          <m:ctrlPr>
+                            <a:rPr lang="nb-NO" sz="2400" b="0" i="1" smtClean="0">
+                              <a:latin typeface="Cambria Math" panose="02040503050406030204" pitchFamily="18" charset="0"/>
+                            </a:rPr>
+                          </m:ctrlPr>
+                        </m:sSubPr>
+                        <m:e>
+                          <m:r>
+                            <a:rPr lang="nb-NO" sz="2400" b="0" i="1" smtClean="0">
+                              <a:latin typeface="Cambria Math" panose="02040503050406030204" pitchFamily="18" charset="0"/>
+                            </a:rPr>
+                            <m:t>𝐹</m:t>
+                          </m:r>
+                        </m:e>
+                        <m:sub>
+                          <m:r>
+                            <a:rPr lang="nb-NO" sz="2400" b="0" i="1" smtClean="0">
+                              <a:latin typeface="Cambria Math" panose="02040503050406030204" pitchFamily="18" charset="0"/>
+                            </a:rPr>
+                            <m:t>1</m:t>
+                          </m:r>
+                        </m:sub>
+                      </m:sSub>
+                      <m:r>
+                        <a:rPr lang="nb-NO" sz="2400" b="0" i="1" smtClean="0">
+                          <a:latin typeface="Cambria Math" panose="02040503050406030204" pitchFamily="18" charset="0"/>
+                        </a:rPr>
+                        <m:t>=0,3</m:t>
+                      </m:r>
+                    </m:oMath>
+                  </m:oMathPara>
+                </a14:m>
+                <a:endParaRPr lang="nb-NO" dirty="0"/>
+              </a:p>
+            </p:txBody>
+          </p:sp>
+        </mc:Choice>
+        <mc:Fallback>
+          <p:sp>
+            <p:nvSpPr>
+              <p:cNvPr id="17" name="TekstSylinder 16">
+                <a:extLst>
+                  <a:ext uri="{FF2B5EF4-FFF2-40B4-BE49-F238E27FC236}">
+                    <a16:creationId xmlns:a16="http://schemas.microsoft.com/office/drawing/2014/main" id="{19443865-0A03-D169-5C92-35735DD6984A}"/>
+                  </a:ext>
+                </a:extLst>
+              </p:cNvPr>
+              <p:cNvSpPr txBox="1">
+                <a:spLocks noRot="1" noChangeAspect="1" noMove="1" noResize="1" noEditPoints="1" noAdjustHandles="1" noChangeArrowheads="1" noChangeShapeType="1" noTextEdit="1"/>
+              </p:cNvSpPr>
+              <p:nvPr/>
+            </p:nvSpPr>
+            <p:spPr>
+              <a:xfrm>
+                <a:off x="2531604" y="836712"/>
+                <a:ext cx="2052227" cy="369332"/>
+              </a:xfrm>
+              <a:prstGeom prst="rect">
+                <a:avLst/>
+              </a:prstGeom>
+              <a:blipFill>
+                <a:blip r:embed="rId2"/>
+                <a:stretch>
+                  <a:fillRect b="-11475"/>
+                </a:stretch>
+              </a:blipFill>
+            </p:spPr>
+            <p:txBody>
+              <a:bodyPr/>
+              <a:lstStyle/>
+              <a:p>
+                <a:r>
+                  <a:rPr lang="nb-NO">
+                    <a:noFill/>
+                  </a:rPr>
+                  <a:t> </a:t>
+                </a:r>
+              </a:p>
+            </p:txBody>
+          </p:sp>
+        </mc:Fallback>
+      </mc:AlternateContent>
+      <mc:AlternateContent xmlns:mc="http://schemas.openxmlformats.org/markup-compatibility/2006">
+        <mc:Choice xmlns:a14="http://schemas.microsoft.com/office/drawing/2010/main" Requires="a14">
+          <p:sp>
+            <p:nvSpPr>
+              <p:cNvPr id="18" name="TekstSylinder 17">
+                <a:extLst>
+                  <a:ext uri="{FF2B5EF4-FFF2-40B4-BE49-F238E27FC236}">
+                    <a16:creationId xmlns:a16="http://schemas.microsoft.com/office/drawing/2014/main" id="{C2B761EF-BDF6-ADA9-D38F-E464A2A661BD}"/>
+                  </a:ext>
+                </a:extLst>
+              </p:cNvPr>
+              <p:cNvSpPr txBox="1"/>
+              <p:nvPr/>
+            </p:nvSpPr>
+            <p:spPr>
+              <a:xfrm>
+                <a:off x="5069886" y="1073341"/>
+                <a:ext cx="2052227" cy="369332"/>
+              </a:xfrm>
+              <a:prstGeom prst="rect">
+                <a:avLst/>
+              </a:prstGeom>
+              <a:noFill/>
+            </p:spPr>
+            <p:txBody>
+              <a:bodyPr wrap="square" lIns="0" tIns="0" rIns="0" bIns="0" rtlCol="0">
+                <a:spAutoFit/>
+              </a:bodyPr>
+              <a:lstStyle/>
+              <a:p>
+                <a:pPr/>
+                <a14:m>
+                  <m:oMathPara xmlns:m="http://schemas.openxmlformats.org/officeDocument/2006/math">
+                    <m:oMathParaPr>
+                      <m:jc m:val="centerGroup"/>
+                    </m:oMathParaPr>
+                    <m:oMath xmlns:m="http://schemas.openxmlformats.org/officeDocument/2006/math">
+                      <m:sSub>
+                        <m:sSubPr>
+                          <m:ctrlPr>
+                            <a:rPr lang="nb-NO" sz="2400" b="0" i="1" smtClean="0">
+                              <a:latin typeface="Cambria Math" panose="02040503050406030204" pitchFamily="18" charset="0"/>
+                            </a:rPr>
+                          </m:ctrlPr>
+                        </m:sSubPr>
+                        <m:e>
+                          <m:r>
+                            <a:rPr lang="nb-NO" sz="2400" b="0" i="1" smtClean="0">
+                              <a:latin typeface="Cambria Math" panose="02040503050406030204" pitchFamily="18" charset="0"/>
+                            </a:rPr>
+                            <m:t>𝐹</m:t>
+                          </m:r>
+                        </m:e>
+                        <m:sub>
+                          <m:r>
+                            <a:rPr lang="nb-NO" sz="2400" b="0" i="1" smtClean="0">
+                              <a:latin typeface="Cambria Math" panose="02040503050406030204" pitchFamily="18" charset="0"/>
+                            </a:rPr>
+                            <m:t>2</m:t>
+                          </m:r>
+                        </m:sub>
+                      </m:sSub>
+                      <m:r>
+                        <a:rPr lang="nb-NO" sz="2400" b="0" i="1" smtClean="0">
+                          <a:latin typeface="Cambria Math" panose="02040503050406030204" pitchFamily="18" charset="0"/>
+                        </a:rPr>
+                        <m:t>=0,8</m:t>
+                      </m:r>
+                    </m:oMath>
+                  </m:oMathPara>
+                </a14:m>
+                <a:endParaRPr lang="nb-NO" dirty="0"/>
+              </a:p>
+            </p:txBody>
+          </p:sp>
+        </mc:Choice>
+        <mc:Fallback>
+          <p:sp>
+            <p:nvSpPr>
+              <p:cNvPr id="18" name="TekstSylinder 17">
+                <a:extLst>
+                  <a:ext uri="{FF2B5EF4-FFF2-40B4-BE49-F238E27FC236}">
+                    <a16:creationId xmlns:a16="http://schemas.microsoft.com/office/drawing/2014/main" id="{C2B761EF-BDF6-ADA9-D38F-E464A2A661BD}"/>
+                  </a:ext>
+                </a:extLst>
+              </p:cNvPr>
+              <p:cNvSpPr txBox="1">
+                <a:spLocks noRot="1" noChangeAspect="1" noMove="1" noResize="1" noEditPoints="1" noAdjustHandles="1" noChangeArrowheads="1" noChangeShapeType="1" noTextEdit="1"/>
+              </p:cNvSpPr>
+              <p:nvPr/>
+            </p:nvSpPr>
+            <p:spPr>
+              <a:xfrm>
+                <a:off x="5069886" y="1073341"/>
+                <a:ext cx="2052227" cy="369332"/>
+              </a:xfrm>
+              <a:prstGeom prst="rect">
+                <a:avLst/>
+              </a:prstGeom>
+              <a:blipFill>
+                <a:blip r:embed="rId3"/>
+                <a:stretch>
+                  <a:fillRect b="-11475"/>
+                </a:stretch>
+              </a:blipFill>
+            </p:spPr>
+            <p:txBody>
+              <a:bodyPr/>
+              <a:lstStyle/>
+              <a:p>
+                <a:r>
+                  <a:rPr lang="nb-NO">
+                    <a:noFill/>
+                  </a:rPr>
+                  <a:t> </a:t>
+                </a:r>
+              </a:p>
+            </p:txBody>
+          </p:sp>
+        </mc:Fallback>
+      </mc:AlternateContent>
+      <p:sp>
+        <p:nvSpPr>
+          <p:cNvPr id="10" name="Rektangel 9">
+            <a:extLst>
+              <a:ext uri="{FF2B5EF4-FFF2-40B4-BE49-F238E27FC236}">
+                <a16:creationId xmlns:a16="http://schemas.microsoft.com/office/drawing/2014/main" id="{F300FFEF-7538-DC64-6980-29CD7432DEC1}"/>
+              </a:ext>
+            </a:extLst>
+          </p:cNvPr>
+          <p:cNvSpPr/>
+          <p:nvPr/>
+        </p:nvSpPr>
+        <p:spPr>
+          <a:xfrm>
+            <a:off x="6989323" y="2960948"/>
+            <a:ext cx="2052228" cy="560714"/>
+          </a:xfrm>
+          <a:prstGeom prst="rect">
+            <a:avLst/>
+          </a:prstGeom>
+        </p:spPr>
+        <p:style>
+          <a:lnRef idx="2">
+            <a:schemeClr val="accent1">
+              <a:shade val="15000"/>
+            </a:schemeClr>
+          </a:lnRef>
+          <a:fillRef idx="1">
+            <a:schemeClr val="accent1"/>
+          </a:fillRef>
+          <a:effectRef idx="0">
+            <a:schemeClr val="accent1"/>
+          </a:effectRef>
+          <a:fontRef idx="minor">
+            <a:schemeClr val="lt1"/>
+          </a:fontRef>
+        </p:style>
+        <p:txBody>
+          <a:bodyPr rtlCol="0" anchor="ctr"/>
+          <a:lstStyle/>
+          <a:p>
+            <a:pPr algn="ctr"/>
+            <a:r>
+              <a:rPr lang="nb-NO" dirty="0"/>
+              <a:t>Fordeler</a:t>
+            </a:r>
+          </a:p>
+          <a:p>
+            <a:pPr algn="ctr"/>
+            <a:r>
+              <a:rPr lang="nb-NO" dirty="0"/>
+              <a:t>-6 [dB]</a:t>
+            </a:r>
+          </a:p>
+        </p:txBody>
+      </p:sp>
+      <mc:AlternateContent xmlns:mc="http://schemas.openxmlformats.org/markup-compatibility/2006">
+        <mc:Choice xmlns:a14="http://schemas.microsoft.com/office/drawing/2010/main" Requires="a14">
+          <p:sp>
+            <p:nvSpPr>
+              <p:cNvPr id="22" name="TekstSylinder 21">
+                <a:extLst>
+                  <a:ext uri="{FF2B5EF4-FFF2-40B4-BE49-F238E27FC236}">
+                    <a16:creationId xmlns:a16="http://schemas.microsoft.com/office/drawing/2014/main" id="{57971AA1-5BBB-A860-9BBB-98C81AA9FADD}"/>
+                  </a:ext>
+                </a:extLst>
+              </p:cNvPr>
+              <p:cNvSpPr txBox="1"/>
+              <p:nvPr/>
+            </p:nvSpPr>
+            <p:spPr>
+              <a:xfrm>
+                <a:off x="7681578" y="704009"/>
+                <a:ext cx="2052226" cy="369332"/>
+              </a:xfrm>
+              <a:prstGeom prst="rect">
+                <a:avLst/>
+              </a:prstGeom>
+              <a:noFill/>
+            </p:spPr>
+            <p:txBody>
+              <a:bodyPr wrap="square" lIns="0" tIns="0" rIns="0" bIns="0" rtlCol="0">
+                <a:spAutoFit/>
+              </a:bodyPr>
+              <a:lstStyle/>
+              <a:p>
+                <a:pPr/>
+                <a14:m>
+                  <m:oMathPara xmlns:m="http://schemas.openxmlformats.org/officeDocument/2006/math">
+                    <m:oMathParaPr>
+                      <m:jc m:val="centerGroup"/>
+                    </m:oMathParaPr>
+                    <m:oMath xmlns:m="http://schemas.openxmlformats.org/officeDocument/2006/math">
+                      <m:sSub>
+                        <m:sSubPr>
+                          <m:ctrlPr>
+                            <a:rPr lang="nb-NO" sz="2400" b="0" i="1" smtClean="0">
+                              <a:latin typeface="Cambria Math" panose="02040503050406030204" pitchFamily="18" charset="0"/>
+                            </a:rPr>
+                          </m:ctrlPr>
+                        </m:sSubPr>
+                        <m:e>
+                          <m:r>
+                            <a:rPr lang="nb-NO" sz="2400" b="0" i="1" smtClean="0">
+                              <a:latin typeface="Cambria Math" panose="02040503050406030204" pitchFamily="18" charset="0"/>
+                            </a:rPr>
+                            <m:t>𝐹</m:t>
+                          </m:r>
+                        </m:e>
+                        <m:sub>
+                          <m:r>
+                            <a:rPr lang="nb-NO" sz="2400" b="0" i="1" smtClean="0">
+                              <a:latin typeface="Cambria Math" panose="02040503050406030204" pitchFamily="18" charset="0"/>
+                            </a:rPr>
+                            <m:t>3</m:t>
+                          </m:r>
+                        </m:sub>
+                      </m:sSub>
+                      <m:r>
+                        <a:rPr lang="nb-NO" sz="2400" b="0" i="1" smtClean="0">
+                          <a:latin typeface="Cambria Math" panose="02040503050406030204" pitchFamily="18" charset="0"/>
+                        </a:rPr>
+                        <m:t>=0,03</m:t>
+                      </m:r>
+                    </m:oMath>
+                  </m:oMathPara>
+                </a14:m>
+                <a:endParaRPr lang="nb-NO" dirty="0"/>
+              </a:p>
+            </p:txBody>
+          </p:sp>
+        </mc:Choice>
+        <mc:Fallback>
+          <p:sp>
+            <p:nvSpPr>
+              <p:cNvPr id="22" name="TekstSylinder 21">
+                <a:extLst>
+                  <a:ext uri="{FF2B5EF4-FFF2-40B4-BE49-F238E27FC236}">
+                    <a16:creationId xmlns:a16="http://schemas.microsoft.com/office/drawing/2014/main" id="{57971AA1-5BBB-A860-9BBB-98C81AA9FADD}"/>
+                  </a:ext>
+                </a:extLst>
+              </p:cNvPr>
+              <p:cNvSpPr txBox="1">
+                <a:spLocks noRot="1" noChangeAspect="1" noMove="1" noResize="1" noEditPoints="1" noAdjustHandles="1" noChangeArrowheads="1" noChangeShapeType="1" noTextEdit="1"/>
+              </p:cNvSpPr>
+              <p:nvPr/>
+            </p:nvSpPr>
+            <p:spPr>
+              <a:xfrm>
+                <a:off x="7681578" y="704009"/>
+                <a:ext cx="2052226" cy="369332"/>
+              </a:xfrm>
+              <a:prstGeom prst="rect">
+                <a:avLst/>
+              </a:prstGeom>
+              <a:blipFill>
+                <a:blip r:embed="rId4"/>
+                <a:stretch>
+                  <a:fillRect b="-11475"/>
+                </a:stretch>
+              </a:blipFill>
+            </p:spPr>
+            <p:txBody>
+              <a:bodyPr/>
+              <a:lstStyle/>
+              <a:p>
+                <a:r>
+                  <a:rPr lang="nb-NO">
+                    <a:noFill/>
+                  </a:rPr>
+                  <a:t> </a:t>
+                </a:r>
+              </a:p>
+            </p:txBody>
+          </p:sp>
+        </mc:Fallback>
+      </mc:AlternateContent>
+      <p:cxnSp>
+        <p:nvCxnSpPr>
+          <p:cNvPr id="23" name="Rett pilkobling 22">
+            <a:extLst>
+              <a:ext uri="{FF2B5EF4-FFF2-40B4-BE49-F238E27FC236}">
+                <a16:creationId xmlns:a16="http://schemas.microsoft.com/office/drawing/2014/main" id="{86CD21A4-771C-011F-03BA-5DB202FA37B8}"/>
+              </a:ext>
+            </a:extLst>
+          </p:cNvPr>
+          <p:cNvCxnSpPr>
+            <a:cxnSpLocks/>
+            <a:stCxn id="9" idx="0"/>
+            <a:endCxn id="10" idx="1"/>
+          </p:cNvCxnSpPr>
+          <p:nvPr/>
+        </p:nvCxnSpPr>
+        <p:spPr>
+          <a:xfrm flipV="1">
+            <a:off x="5906262" y="3241305"/>
+            <a:ext cx="1083061" cy="1"/>
+          </a:xfrm>
+          <a:prstGeom prst="straightConnector1">
+            <a:avLst/>
+          </a:prstGeom>
+          <a:ln w="38100">
+            <a:tailEnd type="triangle"/>
+          </a:ln>
+        </p:spPr>
+        <p:style>
+          <a:lnRef idx="1">
+            <a:schemeClr val="accent1"/>
+          </a:lnRef>
+          <a:fillRef idx="0">
+            <a:schemeClr val="accent1"/>
+          </a:fillRef>
+          <a:effectRef idx="0">
+            <a:schemeClr val="accent1"/>
+          </a:effectRef>
+          <a:fontRef idx="minor">
+            <a:schemeClr val="tx1"/>
+          </a:fontRef>
+        </p:style>
+      </p:cxnSp>
+      <p:cxnSp>
+        <p:nvCxnSpPr>
+          <p:cNvPr id="31" name="Rett pilkobling 30">
+            <a:extLst>
+              <a:ext uri="{FF2B5EF4-FFF2-40B4-BE49-F238E27FC236}">
+                <a16:creationId xmlns:a16="http://schemas.microsoft.com/office/drawing/2014/main" id="{2C3661BF-6C56-3251-2B29-9AB801414F46}"/>
+              </a:ext>
+            </a:extLst>
+          </p:cNvPr>
+          <p:cNvCxnSpPr>
+            <a:cxnSpLocks/>
+            <a:endCxn id="3" idx="1"/>
+          </p:cNvCxnSpPr>
+          <p:nvPr/>
+        </p:nvCxnSpPr>
+        <p:spPr>
+          <a:xfrm>
+            <a:off x="461854" y="3241305"/>
+            <a:ext cx="809610" cy="0"/>
+          </a:xfrm>
+          <a:prstGeom prst="straightConnector1">
+            <a:avLst/>
+          </a:prstGeom>
+          <a:ln w="38100">
+            <a:tailEnd type="triangle"/>
+          </a:ln>
+        </p:spPr>
+        <p:style>
+          <a:lnRef idx="1">
+            <a:schemeClr val="accent1"/>
+          </a:lnRef>
+          <a:fillRef idx="0">
+            <a:schemeClr val="accent1"/>
+          </a:fillRef>
+          <a:effectRef idx="0">
+            <a:schemeClr val="accent1"/>
+          </a:effectRef>
+          <a:fontRef idx="minor">
+            <a:schemeClr val="tx1"/>
+          </a:fontRef>
+        </p:style>
+      </p:cxnSp>
+      <p:cxnSp>
+        <p:nvCxnSpPr>
+          <p:cNvPr id="33" name="Rett pilkobling 32">
+            <a:extLst>
+              <a:ext uri="{FF2B5EF4-FFF2-40B4-BE49-F238E27FC236}">
+                <a16:creationId xmlns:a16="http://schemas.microsoft.com/office/drawing/2014/main" id="{2917CF7D-F9E4-7BBA-3A4D-D8D0D038340E}"/>
+              </a:ext>
+            </a:extLst>
+          </p:cNvPr>
+          <p:cNvCxnSpPr>
+            <a:cxnSpLocks/>
+            <a:stCxn id="10" idx="3"/>
+          </p:cNvCxnSpPr>
+          <p:nvPr/>
+        </p:nvCxnSpPr>
+        <p:spPr>
+          <a:xfrm>
+            <a:off x="9041551" y="3241305"/>
+            <a:ext cx="809608" cy="0"/>
+          </a:xfrm>
+          <a:prstGeom prst="straightConnector1">
+            <a:avLst/>
+          </a:prstGeom>
+          <a:ln w="38100">
+            <a:tailEnd type="triangle"/>
+          </a:ln>
+        </p:spPr>
+        <p:style>
+          <a:lnRef idx="1">
+            <a:schemeClr val="accent1"/>
+          </a:lnRef>
+          <a:fillRef idx="0">
+            <a:schemeClr val="accent1"/>
+          </a:fillRef>
+          <a:effectRef idx="0">
+            <a:schemeClr val="accent1"/>
+          </a:effectRef>
+          <a:fontRef idx="minor">
+            <a:schemeClr val="tx1"/>
+          </a:fontRef>
+        </p:style>
+      </p:cxnSp>
+      <mc:AlternateContent xmlns:mc="http://schemas.openxmlformats.org/markup-compatibility/2006">
+        <mc:Choice xmlns:a14="http://schemas.microsoft.com/office/drawing/2010/main" Requires="a14">
+          <p:sp>
+            <p:nvSpPr>
+              <p:cNvPr id="35" name="TekstSylinder 34">
+                <a:extLst>
+                  <a:ext uri="{FF2B5EF4-FFF2-40B4-BE49-F238E27FC236}">
+                    <a16:creationId xmlns:a16="http://schemas.microsoft.com/office/drawing/2014/main" id="{3F196ACC-99F0-2D5A-E271-99D9DCBE361D}"/>
+                  </a:ext>
+                </a:extLst>
+              </p:cNvPr>
+              <p:cNvSpPr txBox="1"/>
+              <p:nvPr/>
+            </p:nvSpPr>
+            <p:spPr>
+              <a:xfrm>
+                <a:off x="659396" y="644978"/>
+                <a:ext cx="1222322" cy="276999"/>
+              </a:xfrm>
+              <a:prstGeom prst="rect">
+                <a:avLst/>
+              </a:prstGeom>
+              <a:noFill/>
+            </p:spPr>
+            <p:txBody>
+              <a:bodyPr wrap="none" lIns="0" tIns="0" rIns="0" bIns="0" rtlCol="0">
+                <a:spAutoFit/>
+              </a:bodyPr>
+              <a:lstStyle/>
+              <a:p>
+                <a:pPr/>
+                <a14:m>
+                  <m:oMathPara xmlns:m="http://schemas.openxmlformats.org/officeDocument/2006/math">
+                    <m:oMathParaPr>
+                      <m:jc m:val="centerGroup"/>
+                    </m:oMathParaPr>
+                    <m:oMath xmlns:m="http://schemas.openxmlformats.org/officeDocument/2006/math">
+                      <m:sSub>
+                        <m:sSubPr>
+                          <m:ctrlPr>
+                            <a:rPr lang="nb-NO" b="0" i="1" smtClean="0">
+                              <a:latin typeface="Cambria Math" panose="02040503050406030204" pitchFamily="18" charset="0"/>
+                            </a:rPr>
+                          </m:ctrlPr>
+                        </m:sSubPr>
+                        <m:e>
+                          <m:r>
+                            <a:rPr lang="nb-NO" b="0" i="1" smtClean="0">
+                              <a:latin typeface="Cambria Math" panose="02040503050406030204" pitchFamily="18" charset="0"/>
+                            </a:rPr>
+                            <m:t>𝑈</m:t>
+                          </m:r>
+                        </m:e>
+                        <m:sub>
+                          <m:r>
+                            <a:rPr lang="nb-NO" b="0" i="1" smtClean="0">
+                              <a:latin typeface="Cambria Math" panose="02040503050406030204" pitchFamily="18" charset="0"/>
+                            </a:rPr>
+                            <m:t>𝑖𝑛𝑛</m:t>
+                          </m:r>
+                        </m:sub>
+                      </m:sSub>
+                      <m:r>
+                        <a:rPr lang="nb-NO" b="0" i="1" smtClean="0">
+                          <a:latin typeface="Cambria Math" panose="02040503050406030204" pitchFamily="18" charset="0"/>
+                        </a:rPr>
+                        <m:t>=5[</m:t>
+                      </m:r>
+                      <m:r>
+                        <a:rPr lang="nb-NO" b="0" i="1" smtClean="0">
+                          <a:latin typeface="Cambria Math" panose="02040503050406030204" pitchFamily="18" charset="0"/>
+                        </a:rPr>
+                        <m:t>𝑉</m:t>
+                      </m:r>
+                      <m:r>
+                        <a:rPr lang="nb-NO" b="0" i="1" smtClean="0">
+                          <a:latin typeface="Cambria Math" panose="02040503050406030204" pitchFamily="18" charset="0"/>
+                        </a:rPr>
+                        <m:t>]</m:t>
+                      </m:r>
+                    </m:oMath>
+                  </m:oMathPara>
+                </a14:m>
+                <a:endParaRPr lang="nb-NO" dirty="0"/>
+              </a:p>
+            </p:txBody>
+          </p:sp>
+        </mc:Choice>
+        <mc:Fallback>
+          <p:sp>
+            <p:nvSpPr>
+              <p:cNvPr id="35" name="TekstSylinder 34">
+                <a:extLst>
+                  <a:ext uri="{FF2B5EF4-FFF2-40B4-BE49-F238E27FC236}">
+                    <a16:creationId xmlns:a16="http://schemas.microsoft.com/office/drawing/2014/main" id="{3F196ACC-99F0-2D5A-E271-99D9DCBE361D}"/>
+                  </a:ext>
+                </a:extLst>
+              </p:cNvPr>
+              <p:cNvSpPr txBox="1">
+                <a:spLocks noRot="1" noChangeAspect="1" noMove="1" noResize="1" noEditPoints="1" noAdjustHandles="1" noChangeArrowheads="1" noChangeShapeType="1" noTextEdit="1"/>
+              </p:cNvSpPr>
+              <p:nvPr/>
+            </p:nvSpPr>
+            <p:spPr>
+              <a:xfrm>
+                <a:off x="659396" y="644978"/>
+                <a:ext cx="1222322" cy="276999"/>
+              </a:xfrm>
+              <a:prstGeom prst="rect">
+                <a:avLst/>
+              </a:prstGeom>
+              <a:blipFill>
+                <a:blip r:embed="rId5"/>
+                <a:stretch>
+                  <a:fillRect l="-3980" t="-4444" r="-6965" b="-37778"/>
+                </a:stretch>
+              </a:blipFill>
+            </p:spPr>
+            <p:txBody>
+              <a:bodyPr/>
+              <a:lstStyle/>
+              <a:p>
+                <a:r>
+                  <a:rPr lang="nb-NO">
+                    <a:noFill/>
+                  </a:rPr>
+                  <a:t> </a:t>
+                </a:r>
+              </a:p>
+            </p:txBody>
+          </p:sp>
+        </mc:Fallback>
+      </mc:AlternateContent>
+      <mc:AlternateContent xmlns:mc="http://schemas.openxmlformats.org/markup-compatibility/2006">
+        <mc:Choice xmlns:a14="http://schemas.microsoft.com/office/drawing/2010/main" Requires="a14">
+          <p:sp>
+            <p:nvSpPr>
+              <p:cNvPr id="36" name="TekstSylinder 35">
+                <a:extLst>
+                  <a:ext uri="{FF2B5EF4-FFF2-40B4-BE49-F238E27FC236}">
+                    <a16:creationId xmlns:a16="http://schemas.microsoft.com/office/drawing/2014/main" id="{BF0C63F0-B4DB-F4DB-AAEB-E17341F15409}"/>
+                  </a:ext>
+                </a:extLst>
+              </p:cNvPr>
+              <p:cNvSpPr txBox="1"/>
+              <p:nvPr/>
+            </p:nvSpPr>
+            <p:spPr>
+              <a:xfrm>
+                <a:off x="10099337" y="654131"/>
+                <a:ext cx="387863" cy="276999"/>
+              </a:xfrm>
+              <a:prstGeom prst="rect">
+                <a:avLst/>
+              </a:prstGeom>
+              <a:noFill/>
+            </p:spPr>
+            <p:txBody>
+              <a:bodyPr wrap="none" lIns="0" tIns="0" rIns="0" bIns="0" rtlCol="0">
+                <a:spAutoFit/>
+              </a:bodyPr>
+              <a:lstStyle/>
+              <a:p>
+                <a:pPr/>
+                <a14:m>
+                  <m:oMathPara xmlns:m="http://schemas.openxmlformats.org/officeDocument/2006/math">
+                    <m:oMathParaPr>
+                      <m:jc m:val="centerGroup"/>
+                    </m:oMathParaPr>
+                    <m:oMath xmlns:m="http://schemas.openxmlformats.org/officeDocument/2006/math">
+                      <m:sSub>
+                        <m:sSubPr>
+                          <m:ctrlPr>
+                            <a:rPr lang="nb-NO" b="0" i="1" smtClean="0">
+                              <a:latin typeface="Cambria Math" panose="02040503050406030204" pitchFamily="18" charset="0"/>
+                            </a:rPr>
+                          </m:ctrlPr>
+                        </m:sSubPr>
+                        <m:e>
+                          <m:r>
+                            <a:rPr lang="nb-NO" b="0" i="1" smtClean="0">
+                              <a:latin typeface="Cambria Math" panose="02040503050406030204" pitchFamily="18" charset="0"/>
+                            </a:rPr>
+                            <m:t>𝑈</m:t>
+                          </m:r>
+                        </m:e>
+                        <m:sub>
+                          <m:r>
+                            <a:rPr lang="nb-NO" b="0" i="1" smtClean="0">
+                              <a:latin typeface="Cambria Math" panose="02040503050406030204" pitchFamily="18" charset="0"/>
+                            </a:rPr>
+                            <m:t>𝑢𝑡</m:t>
+                          </m:r>
+                        </m:sub>
+                      </m:sSub>
+                    </m:oMath>
+                  </m:oMathPara>
+                </a14:m>
+                <a:endParaRPr lang="nb-NO" dirty="0"/>
+              </a:p>
+            </p:txBody>
+          </p:sp>
+        </mc:Choice>
+        <mc:Fallback>
+          <p:sp>
+            <p:nvSpPr>
+              <p:cNvPr id="36" name="TekstSylinder 35">
+                <a:extLst>
+                  <a:ext uri="{FF2B5EF4-FFF2-40B4-BE49-F238E27FC236}">
+                    <a16:creationId xmlns:a16="http://schemas.microsoft.com/office/drawing/2014/main" id="{BF0C63F0-B4DB-F4DB-AAEB-E17341F15409}"/>
+                  </a:ext>
+                </a:extLst>
+              </p:cNvPr>
+              <p:cNvSpPr txBox="1">
+                <a:spLocks noRot="1" noChangeAspect="1" noMove="1" noResize="1" noEditPoints="1" noAdjustHandles="1" noChangeArrowheads="1" noChangeShapeType="1" noTextEdit="1"/>
+              </p:cNvSpPr>
+              <p:nvPr/>
+            </p:nvSpPr>
+            <p:spPr>
+              <a:xfrm>
+                <a:off x="10099337" y="654131"/>
+                <a:ext cx="387863" cy="276999"/>
+              </a:xfrm>
+              <a:prstGeom prst="rect">
+                <a:avLst/>
+              </a:prstGeom>
+              <a:blipFill>
+                <a:blip r:embed="rId6"/>
+                <a:stretch>
+                  <a:fillRect l="-15873" r="-6349" b="-13043"/>
+                </a:stretch>
+              </a:blipFill>
+            </p:spPr>
+            <p:txBody>
+              <a:bodyPr/>
+              <a:lstStyle/>
+              <a:p>
+                <a:r>
+                  <a:rPr lang="nb-NO">
+                    <a:noFill/>
+                  </a:rPr>
+                  <a:t> </a:t>
+                </a:r>
+              </a:p>
+            </p:txBody>
+          </p:sp>
+        </mc:Fallback>
+      </mc:AlternateContent>
+      <p:sp>
+        <p:nvSpPr>
+          <p:cNvPr id="2" name="Rektangel 1">
+            <a:extLst>
+              <a:ext uri="{FF2B5EF4-FFF2-40B4-BE49-F238E27FC236}">
+                <a16:creationId xmlns:a16="http://schemas.microsoft.com/office/drawing/2014/main" id="{64F1EEC0-1A71-40DA-3963-42346B8EA035}"/>
+              </a:ext>
+            </a:extLst>
+          </p:cNvPr>
+          <p:cNvSpPr/>
+          <p:nvPr/>
+        </p:nvSpPr>
+        <p:spPr>
+          <a:xfrm>
+            <a:off x="9984432" y="1988840"/>
+            <a:ext cx="2052228" cy="560714"/>
+          </a:xfrm>
+          <a:prstGeom prst="rect">
+            <a:avLst/>
+          </a:prstGeom>
+        </p:spPr>
+        <p:style>
+          <a:lnRef idx="2">
+            <a:schemeClr val="accent1">
+              <a:shade val="15000"/>
+            </a:schemeClr>
+          </a:lnRef>
+          <a:fillRef idx="1">
+            <a:schemeClr val="accent1"/>
+          </a:fillRef>
+          <a:effectRef idx="0">
+            <a:schemeClr val="accent1"/>
+          </a:effectRef>
+          <a:fontRef idx="minor">
+            <a:schemeClr val="lt1"/>
+          </a:fontRef>
+        </p:style>
+        <p:txBody>
+          <a:bodyPr rtlCol="0" anchor="ctr"/>
+          <a:lstStyle/>
+          <a:p>
+            <a:pPr algn="ctr"/>
+            <a:r>
+              <a:rPr lang="nb-NO" dirty="0"/>
+              <a:t>Kontakt</a:t>
+            </a:r>
+          </a:p>
+          <a:p>
+            <a:pPr algn="ctr"/>
+            <a:r>
+              <a:rPr lang="nb-NO" dirty="0"/>
+              <a:t>-6 [dB]</a:t>
+            </a:r>
+          </a:p>
+        </p:txBody>
+      </p:sp>
+      <p:cxnSp>
+        <p:nvCxnSpPr>
+          <p:cNvPr id="5" name="Rett pilkobling 4">
+            <a:extLst>
+              <a:ext uri="{FF2B5EF4-FFF2-40B4-BE49-F238E27FC236}">
+                <a16:creationId xmlns:a16="http://schemas.microsoft.com/office/drawing/2014/main" id="{F060C82D-C80E-2376-B73F-571CFF4E2C6C}"/>
+              </a:ext>
+            </a:extLst>
+          </p:cNvPr>
+          <p:cNvCxnSpPr>
+            <a:cxnSpLocks/>
+          </p:cNvCxnSpPr>
+          <p:nvPr/>
+        </p:nvCxnSpPr>
+        <p:spPr>
+          <a:xfrm>
+            <a:off x="9041551" y="3429000"/>
+            <a:ext cx="809608" cy="0"/>
+          </a:xfrm>
+          <a:prstGeom prst="straightConnector1">
+            <a:avLst/>
+          </a:prstGeom>
+          <a:ln w="38100">
+            <a:tailEnd type="triangle"/>
+          </a:ln>
+        </p:spPr>
+        <p:style>
+          <a:lnRef idx="1">
+            <a:schemeClr val="accent1"/>
+          </a:lnRef>
+          <a:fillRef idx="0">
+            <a:schemeClr val="accent1"/>
+          </a:fillRef>
+          <a:effectRef idx="0">
+            <a:schemeClr val="accent1"/>
+          </a:effectRef>
+          <a:fontRef idx="minor">
+            <a:schemeClr val="tx1"/>
+          </a:fontRef>
+        </p:style>
+      </p:cxnSp>
+      <p:cxnSp>
+        <p:nvCxnSpPr>
+          <p:cNvPr id="8" name="Kobling: vinkel 7">
+            <a:extLst>
+              <a:ext uri="{FF2B5EF4-FFF2-40B4-BE49-F238E27FC236}">
+                <a16:creationId xmlns:a16="http://schemas.microsoft.com/office/drawing/2014/main" id="{B5A0DDE4-9EC1-03A4-63E0-BE874092065D}"/>
+              </a:ext>
+            </a:extLst>
+          </p:cNvPr>
+          <p:cNvCxnSpPr>
+            <a:endCxn id="2" idx="1"/>
+          </p:cNvCxnSpPr>
+          <p:nvPr/>
+        </p:nvCxnSpPr>
+        <p:spPr>
+          <a:xfrm flipV="1">
+            <a:off x="9041551" y="2269197"/>
+            <a:ext cx="942881" cy="691751"/>
+          </a:xfrm>
+          <a:prstGeom prst="bentConnector3">
+            <a:avLst/>
+          </a:prstGeom>
+          <a:ln w="38100">
+            <a:tailEnd type="triangle"/>
+          </a:ln>
+        </p:spPr>
+        <p:style>
+          <a:lnRef idx="1">
+            <a:schemeClr val="accent1"/>
+          </a:lnRef>
+          <a:fillRef idx="0">
+            <a:schemeClr val="accent1"/>
+          </a:fillRef>
+          <a:effectRef idx="0">
+            <a:schemeClr val="accent1"/>
+          </a:effectRef>
+          <a:fontRef idx="minor">
+            <a:schemeClr val="tx1"/>
+          </a:fontRef>
+        </p:style>
+      </p:cxnSp>
+      <p:sp>
+        <p:nvSpPr>
+          <p:cNvPr id="9" name="Sylinder 8">
+            <a:extLst>
+              <a:ext uri="{FF2B5EF4-FFF2-40B4-BE49-F238E27FC236}">
+                <a16:creationId xmlns:a16="http://schemas.microsoft.com/office/drawing/2014/main" id="{083D67E8-FD3E-AAB8-E094-50C53DBBE828}"/>
+              </a:ext>
+            </a:extLst>
+          </p:cNvPr>
+          <p:cNvSpPr/>
+          <p:nvPr/>
+        </p:nvSpPr>
+        <p:spPr>
+          <a:xfrm rot="5400000">
+            <a:off x="4739970" y="2215192"/>
+            <a:ext cx="560714" cy="2052227"/>
+          </a:xfrm>
+          <a:prstGeom prst="can">
+            <a:avLst/>
+          </a:prstGeom>
+        </p:spPr>
+        <p:style>
+          <a:lnRef idx="2">
+            <a:schemeClr val="accent1">
+              <a:shade val="15000"/>
+            </a:schemeClr>
+          </a:lnRef>
+          <a:fillRef idx="1">
+            <a:schemeClr val="accent1"/>
+          </a:fillRef>
+          <a:effectRef idx="0">
+            <a:schemeClr val="accent1"/>
+          </a:effectRef>
+          <a:fontRef idx="minor">
+            <a:schemeClr val="lt1"/>
+          </a:fontRef>
+        </p:style>
+        <p:txBody>
+          <a:bodyPr vert="vert270" rtlCol="0" anchor="ctr"/>
+          <a:lstStyle/>
+          <a:p>
+            <a:pPr algn="ctr"/>
+            <a:r>
+              <a:rPr lang="nb-NO" dirty="0"/>
+              <a:t>Kable </a:t>
+            </a:r>
+          </a:p>
+          <a:p>
+            <a:pPr algn="ctr"/>
+            <a:r>
+              <a:rPr lang="nb-NO" dirty="0"/>
+              <a:t>-1,5 [dB]</a:t>
+            </a:r>
+          </a:p>
+        </p:txBody>
+      </p:sp>
+    </p:spTree>
+    <p:extLst>
+      <p:ext uri="{BB962C8B-B14F-4D97-AF65-F5344CB8AC3E}">
+        <p14:creationId xmlns:p14="http://schemas.microsoft.com/office/powerpoint/2010/main" val="1741850311"/>
       </p:ext>
     </p:extLst>
   </p:cSld>
